--- a/yang-manager/reports/YangArchiAnimatedCameraReady2.pptx
+++ b/yang-manager/reports/YangArchiAnimatedCameraReady2.pptx
@@ -8890,54 +8890,75 @@
           <a:p>
             <a:r>
               <a:rPr lang="en-US" noProof="0" dirty="0" smtClean="0"/>
-              <a:t>Basically, Yang is for describes XML documents and can be compared to XSD or </a:t>
-            </a:r>
-            <a:r>
-              <a:rPr lang="en-US" noProof="0" dirty="0" err="1" smtClean="0"/>
-              <a:t>RelaxNG</a:t>
+              <a:t>Basically, Yang is used for describe XML data and is</a:t>
+            </a:r>
+            <a:r>
+              <a:rPr lang="en-US" baseline="0" noProof="0" dirty="0" smtClean="0"/>
+              <a:t> similar </a:t>
             </a:r>
             <a:r>
               <a:rPr lang="en-US" noProof="0" dirty="0" smtClean="0"/>
-              <a:t> that have the same purpose.</a:t>
+              <a:t>to XSDL.</a:t>
             </a:r>
             <a:r>
               <a:rPr lang="en-US" baseline="0" noProof="0" dirty="0" smtClean="0"/>
-              <a:t> A mapping from Yang to XSDL is already defined in a draft proposition.</a:t>
-            </a:r>
+              <a:t> A mapping from Yang to DSDL is already defined in a draft proposition.</a:t>
+            </a:r>
+          </a:p>
+          <a:p>
+            <a:endParaRPr lang="en-US" baseline="0" noProof="0" dirty="0" smtClean="0"/>
           </a:p>
           <a:p>
             <a:r>
               <a:rPr lang="en-US" baseline="0" noProof="0" dirty="0" smtClean="0"/>
-              <a:t>Benefits of using Yang are its </a:t>
-            </a:r>
-            <a:r>
-              <a:rPr lang="en-US" baseline="0" noProof="0" dirty="0" err="1" smtClean="0"/>
-              <a:t>readibility</a:t>
-            </a:r>
+              <a:t>Benefit of using Yang is first its readability, as in this example that shows an XSD specification and the same with Yang.</a:t>
+            </a:r>
+          </a:p>
+          <a:p>
             <a:r>
               <a:rPr lang="en-US" baseline="0" noProof="0" dirty="0" smtClean="0"/>
-              <a:t>, as in this example that shows an XSD definition and the same with Yang.</a:t>
+              <a:t>Yang is certainly less powerful than XSD but it has sufficient features to model complex configuration data and is really more easy to learn.</a:t>
             </a:r>
           </a:p>
           <a:p>
             <a:r>
               <a:rPr lang="en-US" baseline="0" noProof="0" dirty="0" smtClean="0"/>
-              <a:t>Other interest are its integration within the IETF standardization process that will lead to the definition of standard configurations shared between network devices and management applications.</a:t>
-            </a:r>
+              <a:t> </a:t>
+            </a:r>
+          </a:p>
+          <a:p>
+            <a:r>
+              <a:rPr lang="en-US" baseline="0" noProof="0" dirty="0" smtClean="0"/>
+              <a:t>Other interest is the IETF standardization context. Yang will be a Request for comment and will not depend on other standardization bodies as W3C.</a:t>
+            </a:r>
+          </a:p>
+          <a:p>
+            <a:r>
+              <a:rPr lang="en-US" baseline="0" noProof="0" dirty="0" smtClean="0"/>
+              <a:t>In such context the next step will be the specification of several configuration published as standards that everyone will be able to use as it is the case for SNMP Management information base and the structure of management information. </a:t>
+            </a:r>
+          </a:p>
+          <a:p>
+            <a:endParaRPr lang="en-US" noProof="0" dirty="0" smtClean="0"/>
           </a:p>
           <a:p>
             <a:r>
               <a:rPr lang="en-US" noProof="0" dirty="0" smtClean="0"/>
-              <a:t>Of course vendor of network devices can design</a:t>
+              <a:t>Of course vendors of network devices will be able to design</a:t>
             </a:r>
             <a:r>
               <a:rPr lang="en-US" baseline="0" noProof="0" dirty="0" smtClean="0"/>
-              <a:t> their proper data model, specific to their equipment. Yang facilitates reusability of data model from other models such ones defined by the IETF or by </a:t>
-            </a:r>
-            <a:r>
-              <a:rPr lang="en-US" baseline="0" noProof="0" smtClean="0"/>
-              <a:t>vendor itself.</a:t>
-            </a:r>
+              <a:t> their proper configuration data models, specifics to their equipments or derived from existing standards. </a:t>
+            </a:r>
+          </a:p>
+          <a:p>
+            <a:r>
+              <a:rPr lang="en-US" baseline="0" noProof="0" dirty="0" smtClean="0"/>
+              <a:t>Yang facilitates reusability of existing data model, with several possibilities to extend or refine them.</a:t>
+            </a:r>
+            <a:endParaRPr lang="en-US" baseline="0" noProof="0" smtClean="0"/>
+          </a:p>
+          <a:p>
             <a:endParaRPr lang="en-US" noProof="0" dirty="0"/>
           </a:p>
         </p:txBody>
@@ -8995,16 +9016,6 @@
             <a:normAutofit lnSpcReduction="10000"/>
           </a:bodyPr>
           <a:lstStyle/>
-          <a:p>
-            <a:pPr algn="just"/>
-            <a:r>
-              <a:rPr lang="en-US" sz="1000" b="0" i="0" baseline="0" dirty="0" smtClean="0">
-                <a:latin typeface="Times New Roman"/>
-                <a:cs typeface="Times New Roman"/>
-              </a:rPr>
-              <a:t>Lets see how Yang model such data tree.</a:t>
-            </a:r>
-          </a:p>
           <a:p>
             <a:pPr algn="just"/>
             <a:endParaRPr lang="en-US" sz="1000" b="0" i="0" baseline="0" dirty="0" smtClean="0">
@@ -29879,7 +29890,9 @@
         </p:nvSpPr>
         <p:spPr/>
         <p:txBody>
-          <a:bodyPr/>
+          <a:bodyPr>
+            <a:normAutofit lnSpcReduction="10000"/>
+          </a:bodyPr>
           <a:lstStyle/>
           <a:p>
             <a:r>
@@ -29888,16 +29901,20 @@
             </a:r>
             <a:r>
               <a:rPr lang="en-US" dirty="0" smtClean="0"/>
-              <a:t>XML data (as XSD, </a:t>
-            </a:r>
-            <a:r>
-              <a:rPr lang="en-US" dirty="0" err="1" smtClean="0"/>
-              <a:t>RelaxNG</a:t>
+              <a:t>XML data (as </a:t>
             </a:r>
             <a:r>
               <a:rPr lang="en-US" dirty="0" smtClean="0"/>
-              <a:t>)</a:t>
-            </a:r>
+              <a:t>XSDL)</a:t>
+            </a:r>
+          </a:p>
+          <a:p>
+            <a:pPr lvl="1"/>
+            <a:r>
+              <a:rPr lang="en-US" dirty="0" smtClean="0"/>
+              <a:t>Yang -&gt; DSDL</a:t>
+            </a:r>
+            <a:endParaRPr lang="en-US" dirty="0" smtClean="0"/>
           </a:p>
           <a:p>
             <a:pPr lvl="1"/>
@@ -29910,28 +29927,68 @@
           <a:p>
             <a:r>
               <a:rPr lang="en-US" dirty="0" smtClean="0"/>
-              <a:t>IETF standards</a:t>
+              <a:t>IETF</a:t>
             </a:r>
           </a:p>
           <a:p>
             <a:pPr lvl="1"/>
             <a:r>
               <a:rPr lang="en-US" dirty="0" smtClean="0"/>
-              <a:t>Standards configuration (devices/application)</a:t>
-            </a:r>
-          </a:p>
-          <a:p>
+              <a:t>Yang is (will be) a RFC</a:t>
+            </a:r>
+            <a:endParaRPr lang="en-US" dirty="0" smtClean="0"/>
+          </a:p>
+          <a:p>
+            <a:pPr lvl="1"/>
             <a:r>
               <a:rPr lang="en-US" dirty="0" smtClean="0"/>
-              <a:t>Vendor standards</a:t>
+              <a:t>Standards configuration (as SNMP </a:t>
+            </a:r>
+            <a:r>
+              <a:rPr lang="en-US" dirty="0" err="1" smtClean="0"/>
+              <a:t>MIBs</a:t>
+            </a:r>
+            <a:r>
+              <a:rPr lang="en-US" dirty="0" smtClean="0"/>
+              <a:t> and SMI)</a:t>
             </a:r>
           </a:p>
           <a:p>
             <a:pPr lvl="1"/>
             <a:r>
               <a:rPr lang="en-US" dirty="0" smtClean="0"/>
-              <a:t>From IETF or local models</a:t>
-            </a:r>
+              <a:t>Vendors standards</a:t>
+            </a:r>
+          </a:p>
+          <a:p>
+            <a:pPr lvl="1"/>
+            <a:r>
+              <a:rPr lang="en-US" dirty="0" smtClean="0"/>
+              <a:t>Reusability, extensibility, refinement</a:t>
+            </a:r>
+          </a:p>
+          <a:p>
+            <a:r>
+              <a:rPr lang="en-US" dirty="0" err="1" smtClean="0"/>
+              <a:t>urls</a:t>
+            </a:r>
+            <a:r>
+              <a:rPr lang="en-US" dirty="0" smtClean="0"/>
+              <a:t> : </a:t>
+            </a:r>
+            <a:r>
+              <a:rPr lang="fr-FR" sz="2800" i="1" dirty="0" smtClean="0"/>
+              <a:t>www.netconfcentral.com</a:t>
+            </a:r>
+            <a:r>
+              <a:rPr lang="fr-FR" sz="2800" i="1" dirty="0" smtClean="0"/>
+              <a:t>, </a:t>
+            </a:r>
+            <a:r>
+              <a:rPr lang="fr-FR" sz="2800" i="1" dirty="0" err="1" smtClean="0"/>
+              <a:t>www.yang-central.org</a:t>
+            </a:r>
+            <a:endParaRPr lang="en-US" sz="2800" i="1" dirty="0" smtClean="0"/>
           </a:p>
           <a:p>
             <a:pPr lvl="1"/>

--- a/yang-manager/reports/YangArchiAnimatedCameraReady2.pptx
+++ b/yang-manager/reports/YangArchiAnimatedCameraReady2.pptx
@@ -2040,436 +2040,6 @@
       <dsp:cNvGrpSpPr/>
     </dsp:nvGrpSpPr>
     <dsp:grpSpPr/>
-    <dsp:sp modelId="{2518A001-474D-614F-AF9D-2D477637D791}">
-      <dsp:nvSpPr>
-        <dsp:cNvPr id="0" name=""/>
-        <dsp:cNvSpPr/>
-      </dsp:nvSpPr>
-      <dsp:spPr>
-        <a:xfrm>
-          <a:off x="598174" y="332194"/>
-          <a:ext cx="2185964" cy="759156"/>
-        </a:xfrm>
-        <a:prstGeom prst="ellipse">
-          <a:avLst/>
-        </a:prstGeom>
-        <a:solidFill>
-          <a:schemeClr val="accent1">
-            <a:tint val="50000"/>
-            <a:alpha val="40000"/>
-            <a:hueOff val="0"/>
-            <a:satOff val="0"/>
-            <a:lumOff val="0"/>
-            <a:alphaOff val="0"/>
-          </a:schemeClr>
-        </a:solidFill>
-        <a:ln>
-          <a:noFill/>
-        </a:ln>
-        <a:effectLst/>
-        <a:sp3d z="-152400" prstMaterial="matte"/>
-      </dsp:spPr>
-      <dsp:style>
-        <a:lnRef idx="0">
-          <a:scrgbClr r="0" g="0" b="0"/>
-        </a:lnRef>
-        <a:fillRef idx="1">
-          <a:scrgbClr r="0" g="0" b="0"/>
-        </a:fillRef>
-        <a:effectRef idx="0">
-          <a:scrgbClr r="0" g="0" b="0"/>
-        </a:effectRef>
-        <a:fontRef idx="minor"/>
-      </dsp:style>
-    </dsp:sp>
-    <dsp:sp modelId="{90598AB8-3CA4-1949-A60B-B8AADA27429A}">
-      <dsp:nvSpPr>
-        <dsp:cNvPr id="0" name=""/>
-        <dsp:cNvSpPr/>
-      </dsp:nvSpPr>
-      <dsp:spPr>
-        <a:xfrm>
-          <a:off x="1482728" y="2191111"/>
-          <a:ext cx="423636" cy="271127"/>
-        </a:xfrm>
-        <a:prstGeom prst="downArrow">
-          <a:avLst/>
-        </a:prstGeom>
-        <a:solidFill>
-          <a:schemeClr val="accent1">
-            <a:tint val="60000"/>
-            <a:hueOff val="0"/>
-            <a:satOff val="0"/>
-            <a:lumOff val="0"/>
-            <a:alphaOff val="0"/>
-          </a:schemeClr>
-        </a:solidFill>
-        <a:ln>
-          <a:noFill/>
-        </a:ln>
-        <a:effectLst/>
-        <a:sp3d z="57200" extrusionH="600" contourW="3000" prstMaterial="plastic">
-          <a:bevelT w="80600" h="18600" prst="relaxedInset"/>
-          <a:bevelB w="80600" h="8600" prst="relaxedInset"/>
-        </a:sp3d>
-      </dsp:spPr>
-      <dsp:style>
-        <a:lnRef idx="0">
-          <a:scrgbClr r="0" g="0" b="0"/>
-        </a:lnRef>
-        <a:fillRef idx="1">
-          <a:scrgbClr r="0" g="0" b="0"/>
-        </a:fillRef>
-        <a:effectRef idx="0">
-          <a:scrgbClr r="0" g="0" b="0"/>
-        </a:effectRef>
-        <a:fontRef idx="minor"/>
-      </dsp:style>
-    </dsp:sp>
-    <dsp:sp modelId="{3E215222-9001-CC42-925A-BD955DE41596}">
-      <dsp:nvSpPr>
-        <dsp:cNvPr id="0" name=""/>
-        <dsp:cNvSpPr/>
-      </dsp:nvSpPr>
-      <dsp:spPr>
-        <a:xfrm>
-          <a:off x="677818" y="2408013"/>
-          <a:ext cx="2033455" cy="508363"/>
-        </a:xfrm>
-        <a:prstGeom prst="rect">
-          <a:avLst/>
-        </a:prstGeom>
-        <a:noFill/>
-        <a:ln>
-          <a:noFill/>
-        </a:ln>
-        <a:effectLst/>
-      </dsp:spPr>
-      <dsp:style>
-        <a:lnRef idx="0">
-          <a:scrgbClr r="0" g="0" b="0"/>
-        </a:lnRef>
-        <a:fillRef idx="0">
-          <a:scrgbClr r="0" g="0" b="0"/>
-        </a:fillRef>
-        <a:effectRef idx="0">
-          <a:scrgbClr r="0" g="0" b="0"/>
-        </a:effectRef>
-        <a:fontRef idx="minor"/>
-      </dsp:style>
-      <dsp:txBody>
-        <a:bodyPr spcFirstLastPara="0" vert="horz" wrap="square" lIns="128016" tIns="128016" rIns="128016" bIns="128016" numCol="1" spcCol="1270" anchor="ctr" anchorCtr="0">
-          <a:noAutofit/>
-        </a:bodyPr>
-        <a:lstStyle/>
-        <a:p>
-          <a:pPr lvl="0" algn="ctr" defTabSz="800100">
-            <a:lnSpc>
-              <a:spcPct val="90000"/>
-            </a:lnSpc>
-            <a:spcBef>
-              <a:spcPct val="0"/>
-            </a:spcBef>
-            <a:spcAft>
-              <a:spcPct val="35000"/>
-            </a:spcAft>
-          </a:pPr>
-          <a:endParaRPr lang="fr-FR" sz="1800" kern="1200" dirty="0"/>
-        </a:p>
-      </dsp:txBody>
-      <dsp:txXfrm>
-        <a:off x="677818" y="2408013"/>
-        <a:ext cx="2033455" cy="508363"/>
-      </dsp:txXfrm>
-    </dsp:sp>
-    <dsp:sp modelId="{92622216-3848-3D47-96A5-61ABF3D2AC99}">
-      <dsp:nvSpPr>
-        <dsp:cNvPr id="0" name=""/>
-        <dsp:cNvSpPr/>
-      </dsp:nvSpPr>
-      <dsp:spPr>
-        <a:xfrm>
-          <a:off x="1392917" y="1149982"/>
-          <a:ext cx="762545" cy="762545"/>
-        </a:xfrm>
-        <a:prstGeom prst="ellipse">
-          <a:avLst/>
-        </a:prstGeom>
-        <a:solidFill>
-          <a:schemeClr val="accent1">
-            <a:hueOff val="0"/>
-            <a:satOff val="0"/>
-            <a:lumOff val="0"/>
-            <a:alphaOff val="0"/>
-          </a:schemeClr>
-        </a:solidFill>
-        <a:ln>
-          <a:noFill/>
-        </a:ln>
-        <a:effectLst>
-          <a:outerShdw blurRad="40000" dist="20000" dir="5400000" rotWithShape="0">
-            <a:srgbClr val="000000">
-              <a:alpha val="38000"/>
-            </a:srgbClr>
-          </a:outerShdw>
-        </a:effectLst>
-        <a:sp3d extrusionH="50600" prstMaterial="metal">
-          <a:bevelT w="101600" h="80600" prst="relaxedInset"/>
-          <a:bevelB w="80600" h="80600" prst="relaxedInset"/>
-        </a:sp3d>
-      </dsp:spPr>
-      <dsp:style>
-        <a:lnRef idx="0">
-          <a:scrgbClr r="0" g="0" b="0"/>
-        </a:lnRef>
-        <a:fillRef idx="1">
-          <a:scrgbClr r="0" g="0" b="0"/>
-        </a:fillRef>
-        <a:effectRef idx="1">
-          <a:scrgbClr r="0" g="0" b="0"/>
-        </a:effectRef>
-        <a:fontRef idx="minor">
-          <a:schemeClr val="dk1"/>
-        </a:fontRef>
-      </dsp:style>
-      <dsp:txBody>
-        <a:bodyPr spcFirstLastPara="0" vert="horz" wrap="square" lIns="11430" tIns="11430" rIns="11430" bIns="11430" numCol="1" spcCol="1270" anchor="ctr" anchorCtr="0">
-          <a:noAutofit/>
-        </a:bodyPr>
-        <a:lstStyle/>
-        <a:p>
-          <a:pPr lvl="0" algn="ctr" defTabSz="400050">
-            <a:lnSpc>
-              <a:spcPct val="90000"/>
-            </a:lnSpc>
-            <a:spcBef>
-              <a:spcPct val="0"/>
-            </a:spcBef>
-            <a:spcAft>
-              <a:spcPct val="35000"/>
-            </a:spcAft>
-          </a:pPr>
-          <a:r>
-            <a:rPr lang="fr-FR" sz="900" kern="1200" dirty="0" smtClean="0"/>
-            <a:t>YANG submodule sa1</a:t>
-          </a:r>
-          <a:endParaRPr lang="fr-FR" sz="900" kern="1200" dirty="0"/>
-        </a:p>
-      </dsp:txBody>
-      <dsp:txXfrm>
-        <a:off x="1392917" y="1149982"/>
-        <a:ext cx="762545" cy="762545"/>
-      </dsp:txXfrm>
-    </dsp:sp>
-    <dsp:sp modelId="{A1596FA6-1D3D-704C-BB6F-AC0A1EC0C4A1}">
-      <dsp:nvSpPr>
-        <dsp:cNvPr id="0" name=""/>
-        <dsp:cNvSpPr/>
-      </dsp:nvSpPr>
-      <dsp:spPr>
-        <a:xfrm>
-          <a:off x="847273" y="577903"/>
-          <a:ext cx="762545" cy="762545"/>
-        </a:xfrm>
-        <a:prstGeom prst="ellipse">
-          <a:avLst/>
-        </a:prstGeom>
-        <a:solidFill>
-          <a:schemeClr val="accent1">
-            <a:hueOff val="0"/>
-            <a:satOff val="0"/>
-            <a:lumOff val="0"/>
-            <a:alphaOff val="0"/>
-          </a:schemeClr>
-        </a:solidFill>
-        <a:ln>
-          <a:noFill/>
-        </a:ln>
-        <a:effectLst>
-          <a:outerShdw blurRad="40000" dist="20000" dir="5400000" rotWithShape="0">
-            <a:srgbClr val="000000">
-              <a:alpha val="38000"/>
-            </a:srgbClr>
-          </a:outerShdw>
-        </a:effectLst>
-        <a:sp3d extrusionH="50600" prstMaterial="metal">
-          <a:bevelT w="101600" h="80600" prst="relaxedInset"/>
-          <a:bevelB w="80600" h="80600" prst="relaxedInset"/>
-        </a:sp3d>
-      </dsp:spPr>
-      <dsp:style>
-        <a:lnRef idx="0">
-          <a:scrgbClr r="0" g="0" b="0"/>
-        </a:lnRef>
-        <a:fillRef idx="1">
-          <a:scrgbClr r="0" g="0" b="0"/>
-        </a:fillRef>
-        <a:effectRef idx="1">
-          <a:scrgbClr r="0" g="0" b="0"/>
-        </a:effectRef>
-        <a:fontRef idx="minor">
-          <a:schemeClr val="dk1"/>
-        </a:fontRef>
-      </dsp:style>
-      <dsp:txBody>
-        <a:bodyPr spcFirstLastPara="0" vert="horz" wrap="square" lIns="11430" tIns="11430" rIns="11430" bIns="11430" numCol="1" spcCol="1270" anchor="ctr" anchorCtr="0">
-          <a:noAutofit/>
-        </a:bodyPr>
-        <a:lstStyle/>
-        <a:p>
-          <a:pPr lvl="0" algn="ctr" defTabSz="400050">
-            <a:lnSpc>
-              <a:spcPct val="90000"/>
-            </a:lnSpc>
-            <a:spcBef>
-              <a:spcPct val="0"/>
-            </a:spcBef>
-            <a:spcAft>
-              <a:spcPct val="35000"/>
-            </a:spcAft>
-          </a:pPr>
-          <a:r>
-            <a:rPr lang="fr-FR" sz="900" kern="1200" dirty="0" smtClean="0"/>
-            <a:t>YANG module b</a:t>
-          </a:r>
-          <a:endParaRPr lang="fr-FR" sz="900" kern="1200" dirty="0"/>
-        </a:p>
-      </dsp:txBody>
-      <dsp:txXfrm>
-        <a:off x="847273" y="577903"/>
-        <a:ext cx="762545" cy="762545"/>
-      </dsp:txXfrm>
-    </dsp:sp>
-    <dsp:sp modelId="{6E64A01A-DE57-7144-BEF7-2401D15DA71E}">
-      <dsp:nvSpPr>
-        <dsp:cNvPr id="0" name=""/>
-        <dsp:cNvSpPr/>
-      </dsp:nvSpPr>
-      <dsp:spPr>
-        <a:xfrm>
-          <a:off x="1626764" y="393536"/>
-          <a:ext cx="762545" cy="762545"/>
-        </a:xfrm>
-        <a:prstGeom prst="ellipse">
-          <a:avLst/>
-        </a:prstGeom>
-        <a:solidFill>
-          <a:schemeClr val="accent1">
-            <a:hueOff val="0"/>
-            <a:satOff val="0"/>
-            <a:lumOff val="0"/>
-            <a:alphaOff val="0"/>
-          </a:schemeClr>
-        </a:solidFill>
-        <a:ln>
-          <a:noFill/>
-        </a:ln>
-        <a:effectLst>
-          <a:outerShdw blurRad="40000" dist="20000" dir="5400000" rotWithShape="0">
-            <a:srgbClr val="000000">
-              <a:alpha val="38000"/>
-            </a:srgbClr>
-          </a:outerShdw>
-        </a:effectLst>
-        <a:sp3d extrusionH="50600" prstMaterial="metal">
-          <a:bevelT w="101600" h="80600" prst="relaxedInset"/>
-          <a:bevelB w="80600" h="80600" prst="relaxedInset"/>
-        </a:sp3d>
-      </dsp:spPr>
-      <dsp:style>
-        <a:lnRef idx="0">
-          <a:scrgbClr r="0" g="0" b="0"/>
-        </a:lnRef>
-        <a:fillRef idx="1">
-          <a:scrgbClr r="0" g="0" b="0"/>
-        </a:fillRef>
-        <a:effectRef idx="1">
-          <a:scrgbClr r="0" g="0" b="0"/>
-        </a:effectRef>
-        <a:fontRef idx="minor">
-          <a:schemeClr val="dk1"/>
-        </a:fontRef>
-      </dsp:style>
-      <dsp:txBody>
-        <a:bodyPr spcFirstLastPara="0" vert="horz" wrap="square" lIns="11430" tIns="11430" rIns="11430" bIns="11430" numCol="1" spcCol="1270" anchor="ctr" anchorCtr="0">
-          <a:noAutofit/>
-        </a:bodyPr>
-        <a:lstStyle/>
-        <a:p>
-          <a:pPr lvl="0" algn="ctr" defTabSz="400050">
-            <a:lnSpc>
-              <a:spcPct val="90000"/>
-            </a:lnSpc>
-            <a:spcBef>
-              <a:spcPct val="0"/>
-            </a:spcBef>
-            <a:spcAft>
-              <a:spcPct val="35000"/>
-            </a:spcAft>
-          </a:pPr>
-          <a:r>
-            <a:rPr lang="fr-FR" sz="900" kern="1200" dirty="0" smtClean="0"/>
-            <a:t>YANG module a</a:t>
-          </a:r>
-          <a:endParaRPr lang="fr-FR" sz="900" kern="1200" dirty="0"/>
-        </a:p>
-      </dsp:txBody>
-      <dsp:txXfrm>
-        <a:off x="1626764" y="393536"/>
-        <a:ext cx="762545" cy="762545"/>
-      </dsp:txXfrm>
-    </dsp:sp>
-    <dsp:sp modelId="{0FD964F5-B42F-3749-86DD-7B5E4912E70F}">
-      <dsp:nvSpPr>
-        <dsp:cNvPr id="0" name=""/>
-        <dsp:cNvSpPr/>
-      </dsp:nvSpPr>
-      <dsp:spPr>
-        <a:xfrm>
-          <a:off x="508363" y="238994"/>
-          <a:ext cx="2372365" cy="1897892"/>
-        </a:xfrm>
-        <a:prstGeom prst="funnel">
-          <a:avLst/>
-        </a:prstGeom>
-        <a:solidFill>
-          <a:schemeClr val="lt1">
-            <a:alpha val="40000"/>
-            <a:hueOff val="0"/>
-            <a:satOff val="0"/>
-            <a:lumOff val="0"/>
-            <a:alphaOff val="0"/>
-          </a:schemeClr>
-        </a:solidFill>
-        <a:ln w="9525" cap="flat" cmpd="sng" algn="ctr">
-          <a:solidFill>
-            <a:schemeClr val="accent1">
-              <a:hueOff val="0"/>
-              <a:satOff val="0"/>
-              <a:lumOff val="0"/>
-              <a:alphaOff val="0"/>
-            </a:schemeClr>
-          </a:solidFill>
-          <a:prstDash val="solid"/>
-        </a:ln>
-        <a:effectLst/>
-        <a:sp3d extrusionH="50600">
-          <a:bevelT w="101600" h="80600"/>
-        </a:sp3d>
-      </dsp:spPr>
-      <dsp:style>
-        <a:lnRef idx="1">
-          <a:scrgbClr r="0" g="0" b="0"/>
-        </a:lnRef>
-        <a:fillRef idx="1">
-          <a:scrgbClr r="0" g="0" b="0"/>
-        </a:fillRef>
-        <a:effectRef idx="0">
-          <a:scrgbClr r="0" g="0" b="0"/>
-        </a:effectRef>
-        <a:fontRef idx="minor"/>
-      </dsp:style>
-    </dsp:sp>
   </dsp:spTree>
 </dsp:drawing>
 </file>
@@ -2482,140 +2052,6 @@
       <dsp:cNvGrpSpPr/>
     </dsp:nvGrpSpPr>
     <dsp:grpSpPr/>
-    <dsp:sp modelId="{15261195-DE46-F442-A200-6C26E6666E79}">
-      <dsp:nvSpPr>
-        <dsp:cNvPr id="0" name=""/>
-        <dsp:cNvSpPr/>
-      </dsp:nvSpPr>
-      <dsp:spPr>
-        <a:xfrm>
-          <a:off x="724141" y="669133"/>
-          <a:ext cx="1472094" cy="1472094"/>
-        </a:xfrm>
-        <a:prstGeom prst="gear9">
-          <a:avLst/>
-        </a:prstGeom>
-        <a:solidFill>
-          <a:schemeClr val="accent1">
-            <a:hueOff val="0"/>
-            <a:satOff val="0"/>
-            <a:lumOff val="0"/>
-            <a:alphaOff val="0"/>
-          </a:schemeClr>
-        </a:solidFill>
-        <a:ln>
-          <a:noFill/>
-        </a:ln>
-        <a:effectLst>
-          <a:outerShdw blurRad="40000" dist="20000" dir="5400000" rotWithShape="0">
-            <a:srgbClr val="000000">
-              <a:alpha val="38000"/>
-            </a:srgbClr>
-          </a:outerShdw>
-        </a:effectLst>
-        <a:sp3d extrusionH="50600" prstMaterial="metal">
-          <a:bevelT w="101600" h="80600" prst="relaxedInset"/>
-          <a:bevelB w="80600" h="80600" prst="relaxedInset"/>
-        </a:sp3d>
-      </dsp:spPr>
-      <dsp:style>
-        <a:lnRef idx="0">
-          <a:scrgbClr r="0" g="0" b="0"/>
-        </a:lnRef>
-        <a:fillRef idx="1">
-          <a:scrgbClr r="0" g="0" b="0"/>
-        </a:fillRef>
-        <a:effectRef idx="1">
-          <a:scrgbClr r="0" g="0" b="0"/>
-        </a:effectRef>
-        <a:fontRef idx="minor">
-          <a:schemeClr val="dk1"/>
-        </a:fontRef>
-      </dsp:style>
-      <dsp:txBody>
-        <a:bodyPr spcFirstLastPara="0" vert="horz" wrap="square" lIns="36830" tIns="36830" rIns="36830" bIns="36830" numCol="1" spcCol="1270" anchor="ctr" anchorCtr="0">
-          <a:noAutofit/>
-        </a:bodyPr>
-        <a:lstStyle/>
-        <a:p>
-          <a:pPr lvl="0" algn="ctr" defTabSz="1289050">
-            <a:lnSpc>
-              <a:spcPct val="90000"/>
-            </a:lnSpc>
-            <a:spcBef>
-              <a:spcPct val="0"/>
-            </a:spcBef>
-            <a:spcAft>
-              <a:spcPct val="35000"/>
-            </a:spcAft>
-          </a:pPr>
-          <a:r>
-            <a:rPr lang="fr-FR" sz="2900" kern="1200" dirty="0" err="1" smtClean="0"/>
-            <a:t>jYang</a:t>
-          </a:r>
-          <a:endParaRPr lang="fr-FR" sz="2900" kern="1200" dirty="0"/>
-        </a:p>
-      </dsp:txBody>
-      <dsp:txXfrm>
-        <a:off x="724141" y="669133"/>
-        <a:ext cx="1472094" cy="1472094"/>
-      </dsp:txXfrm>
-    </dsp:sp>
-    <dsp:sp modelId="{B00E0397-AD58-0D41-9A60-BB783F91FC11}">
-      <dsp:nvSpPr>
-        <dsp:cNvPr id="0" name=""/>
-        <dsp:cNvSpPr/>
-      </dsp:nvSpPr>
-      <dsp:spPr>
-        <a:xfrm>
-          <a:off x="756900" y="437488"/>
-          <a:ext cx="1810675" cy="1810675"/>
-        </a:xfrm>
-        <a:prstGeom prst="circularArrow">
-          <a:avLst>
-            <a:gd name="adj1" fmla="val 4878"/>
-            <a:gd name="adj2" fmla="val 312630"/>
-            <a:gd name="adj3" fmla="val 2997364"/>
-            <a:gd name="adj4" fmla="val 15431761"/>
-            <a:gd name="adj5" fmla="val 5691"/>
-          </a:avLst>
-        </a:prstGeom>
-        <a:solidFill>
-          <a:schemeClr val="accent1">
-            <a:tint val="60000"/>
-            <a:hueOff val="0"/>
-            <a:satOff val="0"/>
-            <a:lumOff val="0"/>
-            <a:alphaOff val="0"/>
-          </a:schemeClr>
-        </a:solidFill>
-        <a:ln>
-          <a:noFill/>
-        </a:ln>
-        <a:effectLst>
-          <a:outerShdw blurRad="40000" dist="23000" dir="5400000" rotWithShape="0">
-            <a:srgbClr val="000000">
-              <a:alpha val="35000"/>
-            </a:srgbClr>
-          </a:outerShdw>
-        </a:effectLst>
-        <a:sp3d z="-110000">
-          <a:bevelT w="40600" h="20600" prst="relaxedInset"/>
-        </a:sp3d>
-      </dsp:spPr>
-      <dsp:style>
-        <a:lnRef idx="0">
-          <a:scrgbClr r="0" g="0" b="0"/>
-        </a:lnRef>
-        <a:fillRef idx="1">
-          <a:scrgbClr r="0" g="0" b="0"/>
-        </a:fillRef>
-        <a:effectRef idx="2">
-          <a:scrgbClr r="0" g="0" b="0"/>
-        </a:effectRef>
-        <a:fontRef idx="minor"/>
-      </dsp:style>
-    </dsp:sp>
   </dsp:spTree>
 </dsp:drawing>
 </file>
@@ -5760,7 +5196,7 @@
             <a:fld id="{69351470-D01B-924B-AB3C-0D4571B89327}" type="datetime1">
               <a:rPr lang="fr-FR" smtClean="0"/>
               <a:pPr/>
-              <a:t>23/03/10</a:t>
+              <a:t>26/03/10</a:t>
             </a:fld>
             <a:endParaRPr lang="fr-FR"/>
           </a:p>
@@ -5923,7 +5359,7 @@
             <a:fld id="{94DC8044-5188-1245-98C0-4935C45961F4}" type="datetime1">
               <a:rPr lang="fr-FR" smtClean="0"/>
               <a:pPr/>
-              <a:t>23/03/10</a:t>
+              <a:t>26/03/10</a:t>
             </a:fld>
             <a:endParaRPr lang="fr-FR"/>
           </a:p>
@@ -7564,18 +7000,7 @@
                 <a:ea typeface="+mn-ea"/>
                 <a:cs typeface="+mn-cs"/>
               </a:rPr>
-              <a:t> working </a:t>
-            </a:r>
-            <a:r>
-              <a:rPr lang="en-US" sz="1200" kern="1200" dirty="0" smtClean="0">
-                <a:solidFill>
-                  <a:schemeClr val="tx1"/>
-                </a:solidFill>
-                <a:latin typeface="+mn-lt"/>
-                <a:ea typeface="+mn-ea"/>
-                <a:cs typeface="+mn-cs"/>
-              </a:rPr>
-              <a:t>groups. </a:t>
+              <a:t> working groups. </a:t>
             </a:r>
             <a:endParaRPr lang="en-GB" sz="1200" kern="1200" dirty="0" smtClean="0">
               <a:solidFill>
@@ -7640,18 +7065,7 @@
                 <a:ea typeface="+mn-ea"/>
                 <a:cs typeface="+mn-cs"/>
               </a:rPr>
-              <a:t> protocol by configuration management application</a:t>
-            </a:r>
-            <a:r>
-              <a:rPr lang="en-US" sz="1200" kern="1200" dirty="0" smtClean="0">
-                <a:solidFill>
-                  <a:schemeClr val="tx1"/>
-                </a:solidFill>
-                <a:latin typeface="+mn-lt"/>
-                <a:ea typeface="+mn-ea"/>
-                <a:cs typeface="+mn-cs"/>
-              </a:rPr>
-              <a:t>.</a:t>
+              <a:t> protocol by configuration management application.</a:t>
             </a:r>
           </a:p>
           <a:p>
@@ -7834,18 +7248,7 @@
                 <a:ea typeface="+mn-ea"/>
                 <a:cs typeface="+mn-cs"/>
               </a:rPr>
-              <a:t>Yang </a:t>
-            </a:r>
-            <a:r>
-              <a:rPr lang="en-US" sz="1200" kern="1200" dirty="0" smtClean="0">
-                <a:solidFill>
-                  <a:schemeClr val="tx1"/>
-                </a:solidFill>
-                <a:latin typeface="+mn-lt"/>
-                <a:ea typeface="+mn-ea"/>
-                <a:cs typeface="+mn-cs"/>
-              </a:rPr>
-              <a:t>data model describes configuration and state data for each network devices like router or host and services. Configuration data can be read and written but not for state data that are read only.</a:t>
+              <a:t>Yang data model describes configuration and state data for each network devices like router or host and services. Configuration data can be read and written but not for state data that are read only.</a:t>
             </a:r>
             <a:endParaRPr lang="en-GB" sz="1200" kern="1200" dirty="0" smtClean="0">
               <a:solidFill>
@@ -8917,7 +8320,7 @@
           <a:p>
             <a:r>
               <a:rPr lang="en-US" baseline="0" noProof="0" dirty="0" smtClean="0"/>
-              <a:t>Yang is certainly less powerful than XSD but it has sufficient features to model complex configuration data and is really more easy to learn.</a:t>
+              <a:t>Yang is certainly less powerful than DSDL but it has sufficient features to model complex configuration data and is really more easy to learn.</a:t>
             </a:r>
           </a:p>
           <a:p>
@@ -8956,7 +8359,6 @@
               <a:rPr lang="en-US" baseline="0" noProof="0" dirty="0" smtClean="0"/>
               <a:t>Yang facilitates reusability of existing data model, with several possibilities to extend or refine them.</a:t>
             </a:r>
-            <a:endParaRPr lang="en-US" baseline="0" noProof="0" smtClean="0"/>
           </a:p>
           <a:p>
             <a:endParaRPr lang="en-US" noProof="0" dirty="0"/>
@@ -9018,20 +8420,40 @@
           <a:lstStyle/>
           <a:p>
             <a:pPr algn="just"/>
+            <a:r>
+              <a:rPr lang="en-US" sz="1000" b="0" i="0" baseline="0" dirty="0" smtClean="0">
+                <a:latin typeface="Times New Roman"/>
+                <a:cs typeface="Times New Roman"/>
+              </a:rPr>
+              <a:t>This is a basic example of Yang data modeling. </a:t>
+            </a:r>
+          </a:p>
+          <a:p>
+            <a:pPr algn="just"/>
+            <a:r>
+              <a:rPr lang="en-US" sz="1000" b="0" i="0" baseline="0" dirty="0" smtClean="0">
+                <a:latin typeface="Times New Roman"/>
+                <a:cs typeface="Times New Roman"/>
+              </a:rPr>
+              <a:t>Yang Data model are organized in modules. </a:t>
+            </a:r>
+          </a:p>
+          <a:p>
+            <a:pPr algn="just"/>
+            <a:r>
+              <a:rPr lang="en-US" sz="1000" b="0" i="0" baseline="0" dirty="0" smtClean="0">
+                <a:latin typeface="Times New Roman"/>
+                <a:cs typeface="Times New Roman"/>
+              </a:rPr>
+              <a:t>A module should be a collection of data definition related to  a configuration subject, as this one on network configuration.</a:t>
+            </a:r>
+          </a:p>
+          <a:p>
+            <a:pPr algn="just"/>
             <a:endParaRPr lang="en-US" sz="1000" b="0" i="0" baseline="0" dirty="0" smtClean="0">
               <a:latin typeface="Times New Roman"/>
               <a:cs typeface="Times New Roman"/>
             </a:endParaRPr>
-          </a:p>
-          <a:p>
-            <a:pPr algn="just"/>
-            <a:r>
-              <a:rPr lang="en-US" sz="1000" b="0" i="0" baseline="0" dirty="0" smtClean="0">
-                <a:latin typeface="Times New Roman"/>
-                <a:cs typeface="Times New Roman"/>
-              </a:rPr>
-              <a:t>Yang Data model are organized in module. A module should be a collection of data definition related to  a configuration subject, as is this network configuration module.</a:t>
-            </a:r>
           </a:p>
           <a:p>
             <a:pPr algn="just"/>
@@ -9045,6 +8467,13 @@
           </a:p>
           <a:p>
             <a:pPr algn="just"/>
+            <a:endParaRPr lang="en-US" sz="1000" b="0" i="0" baseline="0" dirty="0" smtClean="0">
+              <a:latin typeface="Times New Roman"/>
+              <a:cs typeface="Times New Roman"/>
+            </a:endParaRPr>
+          </a:p>
+          <a:p>
+            <a:pPr algn="just"/>
             <a:r>
               <a:rPr lang="en-US" sz="1000" b="0" i="0" baseline="0" dirty="0" smtClean="0">
                 <a:latin typeface="Times New Roman"/>
@@ -9055,12 +8484,19 @@
           </a:p>
           <a:p>
             <a:pPr algn="just"/>
+            <a:endParaRPr lang="en-US" sz="1000" b="0" i="0" baseline="0" dirty="0" smtClean="0">
+              <a:latin typeface="Times New Roman"/>
+              <a:cs typeface="Times New Roman"/>
+            </a:endParaRPr>
+          </a:p>
+          <a:p>
+            <a:pPr algn="just"/>
             <a:r>
               <a:rPr lang="en-US" sz="1000" b="0" i="0" baseline="0" dirty="0" smtClean="0">
                 <a:latin typeface="Times New Roman"/>
                 <a:cs typeface="Times New Roman"/>
               </a:rPr>
-              <a:t>Yang has some built-in type as String or integer and one can defines derived type with a </a:t>
+              <a:t>Yang has some built-in types as string or integer and one can defines derived type with a </a:t>
             </a:r>
             <a:r>
               <a:rPr lang="en-US" sz="1000" b="0" i="0" baseline="0" dirty="0" err="1" smtClean="0">
@@ -9074,7 +8510,17 @@
                 <a:latin typeface="Times New Roman"/>
                 <a:cs typeface="Times New Roman"/>
               </a:rPr>
-              <a:t> notation. This is the definition of the new type called </a:t>
+              <a:t> notation. </a:t>
+            </a:r>
+          </a:p>
+          <a:p>
+            <a:pPr algn="just"/>
+            <a:r>
+              <a:rPr lang="en-US" sz="1000" b="0" i="0" baseline="0" dirty="0" smtClean="0">
+                <a:latin typeface="Times New Roman"/>
+                <a:cs typeface="Times New Roman"/>
+              </a:rPr>
+              <a:t>As example, this is the definition of a new type called </a:t>
             </a:r>
             <a:r>
               <a:rPr lang="en-US" sz="1000" b="0" i="0" baseline="0" dirty="0" err="1" smtClean="0">
@@ -9088,8 +8534,15 @@
                 <a:latin typeface="Times New Roman"/>
                 <a:cs typeface="Times New Roman"/>
               </a:rPr>
-              <a:t> that is derived from the built-in type string with a restricted number of chars.</a:t>
-            </a:r>
+              <a:t>,  derived from the built-in type string with a restricted number of chars.</a:t>
+            </a:r>
+          </a:p>
+          <a:p>
+            <a:pPr algn="just"/>
+            <a:endParaRPr lang="en-US" sz="1000" b="0" i="0" baseline="0" dirty="0" smtClean="0">
+              <a:latin typeface="Times New Roman"/>
+              <a:cs typeface="Times New Roman"/>
+            </a:endParaRPr>
           </a:p>
           <a:p>
             <a:pPr algn="just"/>
@@ -9108,7 +8561,7 @@
                 <a:latin typeface="Times New Roman"/>
                 <a:cs typeface="Times New Roman"/>
               </a:rPr>
-              <a:t>There are also java classes, with a special case for grouping because this part of data model will be instantiated.</a:t>
+              <a:t>Here one can see two basic data models : a container and a leaf as in a tree structure.</a:t>
             </a:r>
           </a:p>
           <a:p>
@@ -9118,8 +8571,15 @@
                 <a:latin typeface="Times New Roman"/>
                 <a:cs typeface="Times New Roman"/>
               </a:rPr>
-              <a:t>Finally this is a data model for interfaces configuration. A container contains other data definitions as a list. The list is defined by its columns and can be indexed. The choice statement allows a configuration to have one of these cases. </a:t>
-            </a:r>
+              <a:t>There are also java classes for theses statements.</a:t>
+            </a:r>
+          </a:p>
+          <a:p>
+            <a:pPr algn="just"/>
+            <a:endParaRPr lang="en-US" sz="1000" b="0" i="0" baseline="0" dirty="0" smtClean="0">
+              <a:latin typeface="Times New Roman"/>
+              <a:cs typeface="Times New Roman"/>
+            </a:endParaRPr>
           </a:p>
           <a:p>
             <a:pPr algn="just"/>
@@ -9128,8 +8588,136 @@
                 <a:latin typeface="Times New Roman"/>
                 <a:cs typeface="Times New Roman"/>
               </a:rPr>
-              <a:t>Here is an example of the uses statement that refers to the grouping statement we just have seen.</a:t>
-            </a:r>
+              <a:t> Following is the data model for interfaces configuration : a container that contains a list of </a:t>
+            </a:r>
+            <a:r>
+              <a:rPr lang="en-US" sz="1000" b="0" i="0" baseline="0" smtClean="0">
+                <a:latin typeface="Times New Roman"/>
+                <a:cs typeface="Times New Roman"/>
+              </a:rPr>
+              <a:t>interface</a:t>
+            </a:r>
+            <a:r>
+              <a:rPr lang="en-US" sz="1000" b="0" i="0" baseline="0" smtClean="0">
+                <a:latin typeface="Times New Roman"/>
+                <a:cs typeface="Times New Roman"/>
+              </a:rPr>
+              <a:t>.</a:t>
+            </a:r>
+          </a:p>
+          <a:p>
+            <a:pPr marL="0" marR="0" indent="0" algn="just" defTabSz="457200" rtl="0" eaLnBrk="1" fontAlgn="auto" latinLnBrk="0" hangingPunct="1">
+              <a:lnSpc>
+                <a:spcPct val="100000"/>
+              </a:lnSpc>
+              <a:spcBef>
+                <a:spcPts val="0"/>
+              </a:spcBef>
+              <a:spcAft>
+                <a:spcPts val="0"/>
+              </a:spcAft>
+              <a:buClrTx/>
+              <a:buSzTx/>
+              <a:buFontTx/>
+              <a:buNone/>
+              <a:tabLst/>
+              <a:defRPr/>
+            </a:pPr>
+            <a:r>
+              <a:rPr lang="en-US" sz="1000" b="0" i="0" baseline="0" dirty="0" smtClean="0">
+                <a:latin typeface="Times New Roman"/>
+                <a:cs typeface="Times New Roman"/>
+              </a:rPr>
+              <a:t>An interface if defined by its name, </a:t>
+            </a:r>
+            <a:r>
+              <a:rPr lang="en-US" sz="1000" b="0" i="0" baseline="0" dirty="0" err="1" smtClean="0">
+                <a:latin typeface="Times New Roman"/>
+                <a:cs typeface="Times New Roman"/>
+              </a:rPr>
+              <a:t>mac</a:t>
+            </a:r>
+            <a:r>
+              <a:rPr lang="en-US" sz="1000" b="0" i="0" baseline="0" dirty="0" smtClean="0">
+                <a:latin typeface="Times New Roman"/>
+                <a:cs typeface="Times New Roman"/>
+              </a:rPr>
+              <a:t> address, </a:t>
+            </a:r>
+            <a:r>
+              <a:rPr lang="en-US" sz="1000" b="0" i="0" baseline="0" dirty="0" err="1" smtClean="0">
+                <a:latin typeface="Times New Roman"/>
+                <a:cs typeface="Times New Roman"/>
+              </a:rPr>
+              <a:t>mtu</a:t>
+            </a:r>
+            <a:r>
+              <a:rPr lang="en-US" sz="1000" b="0" i="0" baseline="0" dirty="0" smtClean="0">
+                <a:latin typeface="Times New Roman"/>
+                <a:cs typeface="Times New Roman"/>
+              </a:rPr>
+              <a:t> and its network address. </a:t>
+            </a:r>
+          </a:p>
+          <a:p>
+            <a:pPr marL="0" marR="0" indent="0" algn="just" defTabSz="457200" rtl="0" eaLnBrk="1" fontAlgn="auto" latinLnBrk="0" hangingPunct="1">
+              <a:lnSpc>
+                <a:spcPct val="100000"/>
+              </a:lnSpc>
+              <a:spcBef>
+                <a:spcPts val="0"/>
+              </a:spcBef>
+              <a:spcAft>
+                <a:spcPts val="0"/>
+              </a:spcAft>
+              <a:buClrTx/>
+              <a:buSzTx/>
+              <a:buFontTx/>
+              <a:buNone/>
+              <a:tabLst/>
+              <a:defRPr/>
+            </a:pPr>
+            <a:r>
+              <a:rPr lang="en-US" sz="1000" b="0" i="0" baseline="0" dirty="0" smtClean="0">
+                <a:latin typeface="Times New Roman"/>
+                <a:cs typeface="Times New Roman"/>
+              </a:rPr>
+              <a:t>The list must be indexed by one or more of its leaf, here the name leaf that will be unique for each interface.</a:t>
+            </a:r>
+          </a:p>
+          <a:p>
+            <a:pPr algn="just"/>
+            <a:endParaRPr lang="en-US" sz="1000" b="0" i="0" baseline="0" dirty="0" smtClean="0">
+              <a:latin typeface="Times New Roman"/>
+              <a:cs typeface="Times New Roman"/>
+            </a:endParaRPr>
+          </a:p>
+          <a:p>
+            <a:pPr algn="just"/>
+            <a:r>
+              <a:rPr lang="en-US" sz="1000" b="0" i="0" baseline="0" dirty="0" smtClean="0">
+                <a:latin typeface="Times New Roman"/>
+                <a:cs typeface="Times New Roman"/>
+              </a:rPr>
+              <a:t>Yang has a choice construct when configuration needs it as in this example where an interface is either an ipv4 or 6 address.</a:t>
+            </a:r>
+          </a:p>
+          <a:p>
+            <a:pPr algn="just"/>
+            <a:r>
+              <a:rPr lang="en-US" sz="1000" b="0" i="0" baseline="0" dirty="0" smtClean="0">
+                <a:latin typeface="Times New Roman"/>
+                <a:cs typeface="Times New Roman"/>
+              </a:rPr>
+              <a:t>The uses statement refers to a grouping</a:t>
+            </a:r>
+          </a:p>
+          <a:p>
+            <a:pPr algn="just"/>
+            <a:endParaRPr lang="en-US" sz="1000" b="0" i="0" baseline="0" dirty="0" smtClean="0">
+              <a:latin typeface="Times New Roman"/>
+              <a:cs typeface="Times New Roman"/>
+            </a:endParaRPr>
           </a:p>
           <a:p>
             <a:pPr algn="just"/>
@@ -9239,6 +8827,13 @@
           </a:p>
           <a:p>
             <a:pPr algn="just"/>
+            <a:endParaRPr lang="en-US" sz="1000" baseline="0" dirty="0" smtClean="0">
+              <a:latin typeface="Times New Roman"/>
+              <a:cs typeface="Times New Roman"/>
+            </a:endParaRPr>
+          </a:p>
+          <a:p>
+            <a:pPr algn="just"/>
             <a:r>
               <a:rPr lang="en-US" sz="1000" baseline="0" dirty="0" smtClean="0">
                 <a:latin typeface="Times New Roman"/>
@@ -9249,6 +8844,13 @@
           </a:p>
           <a:p>
             <a:pPr algn="just"/>
+            <a:endParaRPr lang="en-US" sz="1000" baseline="0" dirty="0" smtClean="0">
+              <a:latin typeface="Times New Roman"/>
+              <a:cs typeface="Times New Roman"/>
+            </a:endParaRPr>
+          </a:p>
+          <a:p>
+            <a:pPr algn="just"/>
             <a:r>
               <a:rPr lang="en-US" sz="1000" baseline="0" dirty="0" smtClean="0">
                 <a:latin typeface="Times New Roman"/>
@@ -9282,8 +8884,15 @@
                 <a:latin typeface="Times New Roman"/>
                 <a:cs typeface="Times New Roman"/>
               </a:rPr>
-              <a:t>, we construct the full YANG schema tree by copying the corresponding schema trees.</a:t>
-            </a:r>
+              <a:t>, we expand YANG schema tree with corresponding schema trees.</a:t>
+            </a:r>
+          </a:p>
+          <a:p>
+            <a:pPr algn="just"/>
+            <a:endParaRPr lang="en-US" sz="1000" baseline="0" dirty="0" smtClean="0">
+              <a:latin typeface="Times New Roman"/>
+              <a:cs typeface="Times New Roman"/>
+            </a:endParaRPr>
           </a:p>
           <a:p>
             <a:pPr algn="just"/>
@@ -9294,6 +8903,13 @@
               </a:rPr>
               <a:t>This tree is first used as a YANG specification browser. Manager can read YANG data model like browsing a file system.</a:t>
             </a:r>
+          </a:p>
+          <a:p>
+            <a:pPr algn="just"/>
+            <a:endParaRPr lang="en-US" sz="1000" baseline="0" dirty="0" smtClean="0">
+              <a:latin typeface="Times New Roman"/>
+              <a:cs typeface="Times New Roman"/>
+            </a:endParaRPr>
           </a:p>
           <a:p>
             <a:pPr algn="just"/>
@@ -10576,7 +10192,7 @@
             <a:fld id="{7F2B8709-3F46-DE42-BD3E-692D784503EE}" type="datetime1">
               <a:rPr lang="fr-FR" smtClean="0"/>
               <a:pPr/>
-              <a:t>23/03/10</a:t>
+              <a:t>26/03/10</a:t>
             </a:fld>
             <a:endParaRPr lang="fr-FR"/>
           </a:p>
@@ -10743,7 +10359,7 @@
             <a:fld id="{4EBEFD6C-C087-154D-B622-7C02A58805D5}" type="datetime1">
               <a:rPr lang="fr-FR" smtClean="0"/>
               <a:pPr/>
-              <a:t>23/03/10</a:t>
+              <a:t>26/03/10</a:t>
             </a:fld>
             <a:endParaRPr lang="fr-FR"/>
           </a:p>
@@ -10920,7 +10536,7 @@
             <a:fld id="{07D8C6FC-5D38-E240-8250-E4BC28BDE1B6}" type="datetime1">
               <a:rPr lang="fr-FR" smtClean="0"/>
               <a:pPr/>
-              <a:t>23/03/10</a:t>
+              <a:t>26/03/10</a:t>
             </a:fld>
             <a:endParaRPr lang="fr-FR"/>
           </a:p>
@@ -11087,7 +10703,7 @@
             <a:fld id="{4E2F6B51-FB45-C74D-A600-600DD287541D}" type="datetime1">
               <a:rPr lang="fr-FR" smtClean="0"/>
               <a:pPr/>
-              <a:t>23/03/10</a:t>
+              <a:t>26/03/10</a:t>
             </a:fld>
             <a:endParaRPr lang="fr-FR"/>
           </a:p>
@@ -11330,7 +10946,7 @@
             <a:fld id="{DFEE11C6-5005-A744-9B9D-B94478DE044A}" type="datetime1">
               <a:rPr lang="fr-FR" smtClean="0"/>
               <a:pPr/>
-              <a:t>23/03/10</a:t>
+              <a:t>26/03/10</a:t>
             </a:fld>
             <a:endParaRPr lang="fr-FR"/>
           </a:p>
@@ -11615,7 +11231,7 @@
             <a:fld id="{9202BA27-7F62-034A-AD65-AD2BE6700D12}" type="datetime1">
               <a:rPr lang="fr-FR" smtClean="0"/>
               <a:pPr/>
-              <a:t>23/03/10</a:t>
+              <a:t>26/03/10</a:t>
             </a:fld>
             <a:endParaRPr lang="fr-FR"/>
           </a:p>
@@ -12034,7 +11650,7 @@
             <a:fld id="{33C87D94-F7E6-1E43-8374-5AB40E5CD468}" type="datetime1">
               <a:rPr lang="fr-FR" smtClean="0"/>
               <a:pPr/>
-              <a:t>23/03/10</a:t>
+              <a:t>26/03/10</a:t>
             </a:fld>
             <a:endParaRPr lang="fr-FR"/>
           </a:p>
@@ -12149,7 +11765,7 @@
             <a:fld id="{52EA62D5-502B-6246-986C-7F1DA3AA6C60}" type="datetime1">
               <a:rPr lang="fr-FR" smtClean="0"/>
               <a:pPr/>
-              <a:t>23/03/10</a:t>
+              <a:t>26/03/10</a:t>
             </a:fld>
             <a:endParaRPr lang="fr-FR"/>
           </a:p>
@@ -12241,7 +11857,7 @@
             <a:fld id="{8A43F226-8798-FB4E-9920-C90450151C74}" type="datetime1">
               <a:rPr lang="fr-FR" smtClean="0"/>
               <a:pPr/>
-              <a:t>23/03/10</a:t>
+              <a:t>26/03/10</a:t>
             </a:fld>
             <a:endParaRPr lang="fr-FR"/>
           </a:p>
@@ -12515,7 +12131,7 @@
             <a:fld id="{F3A22977-08BB-B542-B315-0A1A944980B8}" type="datetime1">
               <a:rPr lang="fr-FR" smtClean="0"/>
               <a:pPr/>
-              <a:t>23/03/10</a:t>
+              <a:t>26/03/10</a:t>
             </a:fld>
             <a:endParaRPr lang="fr-FR"/>
           </a:p>
@@ -12765,7 +12381,7 @@
             <a:fld id="{096F2F73-03B7-8F4F-B0B3-3EA33E3C8A3F}" type="datetime1">
               <a:rPr lang="fr-FR" smtClean="0"/>
               <a:pPr/>
-              <a:t>23/03/10</a:t>
+              <a:t>26/03/10</a:t>
             </a:fld>
             <a:endParaRPr lang="fr-FR"/>
           </a:p>
@@ -12975,7 +12591,7 @@
             <a:fld id="{C1D26DE3-065C-5345-9B04-A6BA04230672}" type="datetime1">
               <a:rPr lang="fr-FR" smtClean="0"/>
               <a:pPr/>
-              <a:t>23/03/10</a:t>
+              <a:t>26/03/10</a:t>
             </a:fld>
             <a:endParaRPr lang="fr-FR"/>
           </a:p>
@@ -13636,6 +13252,46 @@
               <a:t>Specifications</a:t>
             </a:r>
             <a:endParaRPr lang="en-US" sz="2400" i="1" dirty="0"/>
+          </a:p>
+        </p:txBody>
+      </p:sp>
+      <p:sp>
+        <p:nvSpPr>
+          <p:cNvPr id="6" name="Bouton d'action : Précédent 5">
+            <a:hlinkClick r:id="rId4" action="ppaction://hlinksldjump" highlightClick="1"/>
+          </p:cNvPr>
+          <p:cNvSpPr/>
+          <p:nvPr/>
+        </p:nvSpPr>
+        <p:spPr>
+          <a:xfrm>
+            <a:off x="9144000" y="5867400"/>
+            <a:ext cx="445283" cy="381000"/>
+          </a:xfrm>
+          <a:prstGeom prst="actionButtonBackPrevious">
+            <a:avLst/>
+          </a:prstGeom>
+        </p:spPr>
+        <p:style>
+          <a:lnRef idx="1">
+            <a:schemeClr val="accent1"/>
+          </a:lnRef>
+          <a:fillRef idx="3">
+            <a:schemeClr val="accent1"/>
+          </a:fillRef>
+          <a:effectRef idx="2">
+            <a:schemeClr val="accent1"/>
+          </a:effectRef>
+          <a:fontRef idx="minor">
+            <a:schemeClr val="lt1"/>
+          </a:fontRef>
+        </p:style>
+        <p:txBody>
+          <a:bodyPr rtlCol="0" anchor="ctr"/>
+          <a:lstStyle/>
+          <a:p>
+            <a:pPr algn="ctr"/>
+            <a:endParaRPr lang="fr-FR"/>
           </a:p>
         </p:txBody>
       </p:sp>
@@ -29868,11 +29524,7 @@
           <a:p>
             <a:r>
               <a:rPr lang="en-US" dirty="0" smtClean="0"/>
-              <a:t>YANG : What </a:t>
-            </a:r>
-            <a:r>
-              <a:rPr lang="en-US" dirty="0" smtClean="0"/>
-              <a:t>and why</a:t>
+              <a:t>YANG : What and why</a:t>
             </a:r>
             <a:endParaRPr lang="en-US" dirty="0"/>
           </a:p>
@@ -29897,15 +29549,7 @@
           <a:p>
             <a:r>
               <a:rPr lang="en-US" dirty="0" smtClean="0"/>
-              <a:t>Models </a:t>
-            </a:r>
-            <a:r>
-              <a:rPr lang="en-US" dirty="0" smtClean="0"/>
-              <a:t>XML data (as </a:t>
-            </a:r>
-            <a:r>
-              <a:rPr lang="en-US" dirty="0" smtClean="0"/>
-              <a:t>XSDL)</a:t>
+              <a:t>Models XML data (as XSDL)</a:t>
             </a:r>
           </a:p>
           <a:p>
@@ -29914,7 +29558,6 @@
               <a:rPr lang="en-US" dirty="0" smtClean="0"/>
               <a:t>Yang -&gt; DSDL</a:t>
             </a:r>
-            <a:endParaRPr lang="en-US" dirty="0" smtClean="0"/>
           </a:p>
           <a:p>
             <a:pPr lvl="1"/>
@@ -29922,7 +29565,6 @@
               <a:rPr lang="en-US" dirty="0" smtClean="0"/>
               <a:t>Human friendly</a:t>
             </a:r>
-            <a:endParaRPr lang="en-US" dirty="0" smtClean="0"/>
           </a:p>
           <a:p>
             <a:r>
@@ -29936,7 +29578,6 @@
               <a:rPr lang="en-US" dirty="0" smtClean="0"/>
               <a:t>Yang is (will be) a RFC</a:t>
             </a:r>
-            <a:endParaRPr lang="en-US" dirty="0" smtClean="0"/>
           </a:p>
           <a:p>
             <a:pPr lvl="1"/>
@@ -29978,11 +29619,7 @@
             </a:r>
             <a:r>
               <a:rPr lang="fr-FR" sz="2800" i="1" dirty="0" smtClean="0"/>
-              <a:t>www.netconfcentral.com</a:t>
-            </a:r>
-            <a:r>
-              <a:rPr lang="fr-FR" sz="2800" i="1" dirty="0" smtClean="0"/>
-              <a:t>, </a:t>
+              <a:t>www.netconfcentral.com, </a:t>
             </a:r>
             <a:r>
               <a:rPr lang="fr-FR" sz="2800" i="1" dirty="0" err="1" smtClean="0"/>
@@ -30020,6 +29657,46 @@
               <a:pPr/>
               <a:t>3</a:t>
             </a:fld>
+            <a:endParaRPr lang="fr-FR"/>
+          </a:p>
+        </p:txBody>
+      </p:sp>
+      <p:sp>
+        <p:nvSpPr>
+          <p:cNvPr id="5" name="Bouton d'action : Suivant 4">
+            <a:hlinkClick r:id="rId3" action="ppaction://hlinksldjump" highlightClick="1"/>
+          </p:cNvPr>
+          <p:cNvSpPr/>
+          <p:nvPr/>
+        </p:nvSpPr>
+        <p:spPr>
+          <a:xfrm>
+            <a:off x="7696200" y="6126164"/>
+            <a:ext cx="609600" cy="350836"/>
+          </a:xfrm>
+          <a:prstGeom prst="actionButtonForwardNext">
+            <a:avLst/>
+          </a:prstGeom>
+        </p:spPr>
+        <p:style>
+          <a:lnRef idx="1">
+            <a:schemeClr val="accent1"/>
+          </a:lnRef>
+          <a:fillRef idx="3">
+            <a:schemeClr val="accent1"/>
+          </a:fillRef>
+          <a:effectRef idx="2">
+            <a:schemeClr val="accent1"/>
+          </a:effectRef>
+          <a:fontRef idx="minor">
+            <a:schemeClr val="lt1"/>
+          </a:fontRef>
+        </p:style>
+        <p:txBody>
+          <a:bodyPr rtlCol="0" anchor="ctr"/>
+          <a:lstStyle/>
+          <a:p>
+            <a:pPr algn="ctr"/>
             <a:endParaRPr lang="fr-FR"/>
           </a:p>
         </p:txBody>
@@ -31822,11 +31499,7 @@
             </a:r>
             <a:r>
               <a:rPr lang="fr-FR" sz="800" dirty="0" smtClean="0"/>
-              <a:t>; </a:t>
-            </a:r>
-            <a:r>
-              <a:rPr lang="fr-FR" sz="800" dirty="0" smtClean="0"/>
-              <a:t>}</a:t>
+              <a:t>; }</a:t>
             </a:r>
           </a:p>
           <a:p>
@@ -31851,11 +31524,7 @@
             </a:r>
             <a:r>
               <a:rPr lang="fr-FR" sz="800" dirty="0" smtClean="0"/>
-              <a:t> </a:t>
-            </a:r>
-            <a:r>
-              <a:rPr lang="fr-FR" sz="800" dirty="0" smtClean="0"/>
-              <a:t>{     </a:t>
+              <a:t> {     </a:t>
             </a:r>
           </a:p>
           <a:p>
@@ -31903,11 +31572,7 @@
           <a:p>
             <a:r>
               <a:rPr lang="fr-FR" sz="800" dirty="0" smtClean="0"/>
-              <a:t>        </a:t>
-            </a:r>
-            <a:r>
-              <a:rPr lang="fr-FR" sz="800" dirty="0" smtClean="0"/>
-              <a:t> 	 </a:t>
+              <a:t>         	 </a:t>
             </a:r>
             <a:r>
               <a:rPr lang="fr-FR" sz="800" dirty="0" err="1" smtClean="0"/>
@@ -31929,11 +31594,7 @@
           <a:p>
             <a:r>
               <a:rPr lang="fr-FR" sz="800" dirty="0" smtClean="0"/>
-              <a:t>       </a:t>
-            </a:r>
-            <a:r>
-              <a:rPr lang="fr-FR" sz="800" dirty="0" smtClean="0"/>
-              <a:t> 	  </a:t>
+              <a:t>        	  </a:t>
             </a:r>
             <a:r>
               <a:rPr lang="fr-FR" sz="800" dirty="0" err="1" smtClean="0"/>
@@ -31955,25 +31616,13 @@
           <a:p>
             <a:r>
               <a:rPr lang="fr-FR" sz="800" dirty="0" smtClean="0"/>
-              <a:t>           </a:t>
-            </a:r>
+              <a:t>            		  type string;</a:t>
+            </a:r>
+          </a:p>
+          <a:p>
             <a:r>
               <a:rPr lang="fr-FR" sz="800" dirty="0" smtClean="0"/>
-              <a:t> 		  </a:t>
-            </a:r>
-            <a:r>
-              <a:rPr lang="fr-FR" sz="800" dirty="0" smtClean="0"/>
-              <a:t>type string;</a:t>
-            </a:r>
-          </a:p>
-          <a:p>
-            <a:r>
-              <a:rPr lang="fr-FR" sz="800" dirty="0" smtClean="0"/>
-              <a:t>          </a:t>
-            </a:r>
-            <a:r>
-              <a:rPr lang="fr-FR" sz="800" dirty="0" smtClean="0"/>
-              <a:t> 	 	  </a:t>
+              <a:t>           	 	  </a:t>
             </a:r>
             <a:r>
               <a:rPr lang="fr-FR" sz="800" dirty="0" err="1" smtClean="0"/>
@@ -31995,15 +31644,35 @@
           <a:p>
             <a:r>
               <a:rPr lang="fr-FR" sz="800" dirty="0" smtClean="0"/>
-              <a:t>       </a:t>
-            </a:r>
+              <a:t>        	  }</a:t>
+            </a:r>
+          </a:p>
+          <a:p>
             <a:r>
               <a:rPr lang="fr-FR" sz="800" dirty="0" smtClean="0"/>
-              <a:t> 	  </a:t>
+              <a:t>       	   </a:t>
+            </a:r>
+            <a:r>
+              <a:rPr lang="fr-FR" sz="800" dirty="0" err="1" smtClean="0"/>
+              <a:t>leaf</a:t>
             </a:r>
             <a:r>
               <a:rPr lang="fr-FR" sz="800" dirty="0" smtClean="0"/>
-              <a:t>}</a:t>
+              <a:t> port { type </a:t>
+            </a:r>
+            <a:r>
+              <a:rPr lang="fr-FR" sz="800" dirty="0" err="1" smtClean="0"/>
+              <a:t>vtPort</a:t>
+            </a:r>
+            <a:r>
+              <a:rPr lang="fr-FR" sz="800" dirty="0" smtClean="0"/>
+              <a:t>; }</a:t>
+            </a:r>
+          </a:p>
+          <a:p>
+            <a:r>
+              <a:rPr lang="fr-FR" sz="800" dirty="0" smtClean="0"/>
+              <a:t>      }</a:t>
             </a:r>
           </a:p>
           <a:p>
@@ -32012,20 +31681,61 @@
               <a:t>      </a:t>
             </a:r>
             <a:r>
-              <a:rPr lang="fr-FR" sz="800" dirty="0" smtClean="0"/>
-              <a:t> 	   </a:t>
-            </a:r>
-            <a:r>
               <a:rPr lang="fr-FR" sz="800" dirty="0" err="1" smtClean="0"/>
               <a:t>leaf</a:t>
             </a:r>
             <a:r>
               <a:rPr lang="fr-FR" sz="800" dirty="0" smtClean="0"/>
-              <a:t> port { type </a:t>
+              <a:t> date { type string; }</a:t>
+            </a:r>
+          </a:p>
+          <a:p>
+            <a:r>
+              <a:rPr lang="fr-FR" sz="800" dirty="0" smtClean="0"/>
+              <a:t>      </a:t>
             </a:r>
             <a:r>
               <a:rPr lang="fr-FR" sz="800" dirty="0" err="1" smtClean="0"/>
-              <a:t>vtPort</a:t>
+              <a:t>leaf</a:t>
+            </a:r>
+            <a:r>
+              <a:rPr lang="fr-FR" sz="800" dirty="0" smtClean="0"/>
+              <a:t> version { type string; }</a:t>
+            </a:r>
+          </a:p>
+          <a:p>
+            <a:r>
+              <a:rPr lang="fr-FR" sz="800" dirty="0" smtClean="0"/>
+              <a:t>   }</a:t>
+            </a:r>
+          </a:p>
+          <a:p>
+            <a:endParaRPr lang="fr-FR" sz="800" dirty="0" smtClean="0"/>
+          </a:p>
+          <a:p>
+            <a:r>
+              <a:rPr lang="fr-FR" sz="800" dirty="0" smtClean="0"/>
+              <a:t>   </a:t>
+            </a:r>
+            <a:r>
+              <a:rPr lang="fr-FR" sz="800" dirty="0" err="1" smtClean="0"/>
+              <a:t>leaf-list</a:t>
+            </a:r>
+            <a:r>
+              <a:rPr lang="fr-FR" sz="800" dirty="0" smtClean="0"/>
+              <a:t> </a:t>
+            </a:r>
+            <a:r>
+              <a:rPr lang="fr-FR" sz="800" dirty="0" err="1" smtClean="0"/>
+              <a:t>include</a:t>
+            </a:r>
+            <a:r>
+              <a:rPr lang="fr-FR" sz="800" dirty="0" smtClean="0"/>
+              <a:t> { type </a:t>
+            </a:r>
+            <a:r>
+              <a:rPr lang="fr-FR" sz="800" dirty="0" err="1" smtClean="0"/>
+              <a:t>contextIdType</a:t>
             </a:r>
             <a:r>
               <a:rPr lang="fr-FR" sz="800" dirty="0" smtClean="0"/>
@@ -32035,13 +31745,7 @@
           <a:p>
             <a:r>
               <a:rPr lang="fr-FR" sz="800" dirty="0" smtClean="0"/>
-              <a:t>      }</a:t>
-            </a:r>
-          </a:p>
-          <a:p>
-            <a:r>
-              <a:rPr lang="fr-FR" sz="800" dirty="0" smtClean="0"/>
-              <a:t>      </a:t>
+              <a:t>   </a:t>
             </a:r>
             <a:r>
               <a:rPr lang="fr-FR" sz="800" dirty="0" err="1" smtClean="0"/>
@@ -32049,13 +31753,79 @@
             </a:r>
             <a:r>
               <a:rPr lang="fr-FR" sz="800" dirty="0" smtClean="0"/>
-              <a:t> date { type string; }</a:t>
-            </a:r>
-          </a:p>
-          <a:p>
+              <a:t> </a:t>
+            </a:r>
+            <a:r>
+              <a:rPr lang="fr-FR" sz="800" dirty="0" err="1" smtClean="0"/>
+              <a:t>locality</a:t>
+            </a:r>
             <a:r>
               <a:rPr lang="fr-FR" sz="800" dirty="0" smtClean="0"/>
-              <a:t>      </a:t>
+              <a:t> { type </a:t>
+            </a:r>
+            <a:r>
+              <a:rPr lang="fr-FR" sz="800" dirty="0" err="1" smtClean="0"/>
+              <a:t>vtLocality</a:t>
+            </a:r>
+            <a:r>
+              <a:rPr lang="fr-FR" sz="800" dirty="0" smtClean="0"/>
+              <a:t>; }</a:t>
+            </a:r>
+          </a:p>
+          <a:p>
+            <a:r>
+              <a:rPr lang="fr-FR" sz="800" dirty="0" smtClean="0"/>
+              <a:t>   </a:t>
+            </a:r>
+            <a:r>
+              <a:rPr lang="fr-FR" sz="800" dirty="0" err="1" smtClean="0"/>
+              <a:t>list</a:t>
+            </a:r>
+            <a:r>
+              <a:rPr lang="fr-FR" sz="800" dirty="0" smtClean="0"/>
+              <a:t> </a:t>
+            </a:r>
+            <a:r>
+              <a:rPr lang="fr-FR" sz="800" dirty="0" err="1" smtClean="0"/>
+              <a:t>resource</a:t>
+            </a:r>
+            <a:r>
+              <a:rPr lang="fr-FR" sz="800" dirty="0" smtClean="0"/>
+              <a:t> {   </a:t>
+            </a:r>
+          </a:p>
+          <a:p>
+            <a:r>
+              <a:rPr lang="fr-FR" sz="800" dirty="0" smtClean="0"/>
+              <a:t>       </a:t>
+            </a:r>
+            <a:r>
+              <a:rPr lang="fr-FR" sz="800" dirty="0" err="1" smtClean="0"/>
+              <a:t>key</a:t>
+            </a:r>
+            <a:r>
+              <a:rPr lang="fr-FR" sz="800" dirty="0" smtClean="0"/>
+              <a:t> </a:t>
+            </a:r>
+            <a:r>
+              <a:rPr lang="fr-FR" sz="800" dirty="0" err="1" smtClean="0"/>
+              <a:t>name</a:t>
+            </a:r>
+            <a:r>
+              <a:rPr lang="fr-FR" sz="800" dirty="0" smtClean="0"/>
+              <a:t>;</a:t>
+            </a:r>
+          </a:p>
+          <a:p>
+            <a:r>
+              <a:rPr lang="fr-FR" sz="800" dirty="0" smtClean="0"/>
+              <a:t>   </a:t>
+            </a:r>
+          </a:p>
+          <a:p>
+            <a:r>
+              <a:rPr lang="fr-FR" sz="800" dirty="0" smtClean="0"/>
+              <a:t>       </a:t>
             </a:r>
             <a:r>
               <a:rPr lang="fr-FR" sz="800" dirty="0" err="1" smtClean="0"/>
@@ -32063,26 +31833,21 @@
             </a:r>
             <a:r>
               <a:rPr lang="fr-FR" sz="800" dirty="0" smtClean="0"/>
-              <a:t> version { type string; }</a:t>
-            </a:r>
-          </a:p>
-          <a:p>
+              <a:t> </a:t>
+            </a:r>
+            <a:r>
+              <a:rPr lang="fr-FR" sz="800" dirty="0" err="1" smtClean="0"/>
+              <a:t>name</a:t>
+            </a:r>
             <a:r>
               <a:rPr lang="fr-FR" sz="800" dirty="0" smtClean="0"/>
-              <a:t>   </a:t>
-            </a:r>
+              <a:t> { type string; }</a:t>
+            </a:r>
+          </a:p>
+          <a:p>
             <a:r>
               <a:rPr lang="fr-FR" sz="800" dirty="0" smtClean="0"/>
-              <a:t>}</a:t>
-            </a:r>
-          </a:p>
-          <a:p>
-            <a:endParaRPr lang="fr-FR" sz="800" dirty="0" smtClean="0"/>
-          </a:p>
-          <a:p>
-            <a:r>
-              <a:rPr lang="fr-FR" sz="800" dirty="0" smtClean="0"/>
-              <a:t>   </a:t>
+              <a:t>       </a:t>
             </a:r>
             <a:r>
               <a:rPr lang="fr-FR" sz="800" dirty="0" err="1" smtClean="0"/>
@@ -32090,176 +31855,23 @@
             </a:r>
             <a:r>
               <a:rPr lang="fr-FR" sz="800" dirty="0" smtClean="0"/>
-              <a:t> </a:t>
+              <a:t> value { </a:t>
+            </a:r>
+          </a:p>
+          <a:p>
+            <a:r>
+              <a:rPr lang="fr-FR" sz="800" dirty="0" smtClean="0"/>
+              <a:t>           	type string;</a:t>
+            </a:r>
+          </a:p>
+          <a:p>
+            <a:r>
+              <a:rPr lang="fr-FR" sz="800" dirty="0" smtClean="0"/>
+              <a:t>           	</a:t>
             </a:r>
             <a:r>
               <a:rPr lang="fr-FR" sz="800" dirty="0" err="1" smtClean="0"/>
-              <a:t>include</a:t>
-            </a:r>
-            <a:r>
-              <a:rPr lang="fr-FR" sz="800" dirty="0" smtClean="0"/>
-              <a:t> { type </a:t>
-            </a:r>
-            <a:r>
-              <a:rPr lang="fr-FR" sz="800" dirty="0" err="1" smtClean="0"/>
-              <a:t>contextIdType</a:t>
-            </a:r>
-            <a:r>
-              <a:rPr lang="fr-FR" sz="800" dirty="0" smtClean="0"/>
-              <a:t>; }</a:t>
-            </a:r>
-          </a:p>
-          <a:p>
-            <a:r>
-              <a:rPr lang="fr-FR" sz="800" dirty="0" smtClean="0"/>
-              <a:t>   </a:t>
-            </a:r>
-            <a:r>
-              <a:rPr lang="fr-FR" sz="800" dirty="0" err="1" smtClean="0"/>
-              <a:t>leaf</a:t>
-            </a:r>
-            <a:r>
-              <a:rPr lang="fr-FR" sz="800" dirty="0" smtClean="0"/>
-              <a:t> </a:t>
-            </a:r>
-            <a:r>
-              <a:rPr lang="fr-FR" sz="800" dirty="0" err="1" smtClean="0"/>
-              <a:t>locality</a:t>
-            </a:r>
-            <a:r>
-              <a:rPr lang="fr-FR" sz="800" dirty="0" smtClean="0"/>
-              <a:t> { type </a:t>
-            </a:r>
-            <a:r>
-              <a:rPr lang="fr-FR" sz="800" dirty="0" err="1" smtClean="0"/>
-              <a:t>vtLocality</a:t>
-            </a:r>
-            <a:r>
-              <a:rPr lang="fr-FR" sz="800" dirty="0" smtClean="0"/>
-              <a:t>; }</a:t>
-            </a:r>
-          </a:p>
-          <a:p>
-            <a:r>
-              <a:rPr lang="fr-FR" sz="800" dirty="0" smtClean="0"/>
-              <a:t>   </a:t>
-            </a:r>
-            <a:r>
-              <a:rPr lang="fr-FR" sz="800" dirty="0" err="1" smtClean="0"/>
-              <a:t>list</a:t>
-            </a:r>
-            <a:r>
-              <a:rPr lang="fr-FR" sz="800" dirty="0" smtClean="0"/>
-              <a:t> </a:t>
-            </a:r>
-            <a:r>
-              <a:rPr lang="fr-FR" sz="800" dirty="0" err="1" smtClean="0"/>
-              <a:t>resource</a:t>
-            </a:r>
-            <a:r>
-              <a:rPr lang="fr-FR" sz="800" dirty="0" smtClean="0"/>
-              <a:t> </a:t>
-            </a:r>
-            <a:r>
-              <a:rPr lang="fr-FR" sz="800" dirty="0" smtClean="0"/>
-              <a:t>{   </a:t>
-            </a:r>
-            <a:endParaRPr lang="fr-FR" sz="800" dirty="0" smtClean="0"/>
-          </a:p>
-          <a:p>
-            <a:r>
-              <a:rPr lang="fr-FR" sz="800" dirty="0" smtClean="0"/>
-              <a:t>       </a:t>
-            </a:r>
-            <a:r>
-              <a:rPr lang="fr-FR" sz="800" dirty="0" err="1" smtClean="0"/>
-              <a:t>key</a:t>
-            </a:r>
-            <a:r>
-              <a:rPr lang="fr-FR" sz="800" dirty="0" smtClean="0"/>
-              <a:t> </a:t>
-            </a:r>
-            <a:r>
-              <a:rPr lang="fr-FR" sz="800" dirty="0" err="1" smtClean="0"/>
-              <a:t>name</a:t>
-            </a:r>
-            <a:r>
-              <a:rPr lang="fr-FR" sz="800" dirty="0" smtClean="0"/>
-              <a:t>;</a:t>
-            </a:r>
-          </a:p>
-          <a:p>
-            <a:r>
-              <a:rPr lang="fr-FR" sz="800" dirty="0" smtClean="0"/>
-              <a:t>   </a:t>
-            </a:r>
-          </a:p>
-          <a:p>
-            <a:r>
-              <a:rPr lang="fr-FR" sz="800" dirty="0" smtClean="0"/>
-              <a:t>       </a:t>
-            </a:r>
-            <a:r>
-              <a:rPr lang="fr-FR" sz="800" dirty="0" err="1" smtClean="0"/>
-              <a:t>leaf</a:t>
-            </a:r>
-            <a:r>
-              <a:rPr lang="fr-FR" sz="800" dirty="0" smtClean="0"/>
-              <a:t> </a:t>
-            </a:r>
-            <a:r>
-              <a:rPr lang="fr-FR" sz="800" dirty="0" err="1" smtClean="0"/>
-              <a:t>name</a:t>
-            </a:r>
-            <a:r>
-              <a:rPr lang="fr-FR" sz="800" dirty="0" smtClean="0"/>
-              <a:t> { type string; }</a:t>
-            </a:r>
-          </a:p>
-          <a:p>
-            <a:r>
-              <a:rPr lang="fr-FR" sz="800" dirty="0" smtClean="0"/>
-              <a:t>       </a:t>
-            </a:r>
-            <a:r>
-              <a:rPr lang="fr-FR" sz="800" dirty="0" err="1" smtClean="0"/>
-              <a:t>leaf-list</a:t>
-            </a:r>
-            <a:r>
-              <a:rPr lang="fr-FR" sz="800" dirty="0" smtClean="0"/>
-              <a:t> value { </a:t>
-            </a:r>
-          </a:p>
-          <a:p>
-            <a:r>
-              <a:rPr lang="fr-FR" sz="800" dirty="0" smtClean="0"/>
-              <a:t>          </a:t>
-            </a:r>
-            <a:r>
-              <a:rPr lang="fr-FR" sz="800" dirty="0" smtClean="0"/>
-              <a:t> 	type </a:t>
-            </a:r>
-            <a:r>
-              <a:rPr lang="fr-FR" sz="800" dirty="0" smtClean="0"/>
-              <a:t>string;</a:t>
-            </a:r>
-          </a:p>
-          <a:p>
-            <a:r>
-              <a:rPr lang="fr-FR" sz="800" dirty="0" smtClean="0"/>
-              <a:t>          </a:t>
-            </a:r>
-            <a:r>
-              <a:rPr lang="fr-FR" sz="800" dirty="0" smtClean="0"/>
-              <a:t> 	</a:t>
-            </a:r>
-            <a:r>
-              <a:rPr lang="fr-FR" sz="800" dirty="0" err="1" smtClean="0"/>
-              <a:t>min</a:t>
-            </a:r>
-            <a:r>
-              <a:rPr lang="fr-FR" sz="800" dirty="0" err="1" smtClean="0"/>
-              <a:t>-element</a:t>
+              <a:t>min-element</a:t>
             </a:r>
             <a:r>
               <a:rPr lang="fr-FR" sz="800" dirty="0" smtClean="0"/>
@@ -32358,8 +31970,57 @@
             </a:r>
             <a:r>
               <a:rPr lang="fr-FR" sz="800" dirty="0" smtClean="0"/>
-              <a:t> { type string;</a:t>
-            </a:r>
+              <a:t> { type string;}</a:t>
+            </a:r>
+          </a:p>
+          <a:p>
+            <a:endParaRPr lang="fr-FR" sz="800" dirty="0" smtClean="0"/>
+          </a:p>
+          <a:p>
+            <a:r>
+              <a:rPr lang="fr-FR" sz="800" dirty="0" err="1" smtClean="0"/>
+              <a:t>typedef</a:t>
+            </a:r>
+            <a:r>
+              <a:rPr lang="fr-FR" sz="800" dirty="0" smtClean="0"/>
+              <a:t> </a:t>
+            </a:r>
+            <a:r>
+              <a:rPr lang="fr-FR" sz="800" dirty="0" err="1" smtClean="0"/>
+              <a:t>vtProto</a:t>
+            </a:r>
+            <a:r>
+              <a:rPr lang="fr-FR" sz="800" dirty="0" smtClean="0"/>
+              <a:t> { </a:t>
+            </a:r>
+          </a:p>
+          <a:p>
+            <a:r>
+              <a:rPr lang="fr-FR" sz="800" dirty="0" smtClean="0"/>
+              <a:t>    type string {</a:t>
+            </a:r>
+          </a:p>
+          <a:p>
+            <a:r>
+              <a:rPr lang="fr-FR" sz="800" dirty="0" smtClean="0"/>
+              <a:t>	    pattern "</a:t>
+            </a:r>
+            <a:r>
+              <a:rPr lang="fr-FR" sz="800" dirty="0" err="1" smtClean="0"/>
+              <a:t>tcp|udp|sip</a:t>
+            </a:r>
+            <a:r>
+              <a:rPr lang="fr-FR" sz="800" dirty="0" smtClean="0"/>
+              <a:t>";</a:t>
+            </a:r>
+          </a:p>
+          <a:p>
+            <a:r>
+              <a:rPr lang="fr-FR" sz="800" dirty="0" smtClean="0"/>
+              <a:t>	}</a:t>
+            </a:r>
+          </a:p>
+          <a:p>
             <a:r>
               <a:rPr lang="fr-FR" sz="800" dirty="0" smtClean="0"/>
               <a:t>}</a:t>
@@ -32379,7 +32040,7 @@
             </a:r>
             <a:r>
               <a:rPr lang="fr-FR" sz="800" dirty="0" err="1" smtClean="0"/>
-              <a:t>vtProto</a:t>
+              <a:t>vtLocality</a:t>
             </a:r>
             <a:r>
               <a:rPr lang="fr-FR" sz="800" dirty="0" smtClean="0"/>
@@ -32395,11 +32056,27 @@
           <a:p>
             <a:r>
               <a:rPr lang="fr-FR" sz="800" dirty="0" smtClean="0"/>
-              <a:t>	    pattern "</a:t>
+              <a:t>       pattern "</a:t>
             </a:r>
             <a:r>
               <a:rPr lang="fr-FR" sz="800" dirty="0" err="1" smtClean="0"/>
-              <a:t>tcp|udp|sip</a:t>
+              <a:t>very</a:t>
+            </a:r>
+            <a:r>
+              <a:rPr lang="fr-FR" sz="800" dirty="0" smtClean="0"/>
+              <a:t> </a:t>
+            </a:r>
+            <a:r>
+              <a:rPr lang="fr-FR" sz="800" dirty="0" err="1" smtClean="0"/>
+              <a:t>low|low|medium|high|very</a:t>
+            </a:r>
+            <a:r>
+              <a:rPr lang="fr-FR" sz="800" dirty="0" smtClean="0"/>
+              <a:t> </a:t>
+            </a:r>
+            <a:r>
+              <a:rPr lang="fr-FR" sz="800" dirty="0" err="1" smtClean="0"/>
+              <a:t>high</a:t>
             </a:r>
             <a:r>
               <a:rPr lang="fr-FR" sz="800" dirty="0" smtClean="0"/>
@@ -32409,7 +32086,7 @@
           <a:p>
             <a:r>
               <a:rPr lang="fr-FR" sz="800" dirty="0" smtClean="0"/>
-              <a:t>	}</a:t>
+              <a:t>    }</a:t>
             </a:r>
           </a:p>
           <a:p>
@@ -32417,82 +32094,52 @@
               <a:rPr lang="fr-FR" sz="800" dirty="0" smtClean="0"/>
               <a:t>}</a:t>
             </a:r>
+          </a:p>
+          <a:p>
             <a:endParaRPr lang="fr-FR" sz="800" dirty="0" smtClean="0"/>
           </a:p>
           <a:p>
             <a:endParaRPr lang="fr-FR" sz="800" dirty="0" smtClean="0"/>
           </a:p>
-          <a:p>
-            <a:r>
-              <a:rPr lang="fr-FR" sz="800" dirty="0" err="1" smtClean="0"/>
-              <a:t>typedef</a:t>
-            </a:r>
-            <a:r>
-              <a:rPr lang="fr-FR" sz="800" dirty="0" smtClean="0"/>
-              <a:t> </a:t>
-            </a:r>
-            <a:r>
-              <a:rPr lang="fr-FR" sz="800" dirty="0" err="1" smtClean="0"/>
-              <a:t>vtLocality</a:t>
-            </a:r>
-            <a:r>
-              <a:rPr lang="fr-FR" sz="800" dirty="0" smtClean="0"/>
-              <a:t> { </a:t>
-            </a:r>
-          </a:p>
-          <a:p>
-            <a:r>
-              <a:rPr lang="fr-FR" sz="800" dirty="0" smtClean="0"/>
-              <a:t>    type string {</a:t>
-            </a:r>
-          </a:p>
-          <a:p>
-            <a:r>
-              <a:rPr lang="fr-FR" sz="800" dirty="0" smtClean="0"/>
-              <a:t>       pattern "</a:t>
-            </a:r>
-            <a:r>
-              <a:rPr lang="fr-FR" sz="800" dirty="0" err="1" smtClean="0"/>
-              <a:t>very</a:t>
-            </a:r>
-            <a:r>
-              <a:rPr lang="fr-FR" sz="800" dirty="0" smtClean="0"/>
-              <a:t> </a:t>
-            </a:r>
-            <a:r>
-              <a:rPr lang="fr-FR" sz="800" dirty="0" err="1" smtClean="0"/>
-              <a:t>low|low|medium|high|very</a:t>
-            </a:r>
-            <a:r>
-              <a:rPr lang="fr-FR" sz="800" dirty="0" smtClean="0"/>
-              <a:t> </a:t>
-            </a:r>
-            <a:r>
-              <a:rPr lang="fr-FR" sz="800" dirty="0" err="1" smtClean="0"/>
-              <a:t>high</a:t>
-            </a:r>
-            <a:r>
-              <a:rPr lang="fr-FR" sz="800" dirty="0" smtClean="0"/>
-              <a:t>";</a:t>
-            </a:r>
-          </a:p>
-          <a:p>
-            <a:r>
-              <a:rPr lang="fr-FR" sz="800" dirty="0" smtClean="0"/>
-              <a:t>    }</a:t>
-            </a:r>
-          </a:p>
-          <a:p>
-            <a:r>
-              <a:rPr lang="fr-FR" sz="800" dirty="0" smtClean="0"/>
-              <a:t>}</a:t>
-            </a:r>
-          </a:p>
-          <a:p>
-            <a:endParaRPr lang="fr-FR" sz="800" dirty="0" smtClean="0"/>
-          </a:p>
-          <a:p>
-            <a:endParaRPr lang="fr-FR" sz="800" dirty="0" smtClean="0"/>
+        </p:txBody>
+      </p:sp>
+      <p:sp>
+        <p:nvSpPr>
+          <p:cNvPr id="7" name="Bouton d'action : Précédent 6">
+            <a:hlinkClick r:id="rId2" action="ppaction://hlinksldjump" highlightClick="1"/>
+          </p:cNvPr>
+          <p:cNvSpPr/>
+          <p:nvPr/>
+        </p:nvSpPr>
+        <p:spPr>
+          <a:xfrm>
+            <a:off x="8788400" y="5791200"/>
+            <a:ext cx="622300" cy="304800"/>
+          </a:xfrm>
+          <a:prstGeom prst="actionButtonBackPrevious">
+            <a:avLst/>
+          </a:prstGeom>
+        </p:spPr>
+        <p:style>
+          <a:lnRef idx="1">
+            <a:schemeClr val="accent1"/>
+          </a:lnRef>
+          <a:fillRef idx="3">
+            <a:schemeClr val="accent1"/>
+          </a:fillRef>
+          <a:effectRef idx="2">
+            <a:schemeClr val="accent1"/>
+          </a:effectRef>
+          <a:fontRef idx="minor">
+            <a:schemeClr val="lt1"/>
+          </a:fontRef>
+        </p:style>
+        <p:txBody>
+          <a:bodyPr rtlCol="0" anchor="ctr"/>
+          <a:lstStyle/>
+          <a:p>
+            <a:pPr algn="ctr"/>
+            <a:endParaRPr lang="fr-FR"/>
           </a:p>
         </p:txBody>
       </p:sp>
@@ -35537,30 +35184,21 @@
                             </p:childTnLst>
                           </p:cTn>
                         </p:par>
-                      </p:childTnLst>
-                    </p:cTn>
-                  </p:par>
-                  <p:par>
-                    <p:cTn id="7" fill="hold">
-                      <p:stCondLst>
-                        <p:cond delay="indefinite"/>
-                      </p:stCondLst>
-                      <p:childTnLst>
                         <p:par>
-                          <p:cTn id="8" fill="hold">
+                          <p:cTn id="7" fill="hold">
                             <p:stCondLst>
                               <p:cond delay="0"/>
                             </p:stCondLst>
                             <p:childTnLst>
                               <p:par>
-                                <p:cTn id="9" presetID="10" presetClass="entr" presetSubtype="0" fill="hold" nodeType="clickEffect">
+                                <p:cTn id="8" presetID="10" presetClass="entr" presetSubtype="0" fill="hold" nodeType="afterEffect">
                                   <p:stCondLst>
                                     <p:cond delay="0"/>
                                   </p:stCondLst>
                                   <p:childTnLst>
                                     <p:set>
                                       <p:cBhvr>
-                                        <p:cTn id="10" dur="1" fill="hold">
+                                        <p:cTn id="9" dur="1" fill="hold">
                                           <p:stCondLst>
                                             <p:cond delay="0"/>
                                           </p:stCondLst>
@@ -35578,7 +35216,7 @@
                                     </p:set>
                                     <p:animEffect transition="in" filter="fade">
                                       <p:cBhvr>
-                                        <p:cTn id="11" dur="500"/>
+                                        <p:cTn id="10" dur="500"/>
                                         <p:tgtEl>
                                           <p:spTgt spid="156"/>
                                         </p:tgtEl>
@@ -35594,26 +35232,26 @@
                     </p:cTn>
                   </p:par>
                   <p:par>
-                    <p:cTn id="12" fill="hold">
+                    <p:cTn id="11" fill="hold">
                       <p:stCondLst>
                         <p:cond delay="indefinite"/>
                       </p:stCondLst>
                       <p:childTnLst>
                         <p:par>
-                          <p:cTn id="13" fill="hold">
+                          <p:cTn id="12" fill="hold">
                             <p:stCondLst>
                               <p:cond delay="0"/>
                             </p:stCondLst>
                             <p:childTnLst>
                               <p:par>
-                                <p:cTn id="14" presetID="1" presetClass="entr" presetSubtype="0" fill="hold" grpId="0" nodeType="clickEffect">
+                                <p:cTn id="13" presetID="1" presetClass="entr" presetSubtype="0" fill="hold" grpId="0" nodeType="clickEffect">
                                   <p:stCondLst>
                                     <p:cond delay="0"/>
                                   </p:stCondLst>
                                   <p:childTnLst>
                                     <p:set>
                                       <p:cBhvr>
-                                        <p:cTn id="15" dur="1" fill="hold">
+                                        <p:cTn id="14" dur="1" fill="hold">
                                           <p:stCondLst>
                                             <p:cond delay="0"/>
                                           </p:stCondLst>
@@ -35635,30 +35273,21 @@
                             </p:childTnLst>
                           </p:cTn>
                         </p:par>
-                      </p:childTnLst>
-                    </p:cTn>
-                  </p:par>
-                  <p:par>
-                    <p:cTn id="16" fill="hold">
-                      <p:stCondLst>
-                        <p:cond delay="indefinite"/>
-                      </p:stCondLst>
-                      <p:childTnLst>
                         <p:par>
-                          <p:cTn id="17" fill="hold">
+                          <p:cTn id="15" fill="hold">
                             <p:stCondLst>
                               <p:cond delay="0"/>
                             </p:stCondLst>
                             <p:childTnLst>
                               <p:par>
-                                <p:cTn id="18" presetID="10" presetClass="entr" presetSubtype="0" fill="hold" nodeType="clickEffect">
+                                <p:cTn id="16" presetID="10" presetClass="entr" presetSubtype="0" fill="hold" nodeType="afterEffect">
                                   <p:stCondLst>
                                     <p:cond delay="0"/>
                                   </p:stCondLst>
                                   <p:childTnLst>
                                     <p:set>
                                       <p:cBhvr>
-                                        <p:cTn id="19" dur="1" fill="hold">
+                                        <p:cTn id="17" dur="1" fill="hold">
                                           <p:stCondLst>
                                             <p:cond delay="0"/>
                                           </p:stCondLst>
@@ -35676,7 +35305,7 @@
                                     </p:set>
                                     <p:animEffect transition="in" filter="fade">
                                       <p:cBhvr>
-                                        <p:cTn id="20" dur="500"/>
+                                        <p:cTn id="18" dur="500"/>
                                         <p:tgtEl>
                                           <p:spTgt spid="158"/>
                                         </p:tgtEl>
@@ -35692,26 +35321,26 @@
                     </p:cTn>
                   </p:par>
                   <p:par>
-                    <p:cTn id="21" fill="hold">
+                    <p:cTn id="19" fill="hold">
                       <p:stCondLst>
                         <p:cond delay="indefinite"/>
                       </p:stCondLst>
                       <p:childTnLst>
                         <p:par>
-                          <p:cTn id="22" fill="hold">
+                          <p:cTn id="20" fill="hold">
                             <p:stCondLst>
                               <p:cond delay="0"/>
                             </p:stCondLst>
                             <p:childTnLst>
                               <p:par>
-                                <p:cTn id="23" presetID="1" presetClass="entr" presetSubtype="0" fill="hold" grpId="0" nodeType="clickEffect">
+                                <p:cTn id="21" presetID="1" presetClass="entr" presetSubtype="0" fill="hold" grpId="0" nodeType="clickEffect">
                                   <p:stCondLst>
                                     <p:cond delay="0"/>
                                   </p:stCondLst>
                                   <p:childTnLst>
                                     <p:set>
                                       <p:cBhvr>
-                                        <p:cTn id="24" dur="1" fill="hold">
+                                        <p:cTn id="22" dur="1" fill="hold">
                                           <p:stCondLst>
                                             <p:cond delay="0"/>
                                           </p:stCondLst>
@@ -35733,30 +35362,21 @@
                             </p:childTnLst>
                           </p:cTn>
                         </p:par>
-                      </p:childTnLst>
-                    </p:cTn>
-                  </p:par>
-                  <p:par>
-                    <p:cTn id="25" fill="hold">
-                      <p:stCondLst>
-                        <p:cond delay="indefinite"/>
-                      </p:stCondLst>
-                      <p:childTnLst>
                         <p:par>
-                          <p:cTn id="26" fill="hold">
+                          <p:cTn id="23" fill="hold">
                             <p:stCondLst>
                               <p:cond delay="0"/>
                             </p:stCondLst>
                             <p:childTnLst>
                               <p:par>
-                                <p:cTn id="27" presetID="10" presetClass="entr" presetSubtype="0" fill="hold" nodeType="clickEffect">
+                                <p:cTn id="24" presetID="10" presetClass="entr" presetSubtype="0" fill="hold" nodeType="afterEffect">
                                   <p:stCondLst>
                                     <p:cond delay="0"/>
                                   </p:stCondLst>
                                   <p:childTnLst>
                                     <p:set>
                                       <p:cBhvr>
-                                        <p:cTn id="28" dur="1" fill="hold">
+                                        <p:cTn id="25" dur="1" fill="hold">
                                           <p:stCondLst>
                                             <p:cond delay="0"/>
                                           </p:stCondLst>
@@ -35774,7 +35394,7 @@
                                     </p:set>
                                     <p:animEffect transition="in" filter="fade">
                                       <p:cBhvr>
-                                        <p:cTn id="29" dur="2000"/>
+                                        <p:cTn id="26" dur="2000"/>
                                         <p:tgtEl>
                                           <p:spTgt spid="162"/>
                                         </p:tgtEl>
@@ -35790,26 +35410,26 @@
                     </p:cTn>
                   </p:par>
                   <p:par>
-                    <p:cTn id="30" fill="hold">
+                    <p:cTn id="27" fill="hold">
                       <p:stCondLst>
                         <p:cond delay="indefinite"/>
                       </p:stCondLst>
                       <p:childTnLst>
                         <p:par>
-                          <p:cTn id="31" fill="hold">
+                          <p:cTn id="28" fill="hold">
                             <p:stCondLst>
                               <p:cond delay="0"/>
                             </p:stCondLst>
                             <p:childTnLst>
                               <p:par>
-                                <p:cTn id="32" presetID="1" presetClass="entr" presetSubtype="0" fill="hold" nodeType="clickEffect">
+                                <p:cTn id="29" presetID="1" presetClass="entr" presetSubtype="0" fill="hold" nodeType="clickEffect">
                                   <p:stCondLst>
                                     <p:cond delay="0"/>
                                   </p:stCondLst>
                                   <p:childTnLst>
                                     <p:set>
                                       <p:cBhvr>
-                                        <p:cTn id="33" dur="1" fill="hold">
+                                        <p:cTn id="30" dur="1" fill="hold">
                                           <p:stCondLst>
                                             <p:cond delay="0"/>
                                           </p:stCondLst>
@@ -35835,26 +35455,26 @@
                     </p:cTn>
                   </p:par>
                   <p:par>
-                    <p:cTn id="34" fill="hold">
+                    <p:cTn id="31" fill="hold">
                       <p:stCondLst>
                         <p:cond delay="indefinite"/>
                       </p:stCondLst>
                       <p:childTnLst>
                         <p:par>
-                          <p:cTn id="35" fill="hold">
+                          <p:cTn id="32" fill="hold">
                             <p:stCondLst>
                               <p:cond delay="0"/>
                             </p:stCondLst>
                             <p:childTnLst>
                               <p:par>
-                                <p:cTn id="36" presetID="10" presetClass="entr" presetSubtype="0" fill="hold" grpId="0" nodeType="clickEffect">
+                                <p:cTn id="33" presetID="10" presetClass="entr" presetSubtype="0" fill="hold" grpId="0" nodeType="clickEffect">
                                   <p:stCondLst>
                                     <p:cond delay="0"/>
                                   </p:stCondLst>
                                   <p:childTnLst>
                                     <p:set>
                                       <p:cBhvr>
-                                        <p:cTn id="37" dur="1" fill="hold">
+                                        <p:cTn id="34" dur="1" fill="hold">
                                           <p:stCondLst>
                                             <p:cond delay="0"/>
                                           </p:stCondLst>
@@ -35872,7 +35492,7 @@
                                     </p:set>
                                     <p:animEffect transition="in" filter="fade">
                                       <p:cBhvr>
-                                        <p:cTn id="38" dur="500"/>
+                                        <p:cTn id="35" dur="500"/>
                                         <p:tgtEl>
                                           <p:spTgt spid="165"/>
                                         </p:tgtEl>
@@ -43348,7 +42968,7 @@
         <p:spPr>
           <a:xfrm>
             <a:off x="304800" y="331463"/>
-            <a:ext cx="1805840" cy="461665"/>
+            <a:ext cx="3022970" cy="461665"/>
           </a:xfrm>
           <a:prstGeom prst="rect">
             <a:avLst/>
@@ -43376,7 +42996,7 @@
             </a:r>
             <a:r>
               <a:rPr lang="en-US" sz="2400" i="1" dirty="0" smtClean="0"/>
-              <a:t> Parser</a:t>
+              <a:t> : a YANG  Parser</a:t>
             </a:r>
             <a:endParaRPr lang="en-US" sz="2400" i="1" dirty="0"/>
           </a:p>
@@ -51499,6 +51119,46 @@
           </a:p>
         </p:txBody>
       </p:sp>
+      <p:sp>
+        <p:nvSpPr>
+          <p:cNvPr id="392" name="Bouton d'action : Suivant 391">
+            <a:hlinkClick r:id="rId15" action="ppaction://hlinksldjump" highlightClick="1"/>
+          </p:cNvPr>
+          <p:cNvSpPr/>
+          <p:nvPr/>
+        </p:nvSpPr>
+        <p:spPr>
+          <a:xfrm>
+            <a:off x="9067800" y="152400"/>
+            <a:ext cx="391335" cy="387613"/>
+          </a:xfrm>
+          <a:prstGeom prst="actionButtonForwardNext">
+            <a:avLst/>
+          </a:prstGeom>
+        </p:spPr>
+        <p:style>
+          <a:lnRef idx="1">
+            <a:schemeClr val="accent1"/>
+          </a:lnRef>
+          <a:fillRef idx="3">
+            <a:schemeClr val="accent1"/>
+          </a:fillRef>
+          <a:effectRef idx="2">
+            <a:schemeClr val="accent1"/>
+          </a:effectRef>
+          <a:fontRef idx="minor">
+            <a:schemeClr val="lt1"/>
+          </a:fontRef>
+        </p:style>
+        <p:txBody>
+          <a:bodyPr rtlCol="0" anchor="ctr"/>
+          <a:lstStyle/>
+          <a:p>
+            <a:pPr algn="ctr"/>
+            <a:endParaRPr lang="fr-FR"/>
+          </a:p>
+        </p:txBody>
+      </p:sp>
     </p:spTree>
   </p:cSld>
   <p:clrMapOvr>
@@ -52050,7 +51710,7 @@
                             </p:stCondLst>
                             <p:childTnLst>
                               <p:par>
-                                <p:cTn id="51" presetID="2" presetClass="entr" presetSubtype="2" accel="50000" decel="50000" fill="hold" nodeType="clickEffect">
+                                <p:cTn id="51" presetID="1" presetClass="entr" presetSubtype="0" fill="hold" grpId="0" nodeType="clickEffect">
                                   <p:stCondLst>
                                     <p:cond delay="0"/>
                                   </p:stCondLst>
@@ -52058,6 +51718,51 @@
                                     <p:set>
                                       <p:cBhvr>
                                         <p:cTn id="52" dur="1" fill="hold">
+                                          <p:stCondLst>
+                                            <p:cond delay="0"/>
+                                          </p:stCondLst>
+                                        </p:cTn>
+                                        <p:tgtEl>
+                                          <p:spTgt spid="392"/>
+                                        </p:tgtEl>
+                                        <p:attrNameLst>
+                                          <p:attrName>style.visibility</p:attrName>
+                                        </p:attrNameLst>
+                                      </p:cBhvr>
+                                      <p:to>
+                                        <p:strVal val="visible"/>
+                                      </p:to>
+                                    </p:set>
+                                  </p:childTnLst>
+                                </p:cTn>
+                              </p:par>
+                            </p:childTnLst>
+                          </p:cTn>
+                        </p:par>
+                      </p:childTnLst>
+                    </p:cTn>
+                  </p:par>
+                  <p:par>
+                    <p:cTn id="53" fill="hold">
+                      <p:stCondLst>
+                        <p:cond delay="indefinite"/>
+                      </p:stCondLst>
+                      <p:childTnLst>
+                        <p:par>
+                          <p:cTn id="54" fill="hold">
+                            <p:stCondLst>
+                              <p:cond delay="0"/>
+                            </p:stCondLst>
+                            <p:childTnLst>
+                              <p:par>
+                                <p:cTn id="55" presetID="2" presetClass="entr" presetSubtype="2" accel="50000" decel="50000" fill="hold" nodeType="clickEffect">
+                                  <p:stCondLst>
+                                    <p:cond delay="0"/>
+                                  </p:stCondLst>
+                                  <p:childTnLst>
+                                    <p:set>
+                                      <p:cBhvr>
+                                        <p:cTn id="56" dur="1" fill="hold">
                                           <p:stCondLst>
                                             <p:cond delay="0"/>
                                           </p:stCondLst>
@@ -52075,7 +51780,7 @@
                                     </p:set>
                                     <p:anim calcmode="lin" valueType="num">
                                       <p:cBhvr additive="base">
-                                        <p:cTn id="53" dur="500" fill="hold"/>
+                                        <p:cTn id="57" dur="500" fill="hold"/>
                                         <p:tgtEl>
                                           <p:spTgt spid="551"/>
                                         </p:tgtEl>
@@ -52098,7 +51803,7 @@
                                     </p:anim>
                                     <p:anim calcmode="lin" valueType="num">
                                       <p:cBhvr additive="base">
-                                        <p:cTn id="54" dur="500" fill="hold"/>
+                                        <p:cTn id="58" dur="500" fill="hold"/>
                                         <p:tgtEl>
                                           <p:spTgt spid="551"/>
                                         </p:tgtEl>
@@ -52129,26 +51834,26 @@
                     </p:cTn>
                   </p:par>
                   <p:par>
-                    <p:cTn id="55" fill="hold">
+                    <p:cTn id="59" fill="hold">
                       <p:stCondLst>
                         <p:cond delay="indefinite"/>
                       </p:stCondLst>
                       <p:childTnLst>
                         <p:par>
-                          <p:cTn id="56" fill="hold">
+                          <p:cTn id="60" fill="hold">
                             <p:stCondLst>
                               <p:cond delay="0"/>
                             </p:stCondLst>
                             <p:childTnLst>
                               <p:par>
-                                <p:cTn id="57" presetID="9" presetClass="entr" presetSubtype="0" fill="hold" nodeType="clickEffect">
+                                <p:cTn id="61" presetID="9" presetClass="entr" presetSubtype="0" fill="hold" nodeType="clickEffect">
                                   <p:stCondLst>
                                     <p:cond delay="0"/>
                                   </p:stCondLst>
                                   <p:childTnLst>
                                     <p:set>
                                       <p:cBhvr>
-                                        <p:cTn id="58" dur="1" fill="hold">
+                                        <p:cTn id="62" dur="1" fill="hold">
                                           <p:stCondLst>
                                             <p:cond delay="0"/>
                                           </p:stCondLst>
@@ -52166,7 +51871,7 @@
                                     </p:set>
                                     <p:animEffect transition="in" filter="dissolve">
                                       <p:cBhvr>
-                                        <p:cTn id="59" dur="2000"/>
+                                        <p:cTn id="63" dur="2000"/>
                                         <p:tgtEl>
                                           <p:spTgt spid="552"/>
                                         </p:tgtEl>
@@ -52176,14 +51881,14 @@
                                 </p:cTn>
                               </p:par>
                               <p:par>
-                                <p:cTn id="60" presetID="10" presetClass="exit" presetSubtype="0" fill="hold" nodeType="withEffect">
+                                <p:cTn id="64" presetID="10" presetClass="exit" presetSubtype="0" fill="hold" nodeType="withEffect">
                                   <p:stCondLst>
                                     <p:cond delay="0"/>
                                   </p:stCondLst>
                                   <p:childTnLst>
                                     <p:animEffect transition="out" filter="fade">
                                       <p:cBhvr>
-                                        <p:cTn id="61" dur="2000"/>
+                                        <p:cTn id="65" dur="2000"/>
                                         <p:tgtEl>
                                           <p:spTgt spid="551"/>
                                         </p:tgtEl>
@@ -52191,7 +51896,7 @@
                                     </p:animEffect>
                                     <p:set>
                                       <p:cBhvr>
-                                        <p:cTn id="62" dur="1" fill="hold">
+                                        <p:cTn id="66" dur="1" fill="hold">
                                           <p:stCondLst>
                                             <p:cond delay="1999"/>
                                           </p:stCondLst>
@@ -52217,26 +51922,26 @@
                     </p:cTn>
                   </p:par>
                   <p:par>
-                    <p:cTn id="63" fill="hold">
+                    <p:cTn id="67" fill="hold">
                       <p:stCondLst>
                         <p:cond delay="indefinite"/>
                       </p:stCondLst>
                       <p:childTnLst>
                         <p:par>
-                          <p:cTn id="64" fill="hold">
+                          <p:cTn id="68" fill="hold">
                             <p:stCondLst>
                               <p:cond delay="0"/>
                             </p:stCondLst>
                             <p:childTnLst>
                               <p:par>
-                                <p:cTn id="65" presetID="10" presetClass="exit" presetSubtype="0" fill="hold" nodeType="clickEffect">
+                                <p:cTn id="69" presetID="10" presetClass="exit" presetSubtype="0" fill="hold" nodeType="clickEffect">
                                   <p:stCondLst>
                                     <p:cond delay="0"/>
                                   </p:stCondLst>
                                   <p:childTnLst>
                                     <p:animEffect transition="out" filter="fade">
                                       <p:cBhvr>
-                                        <p:cTn id="66" dur="1000"/>
+                                        <p:cTn id="70" dur="1000"/>
                                         <p:tgtEl>
                                           <p:spTgt spid="692"/>
                                         </p:tgtEl>
@@ -52244,7 +51949,7 @@
                                     </p:animEffect>
                                     <p:set>
                                       <p:cBhvr>
-                                        <p:cTn id="67" dur="1" fill="hold">
+                                        <p:cTn id="71" dur="1" fill="hold">
                                           <p:stCondLst>
                                             <p:cond delay="999"/>
                                           </p:stCondLst>
@@ -52264,14 +51969,14 @@
                                 </p:cTn>
                               </p:par>
                               <p:par>
-                                <p:cTn id="68" presetID="9" presetClass="entr" presetSubtype="0" fill="hold" nodeType="withEffect">
+                                <p:cTn id="72" presetID="9" presetClass="entr" presetSubtype="0" fill="hold" nodeType="withEffect">
                                   <p:stCondLst>
                                     <p:cond delay="0"/>
                                   </p:stCondLst>
                                   <p:childTnLst>
                                     <p:set>
                                       <p:cBhvr>
-                                        <p:cTn id="69" dur="1" fill="hold">
+                                        <p:cTn id="73" dur="1" fill="hold">
                                           <p:stCondLst>
                                             <p:cond delay="0"/>
                                           </p:stCondLst>
@@ -52289,7 +51994,7 @@
                                     </p:set>
                                     <p:animEffect transition="in" filter="dissolve">
                                       <p:cBhvr>
-                                        <p:cTn id="70" dur="1000"/>
+                                        <p:cTn id="74" dur="1000"/>
                                         <p:tgtEl>
                                           <p:spTgt spid="635"/>
                                         </p:tgtEl>
@@ -52299,14 +52004,14 @@
                                 </p:cTn>
                               </p:par>
                               <p:par>
-                                <p:cTn id="71" presetID="10" presetClass="exit" presetSubtype="0" fill="hold" grpId="1" nodeType="withEffect">
+                                <p:cTn id="75" presetID="10" presetClass="exit" presetSubtype="0" fill="hold" grpId="1" nodeType="withEffect">
                                   <p:stCondLst>
                                     <p:cond delay="0"/>
                                   </p:stCondLst>
                                   <p:childTnLst>
                                     <p:animEffect transition="out" filter="fade">
                                       <p:cBhvr>
-                                        <p:cTn id="72" dur="1000"/>
+                                        <p:cTn id="76" dur="1000"/>
                                         <p:tgtEl>
                                           <p:spTgt spid="463"/>
                                         </p:tgtEl>
@@ -52314,7 +52019,7 @@
                                     </p:animEffect>
                                     <p:set>
                                       <p:cBhvr>
-                                        <p:cTn id="73" dur="1" fill="hold">
+                                        <p:cTn id="77" dur="1" fill="hold">
                                           <p:stCondLst>
                                             <p:cond delay="999"/>
                                           </p:stCondLst>
@@ -52334,14 +52039,14 @@
                                 </p:cTn>
                               </p:par>
                               <p:par>
-                                <p:cTn id="74" presetID="10" presetClass="entr" presetSubtype="0" fill="hold" grpId="0" nodeType="withEffect">
+                                <p:cTn id="78" presetID="10" presetClass="entr" presetSubtype="0" fill="hold" grpId="0" nodeType="withEffect">
                                   <p:stCondLst>
                                     <p:cond delay="0"/>
                                   </p:stCondLst>
                                   <p:childTnLst>
                                     <p:set>
                                       <p:cBhvr>
-                                        <p:cTn id="75" dur="1" fill="hold">
+                                        <p:cTn id="79" dur="1" fill="hold">
                                           <p:stCondLst>
                                             <p:cond delay="0"/>
                                           </p:stCondLst>
@@ -52359,7 +52064,7 @@
                                     </p:set>
                                     <p:animEffect transition="in" filter="fade">
                                       <p:cBhvr>
-                                        <p:cTn id="76" dur="1000"/>
+                                        <p:cTn id="80" dur="1000"/>
                                         <p:tgtEl>
                                           <p:spTgt spid="464"/>
                                         </p:tgtEl>
@@ -52400,6 +52105,7 @@
       <p:bldP spid="463" grpId="0"/>
       <p:bldP spid="463" grpId="1"/>
       <p:bldP spid="464" grpId="0"/>
+      <p:bldP spid="392" grpId="0" animBg="1"/>
     </p:bldLst>
   </p:timing>
 </p:sld>

--- a/yang-manager/reports/YangArchiAnimatedCameraReady2.pptx
+++ b/yang-manager/reports/YangArchiAnimatedCameraReady2.pptx
@@ -8607,10 +8607,226 @@
               <a:buFont typeface="Arial"/>
               <a:buNone/>
             </a:pPr>
+            <a:r>
+              <a:rPr lang="en-US" sz="1000" baseline="0" noProof="0" dirty="0" smtClean="0">
+                <a:latin typeface="Times New Roman"/>
+                <a:cs typeface="Times New Roman"/>
+              </a:rPr>
+              <a:t>After the </a:t>
+            </a:r>
+            <a:r>
+              <a:rPr lang="en-US" sz="1000" baseline="0" noProof="0" dirty="0" err="1" smtClean="0">
+                <a:latin typeface="Times New Roman"/>
+                <a:cs typeface="Times New Roman"/>
+              </a:rPr>
+              <a:t>netconf</a:t>
+            </a:r>
+            <a:r>
+              <a:rPr lang="en-US" sz="1000" baseline="0" noProof="0" dirty="0" smtClean="0">
+                <a:latin typeface="Times New Roman"/>
+                <a:cs typeface="Times New Roman"/>
+              </a:rPr>
+              <a:t> server, let see the </a:t>
+            </a:r>
+            <a:r>
+              <a:rPr lang="en-US" sz="1000" baseline="0" noProof="0" dirty="0" err="1" smtClean="0">
+                <a:latin typeface="Times New Roman"/>
+                <a:cs typeface="Times New Roman"/>
+              </a:rPr>
+              <a:t>netconf</a:t>
+            </a:r>
+            <a:r>
+              <a:rPr lang="en-US" sz="1000" baseline="0" noProof="0" dirty="0" smtClean="0">
+                <a:latin typeface="Times New Roman"/>
+                <a:cs typeface="Times New Roman"/>
+              </a:rPr>
+              <a:t> client we have build and called </a:t>
+            </a:r>
+            <a:r>
+              <a:rPr lang="en-US" sz="1000" baseline="0" noProof="0" dirty="0" err="1" smtClean="0">
+                <a:latin typeface="Times New Roman"/>
+                <a:cs typeface="Times New Roman"/>
+              </a:rPr>
+              <a:t>YencaP</a:t>
+            </a:r>
+            <a:r>
+              <a:rPr lang="en-US" sz="1000" baseline="0" noProof="0" dirty="0" smtClean="0">
+                <a:latin typeface="Times New Roman"/>
+                <a:cs typeface="Times New Roman"/>
+              </a:rPr>
+              <a:t> Manager</a:t>
+            </a:r>
+          </a:p>
+          <a:p>
+            <a:pPr algn="just">
+              <a:buFont typeface="Arial"/>
+              <a:buNone/>
+            </a:pPr>
             <a:endParaRPr lang="en-US" sz="1000" baseline="0" noProof="0" dirty="0" smtClean="0">
               <a:latin typeface="Times New Roman"/>
               <a:cs typeface="Times New Roman"/>
             </a:endParaRPr>
+          </a:p>
+          <a:p>
+            <a:pPr algn="just">
+              <a:buFont typeface="Arial"/>
+              <a:buNone/>
+            </a:pPr>
+            <a:r>
+              <a:rPr lang="en-US" sz="1000" baseline="0" noProof="0" dirty="0" smtClean="0">
+                <a:latin typeface="Times New Roman"/>
+                <a:cs typeface="Times New Roman"/>
+              </a:rPr>
+              <a:t>At the bootstrap, the manager is just a secure web server with a list of known managed devices.</a:t>
+            </a:r>
+          </a:p>
+          <a:p>
+            <a:pPr algn="just">
+              <a:buFont typeface="Arial"/>
+              <a:buNone/>
+            </a:pPr>
+            <a:endParaRPr lang="en-US" sz="1000" baseline="0" noProof="0" dirty="0" smtClean="0">
+              <a:latin typeface="Times New Roman"/>
+              <a:cs typeface="Times New Roman"/>
+            </a:endParaRPr>
+          </a:p>
+          <a:p>
+            <a:pPr algn="just">
+              <a:buFont typeface="Arial"/>
+              <a:buNone/>
+            </a:pPr>
+            <a:r>
+              <a:rPr lang="en-US" sz="1000" baseline="0" noProof="0" dirty="0" smtClean="0">
+                <a:latin typeface="Times New Roman"/>
+                <a:cs typeface="Times New Roman"/>
+              </a:rPr>
+              <a:t>When an human manager is identified and connected, it receives the list of devices and can choose one device.</a:t>
+            </a:r>
+          </a:p>
+          <a:p>
+            <a:pPr algn="just">
+              <a:buFont typeface="Arial"/>
+              <a:buNone/>
+            </a:pPr>
+            <a:endParaRPr lang="en-US" sz="1000" baseline="0" noProof="0" dirty="0" smtClean="0">
+              <a:latin typeface="Times New Roman"/>
+              <a:cs typeface="Times New Roman"/>
+            </a:endParaRPr>
+          </a:p>
+          <a:p>
+            <a:pPr algn="just">
+              <a:buFont typeface="Arial"/>
+              <a:buNone/>
+            </a:pPr>
+            <a:r>
+              <a:rPr lang="en-US" sz="1000" baseline="0" noProof="0" dirty="0" smtClean="0">
+                <a:latin typeface="Times New Roman"/>
+                <a:cs typeface="Times New Roman"/>
+              </a:rPr>
+              <a:t>After that, a </a:t>
+            </a:r>
+            <a:r>
+              <a:rPr lang="en-US" sz="1000" baseline="0" noProof="0" dirty="0" err="1" smtClean="0">
+                <a:latin typeface="Times New Roman"/>
+                <a:cs typeface="Times New Roman"/>
+              </a:rPr>
+              <a:t>netconf</a:t>
+            </a:r>
+            <a:r>
+              <a:rPr lang="en-US" sz="1000" baseline="0" noProof="0" dirty="0" smtClean="0">
+                <a:latin typeface="Times New Roman"/>
+                <a:cs typeface="Times New Roman"/>
+              </a:rPr>
+              <a:t> client is created in the Manager and a </a:t>
+            </a:r>
+            <a:r>
+              <a:rPr lang="en-US" sz="1000" baseline="0" noProof="0" dirty="0" err="1" smtClean="0">
+                <a:latin typeface="Times New Roman"/>
+                <a:cs typeface="Times New Roman"/>
+              </a:rPr>
+              <a:t>ssh</a:t>
+            </a:r>
+            <a:r>
+              <a:rPr lang="en-US" sz="1000" baseline="0" noProof="0" dirty="0" smtClean="0">
+                <a:latin typeface="Times New Roman"/>
+                <a:cs typeface="Times New Roman"/>
+              </a:rPr>
+              <a:t> session is initialized with the device. </a:t>
+            </a:r>
+          </a:p>
+          <a:p>
+            <a:pPr algn="just">
+              <a:buFont typeface="Arial"/>
+              <a:buNone/>
+            </a:pPr>
+            <a:r>
+              <a:rPr lang="en-US" sz="1000" baseline="0" noProof="0" dirty="0" smtClean="0">
+                <a:latin typeface="Times New Roman"/>
+                <a:cs typeface="Times New Roman"/>
+              </a:rPr>
+              <a:t>As we seen in the previous slide, yang module references of the </a:t>
+            </a:r>
+            <a:r>
+              <a:rPr lang="en-US" sz="1000" baseline="0" noProof="0" dirty="0" err="1" smtClean="0">
+                <a:latin typeface="Times New Roman"/>
+                <a:cs typeface="Times New Roman"/>
+              </a:rPr>
+              <a:t>YencaP</a:t>
+            </a:r>
+            <a:r>
+              <a:rPr lang="en-US" sz="1000" baseline="0" noProof="0" dirty="0" smtClean="0">
+                <a:latin typeface="Times New Roman"/>
+                <a:cs typeface="Times New Roman"/>
+              </a:rPr>
+              <a:t> configuration file are send in the </a:t>
+            </a:r>
+            <a:r>
+              <a:rPr lang="en-US" sz="1000" baseline="0" noProof="0" dirty="0" err="1" smtClean="0">
+                <a:latin typeface="Times New Roman"/>
+                <a:cs typeface="Times New Roman"/>
+              </a:rPr>
+              <a:t>netconf</a:t>
+            </a:r>
+            <a:r>
+              <a:rPr lang="en-US" sz="1000" baseline="0" noProof="0" dirty="0" smtClean="0">
+                <a:latin typeface="Times New Roman"/>
+                <a:cs typeface="Times New Roman"/>
+              </a:rPr>
+              <a:t> hello message.</a:t>
+            </a:r>
+          </a:p>
+          <a:p>
+            <a:pPr algn="just">
+              <a:buFont typeface="Arial"/>
+              <a:buNone/>
+            </a:pPr>
+            <a:endParaRPr lang="en-US" sz="1000" baseline="0" noProof="0" dirty="0" smtClean="0">
+              <a:latin typeface="Times New Roman"/>
+              <a:cs typeface="Times New Roman"/>
+            </a:endParaRPr>
+          </a:p>
+          <a:p>
+            <a:pPr algn="just">
+              <a:buFont typeface="Arial"/>
+              <a:buNone/>
+            </a:pPr>
+            <a:endParaRPr lang="en-US" sz="1000" baseline="0" noProof="0" dirty="0" smtClean="0">
+              <a:latin typeface="Times New Roman"/>
+              <a:cs typeface="Times New Roman"/>
+            </a:endParaRPr>
+          </a:p>
+          <a:p>
+            <a:pPr algn="just">
+              <a:buFont typeface="Arial"/>
+              <a:buNone/>
+            </a:pPr>
+            <a:r>
+              <a:rPr lang="en-US" sz="1000" baseline="0" noProof="0" dirty="0" smtClean="0">
+                <a:latin typeface="Times New Roman"/>
+                <a:cs typeface="Times New Roman"/>
+              </a:rPr>
+              <a:t> </a:t>
+            </a:r>
           </a:p>
           <a:p>
             <a:pPr algn="just">
@@ -45820,6 +46036,52 @@
           </a:p>
         </p:txBody>
       </p:sp>
+      <p:sp>
+        <p:nvSpPr>
+          <p:cNvPr id="39" name="Flèche vers la droite 38"/>
+          <p:cNvSpPr/>
+          <p:nvPr/>
+        </p:nvSpPr>
+        <p:spPr>
+          <a:xfrm rot="13876904">
+            <a:off x="1428828" y="1942360"/>
+            <a:ext cx="556268" cy="452348"/>
+          </a:xfrm>
+          <a:prstGeom prst="rightArrow">
+            <a:avLst/>
+          </a:prstGeom>
+          <a:solidFill>
+            <a:srgbClr val="FFFFFF"/>
+          </a:solidFill>
+          <a:ln>
+            <a:solidFill>
+              <a:srgbClr val="000000"/>
+            </a:solidFill>
+          </a:ln>
+        </p:spPr>
+        <p:style>
+          <a:lnRef idx="1">
+            <a:schemeClr val="accent1"/>
+          </a:lnRef>
+          <a:fillRef idx="3">
+            <a:schemeClr val="accent1"/>
+          </a:fillRef>
+          <a:effectRef idx="2">
+            <a:schemeClr val="accent1"/>
+          </a:effectRef>
+          <a:fontRef idx="minor">
+            <a:schemeClr val="lt1"/>
+          </a:fontRef>
+        </p:style>
+        <p:txBody>
+          <a:bodyPr rtlCol="0" anchor="ctr"/>
+          <a:lstStyle/>
+          <a:p>
+            <a:pPr algn="ctr"/>
+            <a:endParaRPr lang="fr-FR"/>
+          </a:p>
+        </p:txBody>
+      </p:sp>
     </p:spTree>
   </p:cSld>
   <p:clrMapOvr>
@@ -45956,7 +46218,7 @@
                                           </p:stCondLst>
                                         </p:cTn>
                                         <p:tgtEl>
-                                          <p:spTgt spid="6"/>
+                                          <p:spTgt spid="39"/>
                                         </p:tgtEl>
                                         <p:attrNameLst>
                                           <p:attrName>style.visibility</p:attrName>
@@ -45970,6 +46232,59 @@
                                       <p:cBhvr>
                                         <p:cTn id="16" dur="500"/>
                                         <p:tgtEl>
+                                          <p:spTgt spid="39"/>
+                                        </p:tgtEl>
+                                      </p:cBhvr>
+                                    </p:animEffect>
+                                  </p:childTnLst>
+                                </p:cTn>
+                              </p:par>
+                            </p:childTnLst>
+                          </p:cTn>
+                        </p:par>
+                      </p:childTnLst>
+                    </p:cTn>
+                  </p:par>
+                  <p:par>
+                    <p:cTn id="17" fill="hold">
+                      <p:stCondLst>
+                        <p:cond delay="indefinite"/>
+                      </p:stCondLst>
+                      <p:childTnLst>
+                        <p:par>
+                          <p:cTn id="18" fill="hold">
+                            <p:stCondLst>
+                              <p:cond delay="0"/>
+                            </p:stCondLst>
+                            <p:childTnLst>
+                              <p:par>
+                                <p:cTn id="19" presetID="10" presetClass="entr" presetSubtype="0" fill="hold" grpId="0" nodeType="clickEffect">
+                                  <p:stCondLst>
+                                    <p:cond delay="0"/>
+                                  </p:stCondLst>
+                                  <p:childTnLst>
+                                    <p:set>
+                                      <p:cBhvr>
+                                        <p:cTn id="20" dur="1" fill="hold">
+                                          <p:stCondLst>
+                                            <p:cond delay="0"/>
+                                          </p:stCondLst>
+                                        </p:cTn>
+                                        <p:tgtEl>
+                                          <p:spTgt spid="6"/>
+                                        </p:tgtEl>
+                                        <p:attrNameLst>
+                                          <p:attrName>style.visibility</p:attrName>
+                                        </p:attrNameLst>
+                                      </p:cBhvr>
+                                      <p:to>
+                                        <p:strVal val="visible"/>
+                                      </p:to>
+                                    </p:set>
+                                    <p:animEffect transition="in" filter="fade">
+                                      <p:cBhvr>
+                                        <p:cTn id="21" dur="500"/>
+                                        <p:tgtEl>
                                           <p:spTgt spid="6"/>
                                         </p:tgtEl>
                                       </p:cBhvr>
@@ -45980,21 +46295,30 @@
                             </p:childTnLst>
                           </p:cTn>
                         </p:par>
+                      </p:childTnLst>
+                    </p:cTn>
+                  </p:par>
+                  <p:par>
+                    <p:cTn id="22" fill="hold">
+                      <p:stCondLst>
+                        <p:cond delay="indefinite"/>
+                      </p:stCondLst>
+                      <p:childTnLst>
                         <p:par>
-                          <p:cTn id="17" fill="hold">
+                          <p:cTn id="23" fill="hold">
                             <p:stCondLst>
-                              <p:cond delay="500"/>
+                              <p:cond delay="0"/>
                             </p:stCondLst>
                             <p:childTnLst>
                               <p:par>
-                                <p:cTn id="18" presetID="22" presetClass="entr" presetSubtype="8" fill="hold" nodeType="afterEffect">
+                                <p:cTn id="24" presetID="22" presetClass="entr" presetSubtype="8" fill="hold" nodeType="clickEffect">
                                   <p:stCondLst>
                                     <p:cond delay="0"/>
                                   </p:stCondLst>
                                   <p:childTnLst>
                                     <p:set>
                                       <p:cBhvr>
-                                        <p:cTn id="19" dur="1" fill="hold">
+                                        <p:cTn id="25" dur="1" fill="hold">
                                           <p:stCondLst>
                                             <p:cond delay="0"/>
                                           </p:stCondLst>
@@ -46012,7 +46336,7 @@
                                     </p:set>
                                     <p:animEffect transition="in" filter="wipe(left)">
                                       <p:cBhvr>
-                                        <p:cTn id="20" dur="500"/>
+                                        <p:cTn id="26" dur="500"/>
                                         <p:tgtEl>
                                           <p:spTgt spid="47"/>
                                         </p:tgtEl>
@@ -46022,14 +46346,49 @@
                                 </p:cTn>
                               </p:par>
                               <p:par>
-                                <p:cTn id="21" presetID="22" presetClass="entr" presetSubtype="8" fill="hold" grpId="0" nodeType="withEffect">
+                                <p:cTn id="27" presetID="10" presetClass="exit" presetSubtype="0" fill="hold" grpId="1" nodeType="withEffect">
+                                  <p:stCondLst>
+                                    <p:cond delay="0"/>
+                                  </p:stCondLst>
+                                  <p:childTnLst>
+                                    <p:animEffect transition="out" filter="fade">
+                                      <p:cBhvr>
+                                        <p:cTn id="28" dur="500"/>
+                                        <p:tgtEl>
+                                          <p:spTgt spid="39"/>
+                                        </p:tgtEl>
+                                      </p:cBhvr>
+                                    </p:animEffect>
+                                    <p:set>
+                                      <p:cBhvr>
+                                        <p:cTn id="29" dur="1" fill="hold">
+                                          <p:stCondLst>
+                                            <p:cond delay="499"/>
+                                          </p:stCondLst>
+                                        </p:cTn>
+                                        <p:tgtEl>
+                                          <p:spTgt spid="39"/>
+                                        </p:tgtEl>
+                                        <p:attrNameLst>
+                                          <p:attrName>style.visibility</p:attrName>
+                                        </p:attrNameLst>
+                                      </p:cBhvr>
+                                      <p:to>
+                                        <p:strVal val="hidden"/>
+                                      </p:to>
+                                    </p:set>
+                                  </p:childTnLst>
+                                </p:cTn>
+                              </p:par>
+                              <p:par>
+                                <p:cTn id="30" presetID="22" presetClass="entr" presetSubtype="8" fill="hold" grpId="0" nodeType="withEffect">
                                   <p:stCondLst>
                                     <p:cond delay="0"/>
                                   </p:stCondLst>
                                   <p:childTnLst>
                                     <p:set>
                                       <p:cBhvr>
-                                        <p:cTn id="22" dur="1" fill="hold">
+                                        <p:cTn id="31" dur="1" fill="hold">
                                           <p:stCondLst>
                                             <p:cond delay="0"/>
                                           </p:stCondLst>
@@ -46047,7 +46406,7 @@
                                     </p:set>
                                     <p:animEffect transition="in" filter="wipe(left)">
                                       <p:cBhvr>
-                                        <p:cTn id="23" dur="500"/>
+                                        <p:cTn id="32" dur="500"/>
                                         <p:tgtEl>
                                           <p:spTgt spid="48"/>
                                         </p:tgtEl>
@@ -46060,20 +46419,20 @@
                           </p:cTn>
                         </p:par>
                         <p:par>
-                          <p:cTn id="24" fill="hold">
+                          <p:cTn id="33" fill="hold">
                             <p:stCondLst>
-                              <p:cond delay="1000"/>
+                              <p:cond delay="500"/>
                             </p:stCondLst>
                             <p:childTnLst>
                               <p:par>
-                                <p:cTn id="25" presetID="10" presetClass="exit" presetSubtype="0" fill="hold" nodeType="afterEffect">
+                                <p:cTn id="34" presetID="10" presetClass="exit" presetSubtype="0" fill="hold" nodeType="afterEffect">
                                   <p:stCondLst>
                                     <p:cond delay="0"/>
                                   </p:stCondLst>
                                   <p:childTnLst>
                                     <p:animEffect transition="out" filter="fade">
                                       <p:cBhvr>
-                                        <p:cTn id="26" dur="500"/>
+                                        <p:cTn id="35" dur="500"/>
                                         <p:tgtEl>
                                           <p:spTgt spid="47"/>
                                         </p:tgtEl>
@@ -46081,7 +46440,7 @@
                                     </p:animEffect>
                                     <p:set>
                                       <p:cBhvr>
-                                        <p:cTn id="27" dur="1" fill="hold">
+                                        <p:cTn id="36" dur="1" fill="hold">
                                           <p:stCondLst>
                                             <p:cond delay="499"/>
                                           </p:stCondLst>
@@ -46101,14 +46460,14 @@
                                 </p:cTn>
                               </p:par>
                               <p:par>
-                                <p:cTn id="28" presetID="10" presetClass="exit" presetSubtype="0" fill="hold" grpId="1" nodeType="withEffect">
+                                <p:cTn id="37" presetID="10" presetClass="exit" presetSubtype="0" fill="hold" grpId="1" nodeType="withEffect">
                                   <p:stCondLst>
                                     <p:cond delay="0"/>
                                   </p:stCondLst>
                                   <p:childTnLst>
                                     <p:animEffect transition="out" filter="fade">
                                       <p:cBhvr>
-                                        <p:cTn id="29" dur="500"/>
+                                        <p:cTn id="38" dur="500"/>
                                         <p:tgtEl>
                                           <p:spTgt spid="48"/>
                                         </p:tgtEl>
@@ -46116,7 +46475,7 @@
                                     </p:animEffect>
                                     <p:set>
                                       <p:cBhvr>
-                                        <p:cTn id="30" dur="1" fill="hold">
+                                        <p:cTn id="39" dur="1" fill="hold">
                                           <p:stCondLst>
                                             <p:cond delay="499"/>
                                           </p:stCondLst>
@@ -46139,20 +46498,20 @@
                           </p:cTn>
                         </p:par>
                         <p:par>
-                          <p:cTn id="31" fill="hold">
+                          <p:cTn id="40" fill="hold">
                             <p:stCondLst>
-                              <p:cond delay="1500"/>
+                              <p:cond delay="1000"/>
                             </p:stCondLst>
                             <p:childTnLst>
                               <p:par>
-                                <p:cTn id="32" presetID="22" presetClass="entr" presetSubtype="2" fill="hold" grpId="0" nodeType="afterEffect">
+                                <p:cTn id="41" presetID="22" presetClass="entr" presetSubtype="2" fill="hold" grpId="0" nodeType="afterEffect">
                                   <p:stCondLst>
                                     <p:cond delay="0"/>
                                   </p:stCondLst>
                                   <p:childTnLst>
                                     <p:set>
                                       <p:cBhvr>
-                                        <p:cTn id="33" dur="1" fill="hold">
+                                        <p:cTn id="42" dur="1" fill="hold">
                                           <p:stCondLst>
                                             <p:cond delay="0"/>
                                           </p:stCondLst>
@@ -46170,7 +46529,7 @@
                                     </p:set>
                                     <p:animEffect transition="in" filter="wipe(right)">
                                       <p:cBhvr>
-                                        <p:cTn id="34" dur="500"/>
+                                        <p:cTn id="43" dur="500"/>
                                         <p:tgtEl>
                                           <p:spTgt spid="11"/>
                                         </p:tgtEl>
@@ -46180,14 +46539,14 @@
                                 </p:cTn>
                               </p:par>
                               <p:par>
-                                <p:cTn id="35" presetID="22" presetClass="entr" presetSubtype="2" fill="hold" nodeType="withEffect">
+                                <p:cTn id="44" presetID="22" presetClass="entr" presetSubtype="2" fill="hold" nodeType="withEffect">
                                   <p:stCondLst>
                                     <p:cond delay="0"/>
                                   </p:stCondLst>
                                   <p:childTnLst>
                                     <p:set>
                                       <p:cBhvr>
-                                        <p:cTn id="36" dur="1" fill="hold">
+                                        <p:cTn id="45" dur="1" fill="hold">
                                           <p:stCondLst>
                                             <p:cond delay="0"/>
                                           </p:stCondLst>
@@ -46205,7 +46564,7 @@
                                     </p:set>
                                     <p:animEffect transition="in" filter="wipe(right)">
                                       <p:cBhvr>
-                                        <p:cTn id="37" dur="500"/>
+                                        <p:cTn id="46" dur="500"/>
                                         <p:tgtEl>
                                           <p:spTgt spid="9"/>
                                         </p:tgtEl>
@@ -46221,26 +46580,26 @@
                     </p:cTn>
                   </p:par>
                   <p:par>
-                    <p:cTn id="38" fill="hold">
+                    <p:cTn id="47" fill="hold">
                       <p:stCondLst>
                         <p:cond delay="indefinite"/>
                       </p:stCondLst>
                       <p:childTnLst>
                         <p:par>
-                          <p:cTn id="39" fill="hold">
+                          <p:cTn id="48" fill="hold">
                             <p:stCondLst>
                               <p:cond delay="0"/>
                             </p:stCondLst>
                             <p:childTnLst>
                               <p:par>
-                                <p:cTn id="40" presetID="22" presetClass="entr" presetSubtype="1" fill="hold" nodeType="clickEffect">
+                                <p:cTn id="49" presetID="22" presetClass="entr" presetSubtype="1" fill="hold" nodeType="clickEffect">
                                   <p:stCondLst>
                                     <p:cond delay="0"/>
                                   </p:stCondLst>
                                   <p:childTnLst>
                                     <p:set>
                                       <p:cBhvr>
-                                        <p:cTn id="41" dur="1" fill="hold">
+                                        <p:cTn id="50" dur="1" fill="hold">
                                           <p:stCondLst>
                                             <p:cond delay="0"/>
                                           </p:stCondLst>
@@ -46258,7 +46617,7 @@
                                     </p:set>
                                     <p:animEffect transition="in" filter="wipe(up)">
                                       <p:cBhvr>
-                                        <p:cTn id="42" dur="500"/>
+                                        <p:cTn id="51" dur="500"/>
                                         <p:tgtEl>
                                           <p:spTgt spid="21"/>
                                         </p:tgtEl>
@@ -46271,20 +46630,20 @@
                           </p:cTn>
                         </p:par>
                         <p:par>
-                          <p:cTn id="43" fill="hold">
+                          <p:cTn id="52" fill="hold">
                             <p:stCondLst>
                               <p:cond delay="500"/>
                             </p:stCondLst>
                             <p:childTnLst>
                               <p:par>
-                                <p:cTn id="44" presetID="10" presetClass="entr" presetSubtype="0" fill="hold" grpId="0" nodeType="afterEffect">
+                                <p:cTn id="53" presetID="10" presetClass="entr" presetSubtype="0" fill="hold" grpId="0" nodeType="afterEffect">
                                   <p:stCondLst>
                                     <p:cond delay="0"/>
                                   </p:stCondLst>
                                   <p:childTnLst>
                                     <p:set>
                                       <p:cBhvr>
-                                        <p:cTn id="45" dur="1" fill="hold">
+                                        <p:cTn id="54" dur="1" fill="hold">
                                           <p:stCondLst>
                                             <p:cond delay="0"/>
                                           </p:stCondLst>
@@ -46302,7 +46661,7 @@
                                     </p:set>
                                     <p:animEffect transition="in" filter="fade">
                                       <p:cBhvr>
-                                        <p:cTn id="46" dur="500"/>
+                                        <p:cTn id="55" dur="500"/>
                                         <p:tgtEl>
                                           <p:spTgt spid="16"/>
                                         </p:tgtEl>
@@ -46315,20 +46674,20 @@
                           </p:cTn>
                         </p:par>
                         <p:par>
-                          <p:cTn id="47" fill="hold">
+                          <p:cTn id="56" fill="hold">
                             <p:stCondLst>
                               <p:cond delay="1000"/>
                             </p:stCondLst>
                             <p:childTnLst>
                               <p:par>
-                                <p:cTn id="48" presetID="10" presetClass="entr" presetSubtype="0" fill="hold" nodeType="afterEffect">
+                                <p:cTn id="57" presetID="10" presetClass="entr" presetSubtype="0" fill="hold" nodeType="afterEffect">
                                   <p:stCondLst>
                                     <p:cond delay="0"/>
                                   </p:stCondLst>
                                   <p:childTnLst>
                                     <p:set>
                                       <p:cBhvr>
-                                        <p:cTn id="49" dur="1" fill="hold">
+                                        <p:cTn id="58" dur="1" fill="hold">
                                           <p:stCondLst>
                                             <p:cond delay="0"/>
                                           </p:stCondLst>
@@ -46346,7 +46705,7 @@
                                     </p:set>
                                     <p:animEffect transition="in" filter="fade">
                                       <p:cBhvr>
-                                        <p:cTn id="50" dur="500"/>
+                                        <p:cTn id="59" dur="500"/>
                                         <p:tgtEl>
                                           <p:spTgt spid="29"/>
                                         </p:tgtEl>
@@ -46359,20 +46718,20 @@
                           </p:cTn>
                         </p:par>
                         <p:par>
-                          <p:cTn id="51" fill="hold">
+                          <p:cTn id="60" fill="hold">
                             <p:stCondLst>
                               <p:cond delay="1500"/>
                             </p:stCondLst>
                             <p:childTnLst>
                               <p:par>
-                                <p:cTn id="52" presetID="22" presetClass="entr" presetSubtype="4" fill="hold" nodeType="afterEffect">
+                                <p:cTn id="61" presetID="22" presetClass="entr" presetSubtype="4" fill="hold" nodeType="afterEffect">
                                   <p:stCondLst>
                                     <p:cond delay="0"/>
                                   </p:stCondLst>
                                   <p:childTnLst>
                                     <p:set>
                                       <p:cBhvr>
-                                        <p:cTn id="53" dur="1" fill="hold">
+                                        <p:cTn id="62" dur="1" fill="hold">
                                           <p:stCondLst>
                                             <p:cond delay="0"/>
                                           </p:stCondLst>
@@ -46390,7 +46749,7 @@
                                     </p:set>
                                     <p:animEffect transition="in" filter="wipe(down)">
                                       <p:cBhvr>
-                                        <p:cTn id="54" dur="500"/>
+                                        <p:cTn id="63" dur="500"/>
                                         <p:tgtEl>
                                           <p:spTgt spid="33"/>
                                         </p:tgtEl>
@@ -46403,20 +46762,20 @@
                           </p:cTn>
                         </p:par>
                         <p:par>
-                          <p:cTn id="55" fill="hold">
+                          <p:cTn id="64" fill="hold">
                             <p:stCondLst>
                               <p:cond delay="2000"/>
                             </p:stCondLst>
                             <p:childTnLst>
                               <p:par>
-                                <p:cTn id="56" presetID="22" presetClass="entr" presetSubtype="4" fill="hold" grpId="0" nodeType="afterEffect">
+                                <p:cTn id="65" presetID="22" presetClass="entr" presetSubtype="4" fill="hold" grpId="0" nodeType="afterEffect">
                                   <p:stCondLst>
                                     <p:cond delay="0"/>
                                   </p:stCondLst>
                                   <p:childTnLst>
                                     <p:set>
                                       <p:cBhvr>
-                                        <p:cTn id="57" dur="1" fill="hold">
+                                        <p:cTn id="66" dur="1" fill="hold">
                                           <p:stCondLst>
                                             <p:cond delay="0"/>
                                           </p:stCondLst>
@@ -46434,7 +46793,7 @@
                                     </p:set>
                                     <p:animEffect transition="in" filter="wipe(down)">
                                       <p:cBhvr>
-                                        <p:cTn id="58" dur="500"/>
+                                        <p:cTn id="67" dur="500"/>
                                         <p:tgtEl>
                                           <p:spTgt spid="26"/>
                                         </p:tgtEl>
@@ -46450,26 +46809,26 @@
                     </p:cTn>
                   </p:par>
                   <p:par>
-                    <p:cTn id="59" fill="hold">
+                    <p:cTn id="68" fill="hold">
                       <p:stCondLst>
                         <p:cond delay="indefinite"/>
                       </p:stCondLst>
                       <p:childTnLst>
                         <p:par>
-                          <p:cTn id="60" fill="hold">
+                          <p:cTn id="69" fill="hold">
                             <p:stCondLst>
                               <p:cond delay="0"/>
                             </p:stCondLst>
                             <p:childTnLst>
                               <p:par>
-                                <p:cTn id="61" presetID="0" presetClass="path" presetSubtype="0" accel="50000" decel="50000" fill="hold" grpId="1" nodeType="clickEffect">
+                                <p:cTn id="70" presetID="0" presetClass="path" presetSubtype="0" accel="50000" decel="50000" fill="hold" grpId="1" nodeType="clickEffect">
                                   <p:stCondLst>
                                     <p:cond delay="0"/>
                                   </p:stCondLst>
                                   <p:childTnLst>
                                     <p:animMotion origin="layout" path="M -4.30907E-6 5.92318E-7 C -0.02885 -0.02175 -0.05755 -0.0435 -0.06059 -0.09903 C -0.06364 -0.15456 0.00658 -0.27765 -0.01795 -0.33295 C -0.04248 -0.38825 -0.16832 -0.41046 -0.20791 -0.43082 " pathEditMode="relative" rAng="0" ptsTypes="aaaA">
                                       <p:cBhvr>
-                                        <p:cTn id="62" dur="2000" fill="hold"/>
+                                        <p:cTn id="71" dur="2000" fill="hold"/>
                                         <p:tgtEl>
                                           <p:spTgt spid="26"/>
                                         </p:tgtEl>
@@ -46484,14 +46843,14 @@
                                 </p:cTn>
                               </p:par>
                               <p:par>
-                                <p:cTn id="63" presetID="10" presetClass="exit" presetSubtype="0" fill="hold" nodeType="withEffect">
+                                <p:cTn id="72" presetID="10" presetClass="exit" presetSubtype="0" fill="hold" nodeType="withEffect">
                                   <p:stCondLst>
                                     <p:cond delay="0"/>
                                   </p:stCondLst>
                                   <p:childTnLst>
                                     <p:animEffect transition="out" filter="fade">
                                       <p:cBhvr>
-                                        <p:cTn id="64" dur="2000"/>
+                                        <p:cTn id="73" dur="2000"/>
                                         <p:tgtEl>
                                           <p:spTgt spid="33"/>
                                         </p:tgtEl>
@@ -46499,7 +46858,7 @@
                                     </p:animEffect>
                                     <p:set>
                                       <p:cBhvr>
-                                        <p:cTn id="65" dur="1" fill="hold">
+                                        <p:cTn id="74" dur="1" fill="hold">
                                           <p:stCondLst>
                                             <p:cond delay="1999"/>
                                           </p:stCondLst>
@@ -46525,26 +46884,26 @@
                     </p:cTn>
                   </p:par>
                   <p:par>
-                    <p:cTn id="66" fill="hold">
+                    <p:cTn id="75" fill="hold">
                       <p:stCondLst>
                         <p:cond delay="indefinite"/>
                       </p:stCondLst>
                       <p:childTnLst>
                         <p:par>
-                          <p:cTn id="67" fill="hold">
+                          <p:cTn id="76" fill="hold">
                             <p:stCondLst>
                               <p:cond delay="0"/>
                             </p:stCondLst>
                             <p:childTnLst>
                               <p:par>
-                                <p:cTn id="68" presetID="10" presetClass="entr" presetSubtype="0" fill="hold" nodeType="clickEffect">
+                                <p:cTn id="77" presetID="10" presetClass="entr" presetSubtype="0" fill="hold" nodeType="clickEffect">
                                   <p:stCondLst>
                                     <p:cond delay="0"/>
                                   </p:stCondLst>
                                   <p:childTnLst>
                                     <p:set>
                                       <p:cBhvr>
-                                        <p:cTn id="69" dur="1" fill="hold">
+                                        <p:cTn id="78" dur="1" fill="hold">
                                           <p:stCondLst>
                                             <p:cond delay="0"/>
                                           </p:stCondLst>
@@ -46562,7 +46921,7 @@
                                     </p:set>
                                     <p:animEffect transition="in" filter="fade">
                                       <p:cBhvr>
-                                        <p:cTn id="70" dur="500"/>
+                                        <p:cTn id="79" dur="500"/>
                                         <p:tgtEl>
                                           <p:spTgt spid="34"/>
                                         </p:tgtEl>
@@ -46578,26 +46937,26 @@
                     </p:cTn>
                   </p:par>
                   <p:par>
-                    <p:cTn id="71" fill="hold">
+                    <p:cTn id="80" fill="hold">
                       <p:stCondLst>
                         <p:cond delay="indefinite"/>
                       </p:stCondLst>
                       <p:childTnLst>
                         <p:par>
-                          <p:cTn id="72" fill="hold">
+                          <p:cTn id="81" fill="hold">
                             <p:stCondLst>
                               <p:cond delay="0"/>
                             </p:stCondLst>
                             <p:childTnLst>
                               <p:par>
-                                <p:cTn id="73" presetID="17" presetClass="exit" presetSubtype="10" fill="hold" grpId="2" nodeType="clickEffect">
+                                <p:cTn id="82" presetID="17" presetClass="exit" presetSubtype="10" fill="hold" grpId="2" nodeType="clickEffect">
                                   <p:stCondLst>
                                     <p:cond delay="0"/>
                                   </p:stCondLst>
                                   <p:childTnLst>
                                     <p:anim calcmode="lin" valueType="num">
                                       <p:cBhvr>
-                                        <p:cTn id="74" dur="500"/>
+                                        <p:cTn id="83" dur="500"/>
                                         <p:tgtEl>
                                           <p:spTgt spid="26"/>
                                         </p:tgtEl>
@@ -46620,7 +46979,7 @@
                                     </p:anim>
                                     <p:anim calcmode="lin" valueType="num">
                                       <p:cBhvr>
-                                        <p:cTn id="75" dur="500"/>
+                                        <p:cTn id="84" dur="500"/>
                                         <p:tgtEl>
                                           <p:spTgt spid="26"/>
                                         </p:tgtEl>
@@ -46643,7 +47002,7 @@
                                     </p:anim>
                                     <p:set>
                                       <p:cBhvr>
-                                        <p:cTn id="76" dur="1" fill="hold">
+                                        <p:cTn id="85" dur="1" fill="hold">
                                           <p:stCondLst>
                                             <p:cond delay="499"/>
                                           </p:stCondLst>
@@ -46663,14 +47022,14 @@
                                 </p:cTn>
                               </p:par>
                               <p:par>
-                                <p:cTn id="77" presetID="17" presetClass="exit" presetSubtype="10" fill="hold" nodeType="withEffect">
+                                <p:cTn id="86" presetID="17" presetClass="exit" presetSubtype="10" fill="hold" nodeType="withEffect">
                                   <p:stCondLst>
                                     <p:cond delay="0"/>
                                   </p:stCondLst>
                                   <p:childTnLst>
                                     <p:anim calcmode="lin" valueType="num">
                                       <p:cBhvr>
-                                        <p:cTn id="78" dur="500"/>
+                                        <p:cTn id="87" dur="500"/>
                                         <p:tgtEl>
                                           <p:spTgt spid="34"/>
                                         </p:tgtEl>
@@ -46693,7 +47052,7 @@
                                     </p:anim>
                                     <p:anim calcmode="lin" valueType="num">
                                       <p:cBhvr>
-                                        <p:cTn id="79" dur="500"/>
+                                        <p:cTn id="88" dur="500"/>
                                         <p:tgtEl>
                                           <p:spTgt spid="34"/>
                                         </p:tgtEl>
@@ -46716,7 +47075,7 @@
                                     </p:anim>
                                     <p:set>
                                       <p:cBhvr>
-                                        <p:cTn id="80" dur="1" fill="hold">
+                                        <p:cTn id="89" dur="1" fill="hold">
                                           <p:stCondLst>
                                             <p:cond delay="499"/>
                                           </p:stCondLst>
@@ -46739,20 +47098,20 @@
                           </p:cTn>
                         </p:par>
                         <p:par>
-                          <p:cTn id="81" fill="hold">
+                          <p:cTn id="90" fill="hold">
                             <p:stCondLst>
                               <p:cond delay="500"/>
                             </p:stCondLst>
                             <p:childTnLst>
                               <p:par>
-                                <p:cTn id="82" presetID="10" presetClass="exit" presetSubtype="0" fill="hold" grpId="1" nodeType="afterEffect">
+                                <p:cTn id="91" presetID="10" presetClass="exit" presetSubtype="0" fill="hold" grpId="1" nodeType="afterEffect">
                                   <p:stCondLst>
                                     <p:cond delay="0"/>
                                   </p:stCondLst>
                                   <p:childTnLst>
                                     <p:animEffect transition="out" filter="fade">
                                       <p:cBhvr>
-                                        <p:cTn id="83" dur="500"/>
+                                        <p:cTn id="92" dur="500"/>
                                         <p:tgtEl>
                                           <p:spTgt spid="42"/>
                                         </p:tgtEl>
@@ -46760,7 +47119,7 @@
                                     </p:animEffect>
                                     <p:set>
                                       <p:cBhvr>
-                                        <p:cTn id="84" dur="1" fill="hold">
+                                        <p:cTn id="93" dur="1" fill="hold">
                                           <p:stCondLst>
                                             <p:cond delay="499"/>
                                           </p:stCondLst>
@@ -46780,14 +47139,14 @@
                                 </p:cTn>
                               </p:par>
                               <p:par>
-                                <p:cTn id="85" presetID="10" presetClass="entr" presetSubtype="0" fill="hold" nodeType="withEffect">
+                                <p:cTn id="94" presetID="10" presetClass="entr" presetSubtype="0" fill="hold" nodeType="withEffect">
                                   <p:stCondLst>
                                     <p:cond delay="0"/>
                                   </p:stCondLst>
                                   <p:childTnLst>
                                     <p:set>
                                       <p:cBhvr>
-                                        <p:cTn id="86" dur="1" fill="hold">
+                                        <p:cTn id="95" dur="1" fill="hold">
                                           <p:stCondLst>
                                             <p:cond delay="0"/>
                                           </p:stCondLst>
@@ -46805,7 +47164,7 @@
                                     </p:set>
                                     <p:animEffect transition="in" filter="fade">
                                       <p:cBhvr>
-                                        <p:cTn id="87" dur="500"/>
+                                        <p:cTn id="96" dur="500"/>
                                         <p:tgtEl>
                                           <p:spTgt spid="54"/>
                                         </p:tgtEl>
@@ -46852,6 +47211,8 @@
       <p:bldP spid="42" grpId="1" animBg="1"/>
       <p:bldP spid="48" grpId="0"/>
       <p:bldP spid="48" grpId="1"/>
+      <p:bldP spid="39" grpId="0" animBg="1"/>
+      <p:bldP spid="39" grpId="1" animBg="1"/>
     </p:bldLst>
   </p:timing>
 </p:sld>
@@ -48191,6 +48552,40 @@
             <a:r>
               <a:rPr lang="fr-FR" dirty="0" smtClean="0"/>
               <a:t>HTTPS</a:t>
+            </a:r>
+            <a:endParaRPr lang="fr-FR" dirty="0"/>
+          </a:p>
+        </p:txBody>
+      </p:sp>
+      <p:sp>
+        <p:nvSpPr>
+          <p:cNvPr id="49" name="ZoneTexte 48"/>
+          <p:cNvSpPr txBox="1"/>
+          <p:nvPr/>
+        </p:nvSpPr>
+        <p:spPr>
+          <a:xfrm>
+            <a:off x="8169627" y="1950003"/>
+            <a:ext cx="1736373" cy="369332"/>
+          </a:xfrm>
+          <a:prstGeom prst="rect">
+            <a:avLst/>
+          </a:prstGeom>
+          <a:noFill/>
+        </p:spPr>
+        <p:txBody>
+          <a:bodyPr wrap="none" rtlCol="0">
+            <a:spAutoFit/>
+          </a:bodyPr>
+          <a:lstStyle/>
+          <a:p>
+            <a:r>
+              <a:rPr lang="fr-FR" dirty="0" err="1" smtClean="0"/>
+              <a:t>YencaP</a:t>
+            </a:r>
+            <a:r>
+              <a:rPr lang="fr-FR" dirty="0" smtClean="0"/>
+              <a:t> Manager</a:t>
             </a:r>
             <a:endParaRPr lang="fr-FR" dirty="0"/>
           </a:p>

--- a/yang-manager/reports/YangArchiAnimatedCameraReady2.pptx
+++ b/yang-manager/reports/YangArchiAnimatedCameraReady2.pptx
@@ -8023,6 +8023,13 @@
           </a:p>
           <a:p>
             <a:pPr algn="just"/>
+            <a:endParaRPr lang="en-US" sz="1000" baseline="0" dirty="0" smtClean="0">
+              <a:latin typeface="Times New Roman"/>
+              <a:cs typeface="Times New Roman"/>
+            </a:endParaRPr>
+          </a:p>
+          <a:p>
+            <a:pPr algn="just"/>
             <a:r>
               <a:rPr lang="en-US" sz="1000" baseline="0" dirty="0" smtClean="0">
                 <a:latin typeface="Times New Roman"/>
@@ -8099,6 +8106,9 @@
               </a:rPr>
               <a:t>protocol through a matching process.</a:t>
             </a:r>
+          </a:p>
+          <a:p>
+            <a:pPr algn="just"/>
             <a:endParaRPr lang="en-US" sz="1000" baseline="0" dirty="0" smtClean="0">
               <a:latin typeface="Times New Roman"/>
               <a:cs typeface="Times New Roman"/>
@@ -8654,7 +8664,7 @@
                 <a:latin typeface="Times New Roman"/>
                 <a:cs typeface="Times New Roman"/>
               </a:rPr>
-              <a:t> Manager</a:t>
+              <a:t> Manager.</a:t>
             </a:r>
           </a:p>
           <a:p>
@@ -8759,6 +8769,16 @@
               <a:buFont typeface="Arial"/>
               <a:buNone/>
             </a:pPr>
+            <a:endParaRPr lang="en-US" sz="1000" baseline="0" noProof="0" dirty="0" smtClean="0">
+              <a:latin typeface="Times New Roman"/>
+              <a:cs typeface="Times New Roman"/>
+            </a:endParaRPr>
+          </a:p>
+          <a:p>
+            <a:pPr algn="just">
+              <a:buFont typeface="Arial"/>
+              <a:buNone/>
+            </a:pPr>
             <a:r>
               <a:rPr lang="en-US" sz="1000" baseline="0" noProof="0" dirty="0" smtClean="0">
                 <a:latin typeface="Times New Roman"/>
@@ -8810,22 +8830,26 @@
               <a:buFont typeface="Arial"/>
               <a:buNone/>
             </a:pPr>
-            <a:endParaRPr lang="en-US" sz="1000" baseline="0" noProof="0" dirty="0" smtClean="0">
-              <a:latin typeface="Times New Roman"/>
-              <a:cs typeface="Times New Roman"/>
-            </a:endParaRPr>
-          </a:p>
-          <a:p>
-            <a:pPr algn="just">
-              <a:buFont typeface="Arial"/>
-              <a:buNone/>
-            </a:pPr>
             <a:r>
               <a:rPr lang="en-US" sz="1000" baseline="0" noProof="0" dirty="0" smtClean="0">
                 <a:latin typeface="Times New Roman"/>
                 <a:cs typeface="Times New Roman"/>
               </a:rPr>
-              <a:t> </a:t>
+              <a:t>When detecting that Yang capability, the </a:t>
+            </a:r>
+            <a:r>
+              <a:rPr lang="en-US" sz="1000" baseline="0" noProof="0" dirty="0" err="1" smtClean="0">
+                <a:latin typeface="Times New Roman"/>
+                <a:cs typeface="Times New Roman"/>
+              </a:rPr>
+              <a:t>netconf</a:t>
+            </a:r>
+            <a:r>
+              <a:rPr lang="en-US" sz="1000" baseline="0" noProof="0" dirty="0" smtClean="0">
+                <a:latin typeface="Times New Roman"/>
+                <a:cs typeface="Times New Roman"/>
+              </a:rPr>
+              <a:t> client calls the Yang loader to find and parse the given yang modules.</a:t>
             </a:r>
           </a:p>
           <a:p>
@@ -8848,133 +8872,21 @@
                 <a:latin typeface="Times New Roman"/>
                 <a:cs typeface="Times New Roman"/>
               </a:rPr>
-              <a:t>The </a:t>
+              <a:t>If no file is found or worst if errors are found in the module the </a:t>
             </a:r>
             <a:r>
               <a:rPr lang="en-US" sz="1000" baseline="0" noProof="0" dirty="0" err="1" smtClean="0">
                 <a:latin typeface="Times New Roman"/>
                 <a:cs typeface="Times New Roman"/>
               </a:rPr>
-              <a:t>YencaP</a:t>
+              <a:t>netconf</a:t>
             </a:r>
             <a:r>
               <a:rPr lang="en-US" sz="1000" baseline="0" noProof="0" dirty="0" smtClean="0">
                 <a:latin typeface="Times New Roman"/>
                 <a:cs typeface="Times New Roman"/>
               </a:rPr>
-              <a:t> Manager, on the center part in the figure 6, is an open source </a:t>
-            </a:r>
-            <a:r>
-              <a:rPr lang="fr-FR" sz="1000" baseline="0" noProof="0" dirty="0" smtClean="0">
-                <a:latin typeface="Times New Roman"/>
-                <a:cs typeface="Times New Roman"/>
-              </a:rPr>
-              <a:t>NETCONF client</a:t>
-            </a:r>
-            <a:r>
-              <a:rPr lang="en-US" sz="1000" baseline="0" noProof="0" dirty="0" smtClean="0">
-                <a:latin typeface="Times New Roman"/>
-                <a:cs typeface="Times New Roman"/>
-              </a:rPr>
-              <a:t> application that can send queries and receive responses with any </a:t>
-            </a:r>
-            <a:r>
-              <a:rPr lang="fr-FR" sz="1000" baseline="0" noProof="0" dirty="0" err="1" smtClean="0">
-                <a:latin typeface="Times New Roman"/>
-                <a:cs typeface="Times New Roman"/>
-              </a:rPr>
-              <a:t>NETCONF-compliant</a:t>
-            </a:r>
-            <a:r>
-              <a:rPr lang="en-US" sz="1000" baseline="0" noProof="0" dirty="0" smtClean="0">
-                <a:latin typeface="Times New Roman"/>
-                <a:cs typeface="Times New Roman"/>
-              </a:rPr>
-              <a:t> server. The </a:t>
-            </a:r>
-            <a:r>
-              <a:rPr lang="fr-FR" sz="1000" baseline="0" noProof="0" dirty="0" smtClean="0">
-                <a:latin typeface="Times New Roman"/>
-                <a:cs typeface="Times New Roman"/>
-              </a:rPr>
-              <a:t>NETCONF</a:t>
-            </a:r>
-            <a:r>
-              <a:rPr lang="en-US" sz="1000" baseline="0" noProof="0" dirty="0" smtClean="0">
-                <a:latin typeface="Times New Roman"/>
-                <a:cs typeface="Times New Roman"/>
-              </a:rPr>
-              <a:t> client can have several </a:t>
-            </a:r>
-            <a:r>
-              <a:rPr lang="fr-FR" sz="1000" baseline="0" noProof="0" dirty="0" smtClean="0">
-                <a:latin typeface="Times New Roman"/>
-                <a:cs typeface="Times New Roman"/>
-              </a:rPr>
-              <a:t>NETCONF</a:t>
-            </a:r>
-            <a:r>
-              <a:rPr lang="en-US" sz="1000" baseline="0" noProof="0" dirty="0" smtClean="0">
-                <a:latin typeface="Times New Roman"/>
-                <a:cs typeface="Times New Roman"/>
-              </a:rPr>
-              <a:t> sessions with several servers at one time. Each session is initialized by the HTTPS server inside the </a:t>
-            </a:r>
-            <a:r>
-              <a:rPr lang="en-US" sz="1000" baseline="0" noProof="0" dirty="0" err="1" smtClean="0">
-                <a:latin typeface="Times New Roman"/>
-                <a:cs typeface="Times New Roman"/>
-              </a:rPr>
-              <a:t>YencaP</a:t>
-            </a:r>
-            <a:r>
-              <a:rPr lang="en-US" sz="1000" baseline="0" noProof="0" dirty="0" smtClean="0">
-                <a:latin typeface="Times New Roman"/>
-                <a:cs typeface="Times New Roman"/>
-              </a:rPr>
-              <a:t> Manager when a user opens an HTTPS session.  There is a one to one mapping between HTTPS and </a:t>
-            </a:r>
-            <a:r>
-              <a:rPr lang="fr-FR" sz="1000" baseline="0" noProof="0" dirty="0" smtClean="0">
-                <a:latin typeface="Times New Roman"/>
-                <a:cs typeface="Times New Roman"/>
-              </a:rPr>
-              <a:t>NETCONF</a:t>
-            </a:r>
-            <a:r>
-              <a:rPr lang="en-US" sz="1000" baseline="0" noProof="0" dirty="0" smtClean="0">
-                <a:latin typeface="Times New Roman"/>
-                <a:cs typeface="Times New Roman"/>
-              </a:rPr>
-              <a:t> sessions. The couple (</a:t>
-            </a:r>
-            <a:r>
-              <a:rPr lang="en-US" sz="1000" baseline="0" noProof="0" dirty="0" err="1" smtClean="0">
-                <a:latin typeface="Times New Roman"/>
-                <a:cs typeface="Times New Roman"/>
-              </a:rPr>
-              <a:t>YencaP</a:t>
-            </a:r>
-            <a:r>
-              <a:rPr lang="en-US" sz="1000" baseline="0" noProof="0" dirty="0" smtClean="0">
-                <a:latin typeface="Times New Roman"/>
-                <a:cs typeface="Times New Roman"/>
-              </a:rPr>
-              <a:t> / </a:t>
-            </a:r>
-            <a:r>
-              <a:rPr lang="en-US" sz="1000" baseline="0" noProof="0" dirty="0" err="1" smtClean="0">
-                <a:latin typeface="Times New Roman"/>
-                <a:cs typeface="Times New Roman"/>
-              </a:rPr>
-              <a:t>YencaP</a:t>
-            </a:r>
-            <a:r>
-              <a:rPr lang="en-US" sz="1000" baseline="0" noProof="0" dirty="0" smtClean="0">
-                <a:latin typeface="Times New Roman"/>
-                <a:cs typeface="Times New Roman"/>
-              </a:rPr>
-              <a:t> Manager) forms the ENSUITE framework.</a:t>
+              <a:t> client can continue with a XML based interface.</a:t>
             </a:r>
           </a:p>
           <a:p>
@@ -8997,140 +8909,21 @@
                 <a:latin typeface="Times New Roman"/>
                 <a:cs typeface="Times New Roman"/>
               </a:rPr>
-              <a:t>On the right part of the figure 6, we extends </a:t>
+              <a:t>If correct file is found then the loader generates the expanded Yang schema tree that is </a:t>
             </a:r>
             <a:r>
               <a:rPr lang="en-US" sz="1000" baseline="0" noProof="0" dirty="0" err="1" smtClean="0">
                 <a:latin typeface="Times New Roman"/>
                 <a:cs typeface="Times New Roman"/>
               </a:rPr>
-              <a:t>YencaP</a:t>
+              <a:t>sended</a:t>
             </a:r>
             <a:r>
               <a:rPr lang="en-US" sz="1000" baseline="0" noProof="0" dirty="0" smtClean="0">
                 <a:latin typeface="Times New Roman"/>
                 <a:cs typeface="Times New Roman"/>
               </a:rPr>
-              <a:t> to give it the possibility of announcing which YANG modules it implements as a capability in its standard hello message (together with version and revision information). This was easily realized with the information in the configuration file we show figure 5. On the </a:t>
-            </a:r>
-            <a:r>
-              <a:rPr lang="en-US" sz="1000" baseline="0" noProof="0" dirty="0" err="1" smtClean="0">
-                <a:latin typeface="Times New Roman"/>
-                <a:cs typeface="Times New Roman"/>
-              </a:rPr>
-              <a:t>YencaP</a:t>
-            </a:r>
-            <a:r>
-              <a:rPr lang="en-US" sz="1000" baseline="0" noProof="0" dirty="0" smtClean="0">
-                <a:latin typeface="Times New Roman"/>
-                <a:cs typeface="Times New Roman"/>
-              </a:rPr>
-              <a:t> Manager side, a YANG loader will be used when such a capability is detected. We do not constraint the </a:t>
-            </a:r>
-            <a:r>
-              <a:rPr lang="en-US" sz="1000" baseline="0" noProof="0" dirty="0" err="1" smtClean="0">
-                <a:latin typeface="Times New Roman"/>
-                <a:cs typeface="Times New Roman"/>
-              </a:rPr>
-              <a:t>YencaP</a:t>
-            </a:r>
-            <a:r>
-              <a:rPr lang="en-US" sz="1000" baseline="0" noProof="0" dirty="0" smtClean="0">
-                <a:latin typeface="Times New Roman"/>
-                <a:cs typeface="Times New Roman"/>
-              </a:rPr>
-              <a:t> Manager to only work with YANG but to accept servers that are YANG enabled or not. The YANG loader gets the specifications from an external repository and builds a specific </a:t>
-            </a:r>
-            <a:r>
-              <a:rPr lang="en-US" sz="1000" baseline="0" noProof="0" dirty="0" err="1" smtClean="0">
-                <a:latin typeface="Times New Roman"/>
-                <a:cs typeface="Times New Roman"/>
-              </a:rPr>
-              <a:t>YangTreeNode</a:t>
-            </a:r>
-            <a:r>
-              <a:rPr lang="en-US" sz="1000" baseline="0" noProof="0" dirty="0" smtClean="0">
-                <a:latin typeface="Times New Roman"/>
-                <a:cs typeface="Times New Roman"/>
-              </a:rPr>
-              <a:t> for the data model maintained by the server. The YANG loader is a java program that uses </a:t>
-            </a:r>
-            <a:r>
-              <a:rPr lang="en-US" sz="1000" baseline="0" noProof="0" dirty="0" err="1" smtClean="0">
-                <a:latin typeface="Times New Roman"/>
-                <a:cs typeface="Times New Roman"/>
-              </a:rPr>
-              <a:t>jYang</a:t>
-            </a:r>
-            <a:r>
-              <a:rPr lang="en-US" sz="1000" baseline="0" noProof="0" dirty="0" smtClean="0">
-                <a:latin typeface="Times New Roman"/>
-                <a:cs typeface="Times New Roman"/>
-              </a:rPr>
-              <a:t> to dynamically parse YANG data model. We took this choice because we suppose the </a:t>
-            </a:r>
-            <a:r>
-              <a:rPr lang="en-US" sz="1000" baseline="0" noProof="0" dirty="0" err="1" smtClean="0">
-                <a:latin typeface="Times New Roman"/>
-                <a:cs typeface="Times New Roman"/>
-              </a:rPr>
-              <a:t>YencaP</a:t>
-            </a:r>
-            <a:r>
-              <a:rPr lang="en-US" sz="1000" baseline="0" noProof="0" dirty="0" smtClean="0">
-                <a:latin typeface="Times New Roman"/>
-                <a:cs typeface="Times New Roman"/>
-              </a:rPr>
-              <a:t> Manager will discover servers without knowledge of their configuration and thus must be able to dynamically load and parse any YANG model. It is also necessary to create the root node in the </a:t>
-            </a:r>
-            <a:r>
-              <a:rPr lang="en-US" sz="1000" baseline="0" noProof="0" dirty="0" err="1" smtClean="0">
-                <a:latin typeface="Times New Roman"/>
-                <a:cs typeface="Times New Roman"/>
-              </a:rPr>
-              <a:t>YangTreeNode</a:t>
-            </a:r>
-            <a:r>
-              <a:rPr lang="en-US" sz="1000" baseline="0" noProof="0" dirty="0" smtClean="0">
-                <a:latin typeface="Times New Roman"/>
-                <a:cs typeface="Times New Roman"/>
-              </a:rPr>
-              <a:t> as a virtual </a:t>
-            </a:r>
-            <a:r>
-              <a:rPr lang="fr-FR" sz="1000" baseline="0" noProof="0" dirty="0" err="1" smtClean="0">
-                <a:latin typeface="Times New Roman"/>
-                <a:cs typeface="Times New Roman"/>
-              </a:rPr>
-              <a:t>netconf</a:t>
-            </a:r>
-            <a:r>
-              <a:rPr lang="fr-FR" sz="1000" baseline="0" noProof="0" dirty="0" smtClean="0">
-                <a:latin typeface="Times New Roman"/>
-                <a:cs typeface="Times New Roman"/>
-              </a:rPr>
-              <a:t> </a:t>
-            </a:r>
-            <a:r>
-              <a:rPr lang="en-US" sz="1000" baseline="0" noProof="0" dirty="0" smtClean="0">
-                <a:latin typeface="Times New Roman"/>
-                <a:cs typeface="Times New Roman"/>
-              </a:rPr>
-              <a:t>container. The YANG specification repository is shown as an external element of the </a:t>
-            </a:r>
-            <a:r>
-              <a:rPr lang="en-US" sz="1000" baseline="0" noProof="0" dirty="0" err="1" smtClean="0">
-                <a:latin typeface="Times New Roman"/>
-                <a:cs typeface="Times New Roman"/>
-              </a:rPr>
-              <a:t>YencaP</a:t>
-            </a:r>
-            <a:r>
-              <a:rPr lang="en-US" sz="1000" baseline="0" noProof="0" dirty="0" smtClean="0">
-                <a:latin typeface="Times New Roman"/>
-                <a:cs typeface="Times New Roman"/>
-              </a:rPr>
-              <a:t> Manager as it should be  a global repository implemented  for example as a web service.</a:t>
+              <a:t> to the web interface.</a:t>
             </a:r>
           </a:p>
           <a:p>
@@ -9153,21 +8946,20 @@
                 <a:latin typeface="Times New Roman"/>
                 <a:cs typeface="Times New Roman"/>
               </a:rPr>
-              <a:t>Once a HTTPS session is opened the user can ask for the configuration of a YANG enabled device. In doing so it receives a java applet that contains the </a:t>
-            </a:r>
-            <a:r>
-              <a:rPr lang="en-US" sz="1000" baseline="0" noProof="0" dirty="0" err="1" smtClean="0">
-                <a:latin typeface="Times New Roman"/>
-                <a:cs typeface="Times New Roman"/>
-              </a:rPr>
-              <a:t>YangTreeNode</a:t>
-            </a:r>
+              <a:t>As we are working with java and http we choose to package the tree in a java applet.</a:t>
+            </a:r>
+          </a:p>
+          <a:p>
+            <a:pPr algn="just">
+              <a:buFont typeface="Arial"/>
+              <a:buNone/>
+            </a:pPr>
             <a:r>
               <a:rPr lang="en-US" sz="1000" baseline="0" noProof="0" dirty="0" smtClean="0">
                 <a:latin typeface="Times New Roman"/>
                 <a:cs typeface="Times New Roman"/>
               </a:rPr>
-              <a:t> for this server only (left part of the figure 6). The applet will be loaded by the web interface to provide the user with a graphical interface representing the configuration.</a:t>
+              <a:t> </a:t>
             </a:r>
             <a:endParaRPr lang="en-US" sz="1000" noProof="0" dirty="0">
               <a:latin typeface="Times New Roman"/>
@@ -9236,112 +9028,7 @@
                 <a:latin typeface="Times New Roman"/>
                 <a:cs typeface="Times New Roman"/>
               </a:rPr>
-              <a:t>One can request the indirectly connected </a:t>
-            </a:r>
-            <a:r>
-              <a:rPr lang="fr-FR" sz="1000" baseline="0" noProof="0" dirty="0" smtClean="0">
-                <a:latin typeface="Times New Roman"/>
-                <a:cs typeface="Times New Roman"/>
-              </a:rPr>
-              <a:t>NETCONF</a:t>
-            </a:r>
-            <a:r>
-              <a:rPr lang="en-US" sz="1000" baseline="0" noProof="0" dirty="0" smtClean="0">
-                <a:latin typeface="Times New Roman"/>
-                <a:cs typeface="Times New Roman"/>
-              </a:rPr>
-              <a:t> device by a mouse contextual menu that pops-up when the right button is pressed on a YANG node. When one of the standard </a:t>
-            </a:r>
-            <a:r>
-              <a:rPr lang="fr-FR" sz="1000" baseline="0" noProof="0" dirty="0" smtClean="0">
-                <a:latin typeface="Times New Roman"/>
-                <a:cs typeface="Times New Roman"/>
-              </a:rPr>
-              <a:t>NETCONF</a:t>
-            </a:r>
-            <a:r>
-              <a:rPr lang="en-US" sz="1000" baseline="0" noProof="0" dirty="0" smtClean="0">
-                <a:latin typeface="Times New Roman"/>
-                <a:cs typeface="Times New Roman"/>
-              </a:rPr>
-              <a:t> operations is chosen, the request is built from the root node (here the </a:t>
-            </a:r>
-            <a:r>
-              <a:rPr lang="fr-FR" sz="1000" baseline="0" noProof="0" dirty="0" err="1" smtClean="0">
-                <a:latin typeface="Times New Roman"/>
-                <a:cs typeface="Times New Roman"/>
-              </a:rPr>
-              <a:t>netconf</a:t>
-            </a:r>
-            <a:r>
-              <a:rPr lang="fr-FR" sz="1000" baseline="0" noProof="0" dirty="0" smtClean="0">
-                <a:latin typeface="Times New Roman"/>
-                <a:cs typeface="Times New Roman"/>
-              </a:rPr>
-              <a:t> </a:t>
-            </a:r>
-            <a:r>
-              <a:rPr lang="en-US" sz="1000" baseline="0" noProof="0" dirty="0" smtClean="0">
-                <a:latin typeface="Times New Roman"/>
-                <a:cs typeface="Times New Roman"/>
-              </a:rPr>
-              <a:t>virtual container) to the tree position of the selected node. At this step, the applet is vertically separated to show result of request on the right. The resulting XML document is sent inside a HTTP POST request. A specific header called “operation” is used to specify which </a:t>
-            </a:r>
-            <a:r>
-              <a:rPr lang="fr-FR" sz="1000" baseline="0" noProof="0" dirty="0" smtClean="0">
-                <a:latin typeface="Times New Roman"/>
-                <a:cs typeface="Times New Roman"/>
-              </a:rPr>
-              <a:t>NETCONF</a:t>
-            </a:r>
-            <a:r>
-              <a:rPr lang="en-US" sz="1000" baseline="0" noProof="0" dirty="0" smtClean="0">
-                <a:latin typeface="Times New Roman"/>
-                <a:cs typeface="Times New Roman"/>
-              </a:rPr>
-              <a:t> operation must be performed on the server (get, get-</a:t>
-            </a:r>
-            <a:r>
-              <a:rPr lang="en-US" sz="1000" baseline="0" noProof="0" dirty="0" err="1" smtClean="0">
-                <a:latin typeface="Times New Roman"/>
-                <a:cs typeface="Times New Roman"/>
-              </a:rPr>
-              <a:t>config</a:t>
-            </a:r>
-            <a:r>
-              <a:rPr lang="en-US" sz="1000" baseline="0" noProof="0" dirty="0" smtClean="0">
-                <a:latin typeface="Times New Roman"/>
-                <a:cs typeface="Times New Roman"/>
-              </a:rPr>
-              <a:t> or edit-</a:t>
-            </a:r>
-            <a:r>
-              <a:rPr lang="en-US" sz="1000" baseline="0" noProof="0" dirty="0" err="1" smtClean="0">
-                <a:latin typeface="Times New Roman"/>
-                <a:cs typeface="Times New Roman"/>
-              </a:rPr>
-              <a:t>config</a:t>
-            </a:r>
-            <a:r>
-              <a:rPr lang="en-US" sz="1000" baseline="0" noProof="0" dirty="0" smtClean="0">
-                <a:latin typeface="Times New Roman"/>
-                <a:cs typeface="Times New Roman"/>
-              </a:rPr>
-              <a:t>). The figure 8 shows a get request on the leaf </a:t>
-            </a:r>
-            <a:r>
-              <a:rPr lang="en-US" sz="1000" baseline="0" noProof="0" dirty="0" err="1" smtClean="0">
-                <a:latin typeface="Times New Roman"/>
-                <a:cs typeface="Times New Roman"/>
-              </a:rPr>
-              <a:t>mtu</a:t>
-            </a:r>
-            <a:r>
-              <a:rPr lang="en-US" sz="1000" baseline="0" noProof="0" dirty="0" smtClean="0">
-                <a:latin typeface="Times New Roman"/>
-                <a:cs typeface="Times New Roman"/>
-              </a:rPr>
-              <a:t> and this leaf is inside the interface list. Note that the key of the list is added to the request while it is not explicitly asked. This is an optimization because subsequent requests on lists (and especially on list entries) will likely need the key. </a:t>
+              <a:t>The first view for the manager is the static one where one can browse yang module. If we want to see or edit configuration data there is a contextual mouse menu.</a:t>
             </a:r>
           </a:p>
           <a:p>
@@ -9358,7 +9045,55 @@
                 <a:latin typeface="Times New Roman"/>
                 <a:cs typeface="Times New Roman"/>
               </a:rPr>
-              <a:t>When the request is received by the </a:t>
+              <a:t>In this example I choose to get the value of the MTU values of all my network interfaces.</a:t>
+            </a:r>
+          </a:p>
+          <a:p>
+            <a:pPr algn="just"/>
+            <a:endParaRPr lang="en-US" sz="1000" baseline="0" noProof="0" dirty="0" smtClean="0">
+              <a:latin typeface="Times New Roman"/>
+              <a:cs typeface="Times New Roman"/>
+            </a:endParaRPr>
+          </a:p>
+          <a:p>
+            <a:pPr algn="just"/>
+            <a:r>
+              <a:rPr lang="en-US" sz="1000" baseline="0" noProof="0" dirty="0" smtClean="0">
+                <a:latin typeface="Times New Roman"/>
+                <a:cs typeface="Times New Roman"/>
+              </a:rPr>
+              <a:t>With the tree, the applet can produce well formed XML request that is </a:t>
+            </a:r>
+            <a:r>
+              <a:rPr lang="en-US" sz="1000" baseline="0" noProof="0" dirty="0" err="1" smtClean="0">
+                <a:latin typeface="Times New Roman"/>
+                <a:cs typeface="Times New Roman"/>
+              </a:rPr>
+              <a:t>sended</a:t>
+            </a:r>
+            <a:r>
+              <a:rPr lang="en-US" sz="1000" baseline="0" noProof="0" dirty="0" smtClean="0">
+                <a:latin typeface="Times New Roman"/>
+                <a:cs typeface="Times New Roman"/>
+              </a:rPr>
+              <a:t> by the Http POST service.</a:t>
+            </a:r>
+          </a:p>
+          <a:p>
+            <a:pPr algn="just"/>
+            <a:endParaRPr lang="en-US" sz="1000" baseline="0" noProof="0" dirty="0" smtClean="0">
+              <a:latin typeface="Times New Roman"/>
+              <a:cs typeface="Times New Roman"/>
+            </a:endParaRPr>
+          </a:p>
+          <a:p>
+            <a:pPr algn="just"/>
+            <a:r>
+              <a:rPr lang="en-US" sz="1000" baseline="0" noProof="0" dirty="0" smtClean="0">
+                <a:latin typeface="Times New Roman"/>
+                <a:cs typeface="Times New Roman"/>
+              </a:rPr>
+              <a:t>The </a:t>
             </a:r>
             <a:r>
               <a:rPr lang="en-US" sz="1000" baseline="0" noProof="0" dirty="0" err="1" smtClean="0">
@@ -9372,113 +9107,98 @@
                 <a:latin typeface="Times New Roman"/>
                 <a:cs typeface="Times New Roman"/>
               </a:rPr>
-              <a:t> Manager, the latter surrounds it by the </a:t>
+              <a:t> Manager that receives this request has to build a real </a:t>
             </a:r>
             <a:r>
               <a:rPr lang="en-US" sz="1000" baseline="0" noProof="0" dirty="0" err="1" smtClean="0">
                 <a:latin typeface="Times New Roman"/>
                 <a:cs typeface="Times New Roman"/>
               </a:rPr>
-              <a:t>rpc</a:t>
+              <a:t>Netconf</a:t>
             </a:r>
             <a:r>
               <a:rPr lang="en-US" sz="1000" baseline="0" noProof="0" dirty="0" smtClean="0">
                 <a:latin typeface="Times New Roman"/>
                 <a:cs typeface="Times New Roman"/>
               </a:rPr>
-              <a:t> and filter mechanisms and sends a valid </a:t>
-            </a:r>
-            <a:r>
-              <a:rPr lang="fr-FR" sz="1000" baseline="0" noProof="0" dirty="0" smtClean="0">
+              <a:t> request and forward it to the </a:t>
+            </a:r>
+            <a:r>
+              <a:rPr lang="en-US" sz="1000" baseline="0" noProof="0" dirty="0" err="1" smtClean="0">
                 <a:latin typeface="Times New Roman"/>
                 <a:cs typeface="Times New Roman"/>
               </a:rPr>
-              <a:t>NETCONF</a:t>
+              <a:t>Netconf</a:t>
             </a:r>
             <a:r>
               <a:rPr lang="en-US" sz="1000" baseline="0" noProof="0" dirty="0" smtClean="0">
                 <a:latin typeface="Times New Roman"/>
                 <a:cs typeface="Times New Roman"/>
               </a:rPr>
-              <a:t> request. From this step we are independent of any YANG concern because we are in a full </a:t>
-            </a:r>
-            <a:r>
-              <a:rPr lang="fr-FR" sz="1000" baseline="0" noProof="0" dirty="0" smtClean="0">
-                <a:latin typeface="Times New Roman"/>
-                <a:cs typeface="Times New Roman"/>
-              </a:rPr>
-              <a:t>NETCONF</a:t>
-            </a:r>
+              <a:t> client.</a:t>
+            </a:r>
+          </a:p>
+          <a:p>
+            <a:pPr algn="just"/>
+            <a:endParaRPr lang="en-US" sz="1000" baseline="0" noProof="0" dirty="0" smtClean="0">
+              <a:latin typeface="Times New Roman"/>
+              <a:cs typeface="Times New Roman"/>
+            </a:endParaRPr>
+          </a:p>
+          <a:p>
+            <a:pPr algn="just"/>
             <a:r>
               <a:rPr lang="en-US" sz="1000" baseline="0" noProof="0" dirty="0" smtClean="0">
                 <a:latin typeface="Times New Roman"/>
                 <a:cs typeface="Times New Roman"/>
               </a:rPr>
-              <a:t> session. Following is simply a cleaning of </a:t>
-            </a:r>
-            <a:r>
-              <a:rPr lang="fr-FR" sz="1000" baseline="0" noProof="0" dirty="0" smtClean="0">
+              <a:t>The response is processed in the other way that is from an XML </a:t>
+            </a:r>
+            <a:r>
+              <a:rPr lang="en-US" sz="1000" baseline="0" noProof="0" dirty="0" err="1" smtClean="0">
                 <a:latin typeface="Times New Roman"/>
                 <a:cs typeface="Times New Roman"/>
               </a:rPr>
-              <a:t>NETCONF</a:t>
+              <a:t>netconf</a:t>
             </a:r>
             <a:r>
               <a:rPr lang="en-US" sz="1000" baseline="0" noProof="0" dirty="0" smtClean="0">
                 <a:latin typeface="Times New Roman"/>
                 <a:cs typeface="Times New Roman"/>
               </a:rPr>
-              <a:t> XML data until the first node of the Data Store and its forwarding to the client applet that is waiting for the response. The </a:t>
-            </a:r>
-            <a:r>
-              <a:rPr lang="fr-FR" sz="1000" baseline="0" noProof="0" smtClean="0">
-                <a:latin typeface="Times New Roman"/>
-                <a:cs typeface="Times New Roman"/>
-              </a:rPr>
-              <a:t>figure </a:t>
-            </a:r>
+              <a:t> response to an Http response that contains the data tree.</a:t>
+            </a:r>
+          </a:p>
+          <a:p>
+            <a:pPr algn="just"/>
+            <a:endParaRPr lang="en-US" sz="1000" baseline="0" noProof="0" smtClean="0">
+              <a:latin typeface="Times New Roman"/>
+              <a:cs typeface="Times New Roman"/>
+            </a:endParaRPr>
+          </a:p>
+          <a:p>
+            <a:pPr algn="just"/>
             <a:r>
               <a:rPr lang="en-US" sz="1000" baseline="0" noProof="0" smtClean="0">
                 <a:latin typeface="Times New Roman"/>
                 <a:cs typeface="Times New Roman"/>
               </a:rPr>
-              <a:t>8 </a:t>
+              <a:t>Finally</a:t>
             </a:r>
             <a:r>
               <a:rPr lang="en-US" sz="1000" baseline="0" noProof="0" dirty="0" smtClean="0">
                 <a:latin typeface="Times New Roman"/>
                 <a:cs typeface="Times New Roman"/>
               </a:rPr>
-              <a:t>shows the response on the right part of the management applet. The request is synchronous because even if one request contains several data (as can be a request on a list) all of them are returned by one response. Note we have made our protocol synchronous on top of HTTP with several asynchronous requests. We plan to allow multiple selections for the same </a:t>
-            </a:r>
-            <a:r>
-              <a:rPr lang="fr-FR" sz="1000" baseline="0" noProof="0" dirty="0" smtClean="0">
-                <a:latin typeface="Times New Roman"/>
-                <a:cs typeface="Times New Roman"/>
-              </a:rPr>
-              <a:t>NETCONF</a:t>
-            </a:r>
-            <a:r>
-              <a:rPr lang="en-US" sz="1000" baseline="0" noProof="0" dirty="0" smtClean="0">
-                <a:latin typeface="Times New Roman"/>
-                <a:cs typeface="Times New Roman"/>
-              </a:rPr>
-              <a:t> operation to give access to the separate part of the </a:t>
-            </a:r>
-            <a:r>
-              <a:rPr lang="fr-FR" sz="1000" baseline="0" noProof="0" dirty="0" smtClean="0">
-                <a:latin typeface="Times New Roman"/>
-                <a:cs typeface="Times New Roman"/>
-              </a:rPr>
-              <a:t>NETCONF</a:t>
-            </a:r>
-            <a:r>
-              <a:rPr lang="en-US" sz="1000" baseline="0" noProof="0" dirty="0" smtClean="0">
-                <a:latin typeface="Times New Roman"/>
-                <a:cs typeface="Times New Roman"/>
-              </a:rPr>
-              <a:t> Data Store in one request.</a:t>
-            </a:r>
+              <a:t>, the applet do the matching of data tree to Yang data tree and shows it.</a:t>
+            </a:r>
+          </a:p>
+          <a:p>
+            <a:pPr algn="just"/>
+            <a:endParaRPr lang="en-US" sz="1000" baseline="0" noProof="0" dirty="0" smtClean="0">
+              <a:latin typeface="Times New Roman"/>
+              <a:cs typeface="Times New Roman"/>
+            </a:endParaRPr>
           </a:p>
         </p:txBody>
       </p:sp>
@@ -45373,12 +45093,20 @@
               </a:lnSpc>
             </a:pPr>
             <a:r>
+              <a:rPr lang="fr-FR" sz="1400" dirty="0" smtClean="0">
+                <a:solidFill>
+                  <a:schemeClr val="tx1"/>
+                </a:solidFill>
+              </a:rPr>
+              <a:t>Yang </a:t>
+            </a:r>
+            <a:r>
               <a:rPr lang="fr-FR" sz="1400" dirty="0" err="1" smtClean="0">
                 <a:solidFill>
                   <a:schemeClr val="tx1"/>
                 </a:solidFill>
               </a:rPr>
-              <a:t>YangTree</a:t>
+              <a:t>schema</a:t>
             </a:r>
             <a:endParaRPr lang="fr-FR" sz="1400" dirty="0" smtClean="0">
               <a:solidFill>
@@ -45398,7 +45126,7 @@
                   <a:schemeClr val="tx1"/>
                 </a:solidFill>
               </a:rPr>
-              <a:t>Node</a:t>
+              <a:t>Tree</a:t>
             </a:r>
             <a:endParaRPr lang="fr-FR" sz="1400" dirty="0">
               <a:solidFill>
@@ -46295,30 +46023,21 @@
                             </p:childTnLst>
                           </p:cTn>
                         </p:par>
-                      </p:childTnLst>
-                    </p:cTn>
-                  </p:par>
-                  <p:par>
-                    <p:cTn id="22" fill="hold">
-                      <p:stCondLst>
-                        <p:cond delay="indefinite"/>
-                      </p:stCondLst>
-                      <p:childTnLst>
                         <p:par>
-                          <p:cTn id="23" fill="hold">
+                          <p:cTn id="22" fill="hold">
                             <p:stCondLst>
-                              <p:cond delay="0"/>
+                              <p:cond delay="500"/>
                             </p:stCondLst>
                             <p:childTnLst>
                               <p:par>
-                                <p:cTn id="24" presetID="22" presetClass="entr" presetSubtype="8" fill="hold" nodeType="clickEffect">
+                                <p:cTn id="23" presetID="22" presetClass="entr" presetSubtype="8" fill="hold" nodeType="afterEffect">
                                   <p:stCondLst>
                                     <p:cond delay="0"/>
                                   </p:stCondLst>
                                   <p:childTnLst>
                                     <p:set>
                                       <p:cBhvr>
-                                        <p:cTn id="25" dur="1" fill="hold">
+                                        <p:cTn id="24" dur="1" fill="hold">
                                           <p:stCondLst>
                                             <p:cond delay="0"/>
                                           </p:stCondLst>
@@ -46336,7 +46055,7 @@
                                     </p:set>
                                     <p:animEffect transition="in" filter="wipe(left)">
                                       <p:cBhvr>
-                                        <p:cTn id="26" dur="500"/>
+                                        <p:cTn id="25" dur="500"/>
                                         <p:tgtEl>
                                           <p:spTgt spid="47"/>
                                         </p:tgtEl>
@@ -46346,14 +46065,14 @@
                                 </p:cTn>
                               </p:par>
                               <p:par>
-                                <p:cTn id="27" presetID="10" presetClass="exit" presetSubtype="0" fill="hold" grpId="1" nodeType="withEffect">
+                                <p:cTn id="26" presetID="10" presetClass="exit" presetSubtype="0" fill="hold" grpId="1" nodeType="withEffect">
                                   <p:stCondLst>
                                     <p:cond delay="0"/>
                                   </p:stCondLst>
                                   <p:childTnLst>
                                     <p:animEffect transition="out" filter="fade">
                                       <p:cBhvr>
-                                        <p:cTn id="28" dur="500"/>
+                                        <p:cTn id="27" dur="500"/>
                                         <p:tgtEl>
                                           <p:spTgt spid="39"/>
                                         </p:tgtEl>
@@ -46361,7 +46080,7 @@
                                     </p:animEffect>
                                     <p:set>
                                       <p:cBhvr>
-                                        <p:cTn id="29" dur="1" fill="hold">
+                                        <p:cTn id="28" dur="1" fill="hold">
                                           <p:stCondLst>
                                             <p:cond delay="499"/>
                                           </p:stCondLst>
@@ -46381,14 +46100,14 @@
                                 </p:cTn>
                               </p:par>
                               <p:par>
-                                <p:cTn id="30" presetID="22" presetClass="entr" presetSubtype="8" fill="hold" grpId="0" nodeType="withEffect">
+                                <p:cTn id="29" presetID="22" presetClass="entr" presetSubtype="8" fill="hold" grpId="0" nodeType="withEffect">
                                   <p:stCondLst>
                                     <p:cond delay="0"/>
                                   </p:stCondLst>
                                   <p:childTnLst>
                                     <p:set>
                                       <p:cBhvr>
-                                        <p:cTn id="31" dur="1" fill="hold">
+                                        <p:cTn id="30" dur="1" fill="hold">
                                           <p:stCondLst>
                                             <p:cond delay="0"/>
                                           </p:stCondLst>
@@ -46406,7 +46125,7 @@
                                     </p:set>
                                     <p:animEffect transition="in" filter="wipe(left)">
                                       <p:cBhvr>
-                                        <p:cTn id="32" dur="500"/>
+                                        <p:cTn id="31" dur="500"/>
                                         <p:tgtEl>
                                           <p:spTgt spid="48"/>
                                         </p:tgtEl>
@@ -46418,14 +46137,23 @@
                             </p:childTnLst>
                           </p:cTn>
                         </p:par>
+                      </p:childTnLst>
+                    </p:cTn>
+                  </p:par>
+                  <p:par>
+                    <p:cTn id="32" fill="hold">
+                      <p:stCondLst>
+                        <p:cond delay="indefinite"/>
+                      </p:stCondLst>
+                      <p:childTnLst>
                         <p:par>
                           <p:cTn id="33" fill="hold">
                             <p:stCondLst>
-                              <p:cond delay="500"/>
+                              <p:cond delay="0"/>
                             </p:stCondLst>
                             <p:childTnLst>
                               <p:par>
-                                <p:cTn id="34" presetID="10" presetClass="exit" presetSubtype="0" fill="hold" nodeType="afterEffect">
+                                <p:cTn id="34" presetID="10" presetClass="exit" presetSubtype="0" fill="hold" nodeType="clickEffect">
                                   <p:stCondLst>
                                     <p:cond delay="0"/>
                                   </p:stCondLst>
@@ -46500,7 +46228,7 @@
                         <p:par>
                           <p:cTn id="40" fill="hold">
                             <p:stCondLst>
-                              <p:cond delay="1000"/>
+                              <p:cond delay="500"/>
                             </p:stCondLst>
                             <p:childTnLst>
                               <p:par>

--- a/yang-manager/reports/YangArchiAnimatedCameraReady2.pptx
+++ b/yang-manager/reports/YangArchiAnimatedCameraReady2.pptx
@@ -5749,7 +5749,7 @@
             <a:fld id="{69351470-D01B-924B-AB3C-0D4571B89327}" type="datetime1">
               <a:rPr lang="fr-FR" smtClean="0"/>
               <a:pPr/>
-              <a:t>29/03/10</a:t>
+              <a:t>6/04/10</a:t>
             </a:fld>
             <a:endParaRPr lang="fr-FR"/>
           </a:p>
@@ -5912,7 +5912,7 @@
             <a:fld id="{94DC8044-5188-1245-98C0-4935C45961F4}" type="datetime1">
               <a:rPr lang="fr-FR" smtClean="0"/>
               <a:pPr/>
-              <a:t>29/03/10</a:t>
+              <a:t>6/04/10</a:t>
             </a:fld>
             <a:endParaRPr lang="fr-FR"/>
           </a:p>
@@ -6234,18 +6234,7 @@
                 <a:ea typeface="+mn-ea"/>
                 <a:cs typeface="+mn-cs"/>
               </a:rPr>
-              <a:t>I’ll present</a:t>
-            </a:r>
-            <a:r>
-              <a:rPr lang="en-US" sz="1200" kern="1200" dirty="0" smtClean="0">
-                <a:solidFill>
-                  <a:schemeClr val="tx1"/>
-                </a:solidFill>
-                <a:latin typeface="+mn-lt"/>
-                <a:ea typeface="+mn-ea"/>
-                <a:cs typeface="+mn-cs"/>
-              </a:rPr>
-              <a:t> to</a:t>
+              <a:t>I’ll present to</a:t>
             </a:r>
             <a:r>
               <a:rPr lang="en-US" sz="1200" kern="1200" baseline="0" dirty="0" smtClean="0">
@@ -6324,18 +6313,7 @@
                 <a:ea typeface="+mn-ea"/>
                 <a:cs typeface="+mn-cs"/>
               </a:rPr>
-              <a:t>Yang is a data modeling language</a:t>
-            </a:r>
-            <a:r>
-              <a:rPr lang="en-US" sz="1200" kern="1200" baseline="0" dirty="0" smtClean="0">
-                <a:solidFill>
-                  <a:schemeClr val="tx1"/>
-                </a:solidFill>
-                <a:latin typeface="+mn-lt"/>
-                <a:ea typeface="+mn-ea"/>
-                <a:cs typeface="+mn-cs"/>
-              </a:rPr>
-              <a:t> proposed by the IETF to formally describe the structure, type and meaning of configuration data.</a:t>
+              <a:t>Yang is a data modeling language proposed by the IETF to formally describe the structure, type and meaning of configuration data.</a:t>
             </a:r>
           </a:p>
           <a:p>
@@ -6564,14 +6542,35 @@
                 <a:latin typeface="Times New Roman"/>
                 <a:cs typeface="Times New Roman"/>
               </a:rPr>
-              <a:t>We provide two contribution to the network</a:t>
+              <a:t>We provide two </a:t>
+            </a:r>
+            <a:r>
+              <a:rPr lang="en-US" sz="1000" noProof="0" dirty="0" smtClean="0">
+                <a:latin typeface="Times New Roman"/>
+                <a:cs typeface="Times New Roman"/>
+              </a:rPr>
+              <a:t>contributions </a:t>
+            </a:r>
+            <a:r>
+              <a:rPr lang="en-US" sz="1000" noProof="0" dirty="0" smtClean="0">
+                <a:latin typeface="Times New Roman"/>
+                <a:cs typeface="Times New Roman"/>
+              </a:rPr>
+              <a:t>to the network</a:t>
             </a:r>
             <a:r>
               <a:rPr lang="en-US" sz="1000" baseline="0" noProof="0" dirty="0" smtClean="0">
                 <a:latin typeface="Times New Roman"/>
                 <a:cs typeface="Times New Roman"/>
               </a:rPr>
-              <a:t> configuration domain. The first one is a YANG parser and semantic checker close to the actual version of the draft definition of YANG. The second contribution is the support within the ENSUITE framework of YANG based models both on the server and the client side. </a:t>
+              <a:t> configuration domain. The first one is a YANG parser and semantic checker close to the actual version of the draft definition of YANG.</a:t>
+            </a:r>
+            <a:r>
+              <a:rPr lang="en-US" sz="1000" baseline="0" noProof="0" dirty="0" smtClean="0">
+                <a:latin typeface="Times New Roman"/>
+                <a:cs typeface="Times New Roman"/>
+              </a:rPr>
+              <a:t> </a:t>
             </a:r>
           </a:p>
           <a:p>
@@ -6588,6 +6587,30 @@
                 <a:latin typeface="Times New Roman"/>
                 <a:cs typeface="Times New Roman"/>
               </a:rPr>
+              <a:t>The </a:t>
+            </a:r>
+            <a:r>
+              <a:rPr lang="en-US" sz="1000" baseline="0" noProof="0" dirty="0" smtClean="0">
+                <a:latin typeface="Times New Roman"/>
+                <a:cs typeface="Times New Roman"/>
+              </a:rPr>
+              <a:t>second contribution is the support within the ENSUITE framework of YANG based models both on the server and the client side. </a:t>
+            </a:r>
+          </a:p>
+          <a:p>
+            <a:pPr algn="just"/>
+            <a:endParaRPr lang="en-US" sz="1000" baseline="0" noProof="0" dirty="0" smtClean="0">
+              <a:latin typeface="Times New Roman"/>
+              <a:cs typeface="Times New Roman"/>
+            </a:endParaRPr>
+          </a:p>
+          <a:p>
+            <a:pPr algn="just"/>
+            <a:r>
+              <a:rPr lang="en-US" sz="1000" baseline="0" noProof="0" dirty="0" smtClean="0">
+                <a:latin typeface="Times New Roman"/>
+                <a:cs typeface="Times New Roman"/>
+              </a:rPr>
               <a:t>We plan to extend </a:t>
             </a:r>
             <a:r>
@@ -6602,21 +6625,52 @@
                 <a:latin typeface="Times New Roman"/>
                 <a:cs typeface="Times New Roman"/>
               </a:rPr>
-              <a:t> to be able to generate parts of its code from YANG data model, or build generic parts, to ensure the server maintains a valid Data Store compliant </a:t>
-            </a:r>
-            <a:r>
-              <a:rPr lang="en-US" sz="1000" baseline="0" noProof="0" smtClean="0">
-                <a:latin typeface="Times New Roman"/>
-                <a:cs typeface="Times New Roman"/>
-              </a:rPr>
-              <a:t>with YANG. </a:t>
+              <a:t> to be able to generate parts of its code from YANG data model</a:t>
             </a:r>
             <a:r>
               <a:rPr lang="en-US" sz="1000" baseline="0" noProof="0" dirty="0" smtClean="0">
                 <a:latin typeface="Times New Roman"/>
                 <a:cs typeface="Times New Roman"/>
               </a:rPr>
-              <a:t>The server has to be able to send notifications especially those defined in YANG and must also accept user defined operations as there are YANG </a:t>
+              <a:t>, </a:t>
+            </a:r>
+            <a:r>
+              <a:rPr lang="en-US" sz="1000" baseline="0" noProof="0" dirty="0" smtClean="0">
+                <a:latin typeface="Times New Roman"/>
+                <a:cs typeface="Times New Roman"/>
+              </a:rPr>
+              <a:t>to ensure the server maintains a valid Data Store compliant with YANG.</a:t>
+            </a:r>
+            <a:r>
+              <a:rPr lang="en-US" sz="1000" baseline="0" noProof="0" dirty="0" smtClean="0">
+                <a:latin typeface="Times New Roman"/>
+                <a:cs typeface="Times New Roman"/>
+              </a:rPr>
+              <a:t> </a:t>
+            </a:r>
+          </a:p>
+          <a:p>
+            <a:pPr algn="just"/>
+            <a:endParaRPr lang="en-US" sz="1000" baseline="0" noProof="0" dirty="0" smtClean="0">
+              <a:latin typeface="Times New Roman"/>
+              <a:cs typeface="Times New Roman"/>
+            </a:endParaRPr>
+          </a:p>
+          <a:p>
+            <a:pPr algn="just"/>
+            <a:r>
+              <a:rPr lang="en-US" sz="1000" baseline="0" noProof="0" dirty="0" smtClean="0">
+                <a:latin typeface="Times New Roman"/>
+                <a:cs typeface="Times New Roman"/>
+              </a:rPr>
+              <a:t>The </a:t>
+            </a:r>
+            <a:r>
+              <a:rPr lang="en-US" sz="1000" baseline="0" noProof="0" dirty="0" smtClean="0">
+                <a:latin typeface="Times New Roman"/>
+                <a:cs typeface="Times New Roman"/>
+              </a:rPr>
+              <a:t>server has to be able to send notifications especially those defined in YANG and must also accept user defined operations as there are YANG </a:t>
             </a:r>
             <a:r>
               <a:rPr lang="en-US" sz="1000" baseline="0" noProof="0" dirty="0" err="1" smtClean="0">
@@ -6661,11 +6715,60 @@
                 <a:latin typeface="Times New Roman"/>
                 <a:cs typeface="Times New Roman"/>
               </a:rPr>
-              <a:t> server with such knowledge this server will be enabled to autonomously checks its configuration. At the client side the constraints can ensure the manager does not make mistakes in its configuration operations and can notify users if constraints are not respected.</a:t>
+              <a:t> server with such knowledge this server will be enabled to autonomously checks its configuration.</a:t>
+            </a:r>
+            <a:r>
+              <a:rPr lang="en-US" sz="1000" baseline="0" noProof="0" dirty="0" smtClean="0">
+                <a:latin typeface="Times New Roman"/>
+                <a:cs typeface="Times New Roman"/>
+              </a:rPr>
+              <a:t> </a:t>
             </a:r>
           </a:p>
           <a:p>
             <a:pPr algn="just"/>
+            <a:endParaRPr lang="en-US" sz="1000" baseline="0" noProof="0" dirty="0" smtClean="0">
+              <a:latin typeface="Times New Roman"/>
+              <a:cs typeface="Times New Roman"/>
+            </a:endParaRPr>
+          </a:p>
+          <a:p>
+            <a:pPr algn="just"/>
+            <a:r>
+              <a:rPr lang="en-US" sz="1000" baseline="0" noProof="0" dirty="0" smtClean="0">
+                <a:latin typeface="Times New Roman"/>
+                <a:cs typeface="Times New Roman"/>
+              </a:rPr>
+              <a:t>At </a:t>
+            </a:r>
+            <a:r>
+              <a:rPr lang="en-US" sz="1000" baseline="0" noProof="0" dirty="0" smtClean="0">
+                <a:latin typeface="Times New Roman"/>
+                <a:cs typeface="Times New Roman"/>
+              </a:rPr>
+              <a:t>the client side the constraints can ensure the manager does not make mistakes in its configuration operations and can notify users if constraints are not respected.</a:t>
+            </a:r>
+            <a:endParaRPr lang="en-US" sz="1000" baseline="0" noProof="0" dirty="0" smtClean="0">
+              <a:latin typeface="Times New Roman"/>
+              <a:cs typeface="Times New Roman"/>
+            </a:endParaRPr>
+          </a:p>
+          <a:p>
+            <a:pPr algn="just"/>
+            <a:endParaRPr lang="en-US" sz="1000" baseline="0" noProof="0" dirty="0" smtClean="0">
+              <a:latin typeface="Times New Roman"/>
+              <a:cs typeface="Times New Roman"/>
+            </a:endParaRPr>
+          </a:p>
+          <a:p>
+            <a:pPr algn="just"/>
+            <a:r>
+              <a:rPr lang="en-US" sz="1000" baseline="0" noProof="0" dirty="0" smtClean="0">
+                <a:latin typeface="Times New Roman"/>
+                <a:cs typeface="Times New Roman"/>
+              </a:rPr>
+              <a:t>Up to now a Yang schema tree contains configuration of one device and we are interested to have a top Yang schema tree on several devices and so be able to specify configuration constraints among theses devices</a:t>
+            </a:r>
             <a:endParaRPr lang="en-US" sz="1000" baseline="0" noProof="0" dirty="0" smtClean="0">
               <a:latin typeface="Times New Roman"/>
               <a:cs typeface="Times New Roman"/>
@@ -6727,6 +6830,122 @@
           </a:bodyPr>
           <a:lstStyle/>
           <a:p>
+            <a:endParaRPr lang="fr-FR"/>
+          </a:p>
+        </p:txBody>
+      </p:sp>
+    </p:spTree>
+  </p:cSld>
+  <p:clrMapOvr>
+    <a:masterClrMapping/>
+  </p:clrMapOvr>
+</p:notes>
+</file>
+
+<file path=ppt/notesSlides/notesSlide12.xml><?xml version="1.0" encoding="utf-8"?>
+<p:notes xmlns:a="http://schemas.openxmlformats.org/drawingml/2006/main" xmlns:r="http://schemas.openxmlformats.org/officeDocument/2006/relationships" xmlns:mc="http://schemas.openxmlformats.org/markup-compatibility/2006" xmlns:mv="urn:schemas-microsoft-com:mac:vml" xmlns:p="http://schemas.openxmlformats.org/presentationml/2006/main" mc:Ignorable="mv" mc:PreserveAttributes="mv:*">
+  <p:cSld>
+    <p:spTree>
+      <p:nvGrpSpPr>
+        <p:cNvPr id="1" name=""/>
+        <p:cNvGrpSpPr/>
+        <p:nvPr/>
+      </p:nvGrpSpPr>
+      <p:grpSpPr>
+        <a:xfrm>
+          <a:off x="0" y="0"/>
+          <a:ext cx="0" cy="0"/>
+          <a:chOff x="0" y="0"/>
+          <a:chExt cx="0" cy="0"/>
+        </a:xfrm>
+      </p:grpSpPr>
+      <p:sp>
+        <p:nvSpPr>
+          <p:cNvPr id="2" name="Espace réservé de l'image des diapositives 1"/>
+          <p:cNvSpPr>
+            <a:spLocks noGrp="1" noRot="1" noChangeAspect="1"/>
+          </p:cNvSpPr>
+          <p:nvPr>
+            <p:ph type="sldImg"/>
+          </p:nvPr>
+        </p:nvSpPr>
+        <p:spPr/>
+      </p:sp>
+      <p:sp>
+        <p:nvSpPr>
+          <p:cNvPr id="3" name="Espace réservé des commentaires 2"/>
+          <p:cNvSpPr>
+            <a:spLocks noGrp="1"/>
+          </p:cNvSpPr>
+          <p:nvPr>
+            <p:ph type="body" idx="1"/>
+          </p:nvPr>
+        </p:nvSpPr>
+        <p:spPr/>
+        <p:txBody>
+          <a:bodyPr>
+            <a:normAutofit/>
+          </a:bodyPr>
+          <a:lstStyle/>
+          <a:p>
+            <a:endParaRPr lang="fr-FR" dirty="0"/>
+          </a:p>
+        </p:txBody>
+      </p:sp>
+    </p:spTree>
+  </p:cSld>
+  <p:clrMapOvr>
+    <a:masterClrMapping/>
+  </p:clrMapOvr>
+</p:notes>
+</file>
+
+<file path=ppt/notesSlides/notesSlide13.xml><?xml version="1.0" encoding="utf-8"?>
+<p:notes xmlns:a="http://schemas.openxmlformats.org/drawingml/2006/main" xmlns:r="http://schemas.openxmlformats.org/officeDocument/2006/relationships" xmlns:mc="http://schemas.openxmlformats.org/markup-compatibility/2006" xmlns:mv="urn:schemas-microsoft-com:mac:vml" xmlns:p="http://schemas.openxmlformats.org/presentationml/2006/main" mc:Ignorable="mv" mc:PreserveAttributes="mv:*">
+  <p:cSld>
+    <p:spTree>
+      <p:nvGrpSpPr>
+        <p:cNvPr id="1" name=""/>
+        <p:cNvGrpSpPr/>
+        <p:nvPr/>
+      </p:nvGrpSpPr>
+      <p:grpSpPr>
+        <a:xfrm>
+          <a:off x="0" y="0"/>
+          <a:ext cx="0" cy="0"/>
+          <a:chOff x="0" y="0"/>
+          <a:chExt cx="0" cy="0"/>
+        </a:xfrm>
+      </p:grpSpPr>
+      <p:sp>
+        <p:nvSpPr>
+          <p:cNvPr id="2" name="Espace réservé de l'image des diapositives 1"/>
+          <p:cNvSpPr>
+            <a:spLocks noGrp="1" noRot="1" noChangeAspect="1"/>
+          </p:cNvSpPr>
+          <p:nvPr>
+            <p:ph type="sldImg"/>
+          </p:nvPr>
+        </p:nvSpPr>
+        <p:spPr/>
+      </p:sp>
+      <p:sp>
+        <p:nvSpPr>
+          <p:cNvPr id="3" name="Espace réservé des commentaires 2"/>
+          <p:cNvSpPr>
+            <a:spLocks noGrp="1"/>
+          </p:cNvSpPr>
+          <p:nvPr>
+            <p:ph type="body" idx="1"/>
+          </p:nvPr>
+        </p:nvSpPr>
+        <p:spPr/>
+        <p:txBody>
+          <a:bodyPr>
+            <a:normAutofit/>
+          </a:bodyPr>
+          <a:lstStyle/>
+          <a:p>
             <a:pPr algn="just"/>
             <a:r>
               <a:rPr lang="en-US" sz="1000" dirty="0" smtClean="0">
@@ -6825,6 +7044,64 @@
               <a:latin typeface="Times New Roman"/>
               <a:cs typeface="Times New Roman"/>
             </a:endParaRPr>
+          </a:p>
+        </p:txBody>
+      </p:sp>
+    </p:spTree>
+  </p:cSld>
+  <p:clrMapOvr>
+    <a:masterClrMapping/>
+  </p:clrMapOvr>
+</p:notes>
+</file>
+
+<file path=ppt/notesSlides/notesSlide14.xml><?xml version="1.0" encoding="utf-8"?>
+<p:notes xmlns:a="http://schemas.openxmlformats.org/drawingml/2006/main" xmlns:r="http://schemas.openxmlformats.org/officeDocument/2006/relationships" xmlns:mc="http://schemas.openxmlformats.org/markup-compatibility/2006" xmlns:mv="urn:schemas-microsoft-com:mac:vml" xmlns:p="http://schemas.openxmlformats.org/presentationml/2006/main" mc:Ignorable="mv" mc:PreserveAttributes="mv:*">
+  <p:cSld>
+    <p:spTree>
+      <p:nvGrpSpPr>
+        <p:cNvPr id="1" name=""/>
+        <p:cNvGrpSpPr/>
+        <p:nvPr/>
+      </p:nvGrpSpPr>
+      <p:grpSpPr>
+        <a:xfrm>
+          <a:off x="0" y="0"/>
+          <a:ext cx="0" cy="0"/>
+          <a:chOff x="0" y="0"/>
+          <a:chExt cx="0" cy="0"/>
+        </a:xfrm>
+      </p:grpSpPr>
+      <p:sp>
+        <p:nvSpPr>
+          <p:cNvPr id="2" name="Espace réservé de l'image des diapositives 1"/>
+          <p:cNvSpPr>
+            <a:spLocks noGrp="1" noRot="1" noChangeAspect="1"/>
+          </p:cNvSpPr>
+          <p:nvPr>
+            <p:ph type="sldImg"/>
+          </p:nvPr>
+        </p:nvSpPr>
+        <p:spPr/>
+      </p:sp>
+      <p:sp>
+        <p:nvSpPr>
+          <p:cNvPr id="3" name="Espace réservé des commentaires 2"/>
+          <p:cNvSpPr>
+            <a:spLocks noGrp="1"/>
+          </p:cNvSpPr>
+          <p:nvPr>
+            <p:ph type="body" idx="1"/>
+          </p:nvPr>
+        </p:nvSpPr>
+        <p:spPr/>
+        <p:txBody>
+          <a:bodyPr>
+            <a:normAutofit/>
+          </a:bodyPr>
+          <a:lstStyle/>
+          <a:p>
+            <a:endParaRPr lang="fr-FR"/>
           </a:p>
         </p:txBody>
       </p:sp>
@@ -7056,8 +7333,10 @@
                 <a:ea typeface="+mn-ea"/>
                 <a:cs typeface="+mn-cs"/>
               </a:rPr>
-              <a:t> protocol defines some operations to</a:t>
-            </a:r>
+              <a:t> protocol defines some operations to upload, download whole or part of configuration data in one request.</a:t>
+            </a:r>
+          </a:p>
+          <a:p>
             <a:r>
               <a:rPr lang="en-US" sz="1200" kern="1200" baseline="0" dirty="0" smtClean="0">
                 <a:solidFill>
@@ -7067,8 +7346,20 @@
                 <a:ea typeface="+mn-ea"/>
                 <a:cs typeface="+mn-cs"/>
               </a:rPr>
-              <a:t> upload, download whole </a:t>
-            </a:r>
+              <a:t>They are other operations as copy or delete and new operations can be defined. There is also a notification operation from server to management applications.</a:t>
+            </a:r>
+          </a:p>
+          <a:p>
+            <a:endParaRPr lang="en-US" sz="1200" kern="1200" baseline="0" dirty="0" smtClean="0">
+              <a:solidFill>
+                <a:schemeClr val="tx1"/>
+              </a:solidFill>
+              <a:latin typeface="+mn-lt"/>
+              <a:ea typeface="+mn-ea"/>
+              <a:cs typeface="+mn-cs"/>
+            </a:endParaRPr>
+          </a:p>
+          <a:p>
             <a:r>
               <a:rPr lang="en-US" sz="1200" kern="1200" baseline="0" dirty="0" smtClean="0">
                 <a:solidFill>
@@ -7078,109 +7369,7 @@
                 <a:ea typeface="+mn-ea"/>
                 <a:cs typeface="+mn-cs"/>
               </a:rPr>
-              <a:t>or part of configuration data in one request</a:t>
-            </a:r>
-            <a:r>
-              <a:rPr lang="en-US" sz="1200" kern="1200" baseline="0" dirty="0" smtClean="0">
-                <a:solidFill>
-                  <a:schemeClr val="tx1"/>
-                </a:solidFill>
-                <a:latin typeface="+mn-lt"/>
-                <a:ea typeface="+mn-ea"/>
-                <a:cs typeface="+mn-cs"/>
-              </a:rPr>
-              <a:t>.</a:t>
-            </a:r>
-          </a:p>
-          <a:p>
-            <a:r>
-              <a:rPr lang="en-US" sz="1200" kern="1200" baseline="0" dirty="0" smtClean="0">
-                <a:solidFill>
-                  <a:schemeClr val="tx1"/>
-                </a:solidFill>
-                <a:latin typeface="+mn-lt"/>
-                <a:ea typeface="+mn-ea"/>
-                <a:cs typeface="+mn-cs"/>
-              </a:rPr>
-              <a:t>They are other operations as copy or delete and new </a:t>
-            </a:r>
-            <a:r>
-              <a:rPr lang="en-US" sz="1200" kern="1200" baseline="0" dirty="0" smtClean="0">
-                <a:solidFill>
-                  <a:schemeClr val="tx1"/>
-                </a:solidFill>
-                <a:latin typeface="+mn-lt"/>
-                <a:ea typeface="+mn-ea"/>
-                <a:cs typeface="+mn-cs"/>
-              </a:rPr>
-              <a:t>operations can be </a:t>
-            </a:r>
-            <a:r>
-              <a:rPr lang="en-US" sz="1200" kern="1200" baseline="0" dirty="0" smtClean="0">
-                <a:solidFill>
-                  <a:schemeClr val="tx1"/>
-                </a:solidFill>
-                <a:latin typeface="+mn-lt"/>
-                <a:ea typeface="+mn-ea"/>
-                <a:cs typeface="+mn-cs"/>
-              </a:rPr>
-              <a:t>defined. There </a:t>
-            </a:r>
-            <a:r>
-              <a:rPr lang="en-US" sz="1200" kern="1200" baseline="0" dirty="0" smtClean="0">
-                <a:solidFill>
-                  <a:schemeClr val="tx1"/>
-                </a:solidFill>
-                <a:latin typeface="+mn-lt"/>
-                <a:ea typeface="+mn-ea"/>
-                <a:cs typeface="+mn-cs"/>
-              </a:rPr>
-              <a:t>is also a notification operation from server to management applications.</a:t>
-            </a:r>
-          </a:p>
-          <a:p>
-            <a:endParaRPr lang="en-US" sz="1200" kern="1200" baseline="0" dirty="0" smtClean="0">
-              <a:solidFill>
-                <a:schemeClr val="tx1"/>
-              </a:solidFill>
-              <a:latin typeface="+mn-lt"/>
-              <a:ea typeface="+mn-ea"/>
-              <a:cs typeface="+mn-cs"/>
-            </a:endParaRPr>
-          </a:p>
-          <a:p>
-            <a:r>
-              <a:rPr lang="en-US" sz="1200" kern="1200" baseline="0" dirty="0" smtClean="0">
-                <a:solidFill>
-                  <a:schemeClr val="tx1"/>
-                </a:solidFill>
-                <a:latin typeface="+mn-lt"/>
-                <a:ea typeface="+mn-ea"/>
-                <a:cs typeface="+mn-cs"/>
-              </a:rPr>
-              <a:t>Configuration data are XML </a:t>
-            </a:r>
-            <a:r>
-              <a:rPr lang="en-US" sz="1200" kern="1200" baseline="0" dirty="0" smtClean="0">
-                <a:solidFill>
-                  <a:schemeClr val="tx1"/>
-                </a:solidFill>
-                <a:latin typeface="+mn-lt"/>
-                <a:ea typeface="+mn-ea"/>
-                <a:cs typeface="+mn-cs"/>
-              </a:rPr>
-              <a:t>formatted </a:t>
-            </a:r>
-            <a:r>
-              <a:rPr lang="en-US" sz="1200" kern="1200" baseline="0" dirty="0" smtClean="0">
-                <a:solidFill>
-                  <a:schemeClr val="tx1"/>
-                </a:solidFill>
-                <a:latin typeface="+mn-lt"/>
-                <a:ea typeface="+mn-ea"/>
-                <a:cs typeface="+mn-cs"/>
-              </a:rPr>
-              <a:t>and the </a:t>
+              <a:t>Configuration data are XML formatted and the </a:t>
             </a:r>
             <a:r>
               <a:rPr lang="en-US" sz="1200" kern="1200" baseline="0" dirty="0" err="1" smtClean="0">
@@ -7202,40 +7391,7 @@
                 <a:ea typeface="+mn-ea"/>
                 <a:cs typeface="+mn-cs"/>
               </a:rPr>
-              <a:t> standard </a:t>
-            </a:r>
-            <a:r>
-              <a:rPr lang="en-US" sz="1200" kern="1200" baseline="0" dirty="0" smtClean="0">
-                <a:solidFill>
-                  <a:schemeClr val="tx1"/>
-                </a:solidFill>
-                <a:latin typeface="+mn-lt"/>
-                <a:ea typeface="+mn-ea"/>
-                <a:cs typeface="+mn-cs"/>
-              </a:rPr>
-              <a:t>acknowledges </a:t>
-            </a:r>
-            <a:r>
-              <a:rPr lang="en-US" sz="1200" kern="1200" baseline="0" dirty="0" smtClean="0">
-                <a:solidFill>
-                  <a:schemeClr val="tx1"/>
-                </a:solidFill>
-                <a:latin typeface="+mn-lt"/>
-                <a:ea typeface="+mn-ea"/>
-                <a:cs typeface="+mn-cs"/>
-              </a:rPr>
-              <a:t>there is a need to describe structures and meaning of these data</a:t>
-            </a:r>
-            <a:r>
-              <a:rPr lang="en-US" sz="1200" kern="1200" baseline="0" dirty="0" smtClean="0">
-                <a:solidFill>
-                  <a:schemeClr val="tx1"/>
-                </a:solidFill>
-                <a:latin typeface="+mn-lt"/>
-                <a:ea typeface="+mn-ea"/>
-                <a:cs typeface="+mn-cs"/>
-              </a:rPr>
-              <a:t>.</a:t>
+              <a:t> standard acknowledges there is a need to describe structures and meaning of these data.</a:t>
             </a:r>
           </a:p>
           <a:p>
@@ -7273,14 +7429,6 @@
               </a:rPr>
               <a:t>On the other side, a configuration management application should know which data models are implemented to match XML data as instances of these models.</a:t>
             </a:r>
-            <a:endParaRPr lang="en-US" sz="1200" kern="1200" baseline="0" dirty="0" smtClean="0">
-              <a:solidFill>
-                <a:schemeClr val="tx1"/>
-              </a:solidFill>
-              <a:latin typeface="+mn-lt"/>
-              <a:ea typeface="+mn-ea"/>
-              <a:cs typeface="+mn-cs"/>
-            </a:endParaRPr>
           </a:p>
           <a:p>
             <a:pPr marL="0" marR="0" indent="0" algn="l" defTabSz="457200" rtl="0" eaLnBrk="1" fontAlgn="auto" latinLnBrk="0" hangingPunct="1">
@@ -7502,14 +7650,7 @@
                 <a:latin typeface="Times New Roman"/>
                 <a:cs typeface="Times New Roman"/>
               </a:rPr>
-              <a:t>This is a basic example of Yang data modeling.</a:t>
-            </a:r>
-            <a:r>
-              <a:rPr lang="en-US" sz="1000" b="0" i="0" baseline="0" dirty="0" smtClean="0">
-                <a:latin typeface="Times New Roman"/>
-                <a:cs typeface="Times New Roman"/>
-              </a:rPr>
-              <a:t> </a:t>
+              <a:t>This is a basic example of Yang data modeling. </a:t>
             </a:r>
           </a:p>
           <a:p>
@@ -7526,21 +7667,7 @@
                 <a:latin typeface="Times New Roman"/>
                 <a:cs typeface="Times New Roman"/>
               </a:rPr>
-              <a:t>Yang Data model are organized in modules.</a:t>
-            </a:r>
-            <a:r>
-              <a:rPr lang="en-US" sz="1000" b="0" i="0" baseline="0" dirty="0" smtClean="0">
-                <a:latin typeface="Times New Roman"/>
-                <a:cs typeface="Times New Roman"/>
-              </a:rPr>
-              <a:t> A </a:t>
-            </a:r>
-            <a:r>
-              <a:rPr lang="en-US" sz="1000" b="0" i="0" baseline="0" dirty="0" smtClean="0">
-                <a:latin typeface="Times New Roman"/>
-                <a:cs typeface="Times New Roman"/>
-              </a:rPr>
-              <a:t>module should be a collection of data definition related to  a configuration subject, as this one on network configuration.</a:t>
+              <a:t>Yang Data model are organized in modules. A module should be a collection of data definition related to  a configuration subject, as this one on network configuration.</a:t>
             </a:r>
           </a:p>
           <a:p>
@@ -7889,28 +8016,7 @@
                 <a:latin typeface="Times New Roman"/>
                 <a:cs typeface="Times New Roman"/>
               </a:rPr>
-              <a:t>We have made </a:t>
-            </a:r>
-            <a:r>
-              <a:rPr lang="en-US" sz="1000" baseline="0" dirty="0" smtClean="0">
-                <a:latin typeface="Times New Roman"/>
-                <a:cs typeface="Times New Roman"/>
-              </a:rPr>
-              <a:t>an open source </a:t>
-            </a:r>
-            <a:r>
-              <a:rPr lang="en-US" sz="1000" baseline="0" dirty="0" smtClean="0">
-                <a:latin typeface="Times New Roman"/>
-                <a:cs typeface="Times New Roman"/>
-              </a:rPr>
-              <a:t>YANG </a:t>
-            </a:r>
-            <a:r>
-              <a:rPr lang="en-US" sz="1000" baseline="0" dirty="0" smtClean="0">
-                <a:latin typeface="Times New Roman"/>
-                <a:cs typeface="Times New Roman"/>
-              </a:rPr>
-              <a:t>parser we call </a:t>
+              <a:t>We have made an open source YANG parser we call </a:t>
             </a:r>
             <a:r>
               <a:rPr lang="en-US" sz="1000" baseline="0" dirty="0" err="1" smtClean="0">
@@ -7926,10 +8032,6 @@
               </a:rPr>
               <a:t> because it’s a java code.</a:t>
             </a:r>
-            <a:endParaRPr lang="en-US" sz="1000" baseline="0" dirty="0" smtClean="0">
-              <a:latin typeface="Times New Roman"/>
-              <a:cs typeface="Times New Roman"/>
-            </a:endParaRPr>
           </a:p>
           <a:p>
             <a:pPr algn="just"/>
@@ -7945,14 +8047,7 @@
                 <a:latin typeface="Times New Roman"/>
                 <a:cs typeface="Times New Roman"/>
               </a:rPr>
-              <a:t>This parser reads YANG modules and build their YANG schema </a:t>
-            </a:r>
-            <a:r>
-              <a:rPr lang="en-US" sz="1000" baseline="0" dirty="0" smtClean="0">
-                <a:latin typeface="Times New Roman"/>
-                <a:cs typeface="Times New Roman"/>
-              </a:rPr>
-              <a:t>trees if no error is detected.</a:t>
+              <a:t>This parser reads YANG modules and build their YANG schema trees if no error is detected.</a:t>
             </a:r>
           </a:p>
           <a:p>
@@ -7969,14 +8064,7 @@
                 <a:latin typeface="Times New Roman"/>
                 <a:cs typeface="Times New Roman"/>
               </a:rPr>
-              <a:t>Some Yang schema nodes can have relationship each other, as for example If </a:t>
-            </a:r>
-            <a:r>
-              <a:rPr lang="en-US" sz="1000" baseline="0" dirty="0" smtClean="0">
-                <a:latin typeface="Times New Roman"/>
-                <a:cs typeface="Times New Roman"/>
-              </a:rPr>
-              <a:t>we suppose two nodes in the module </a:t>
+              <a:t>Some Yang schema nodes can have relationship each other, as for example If we suppose two nodes in the module </a:t>
             </a:r>
             <a:r>
               <a:rPr lang="en-US" sz="1800" baseline="0" dirty="0" smtClean="0">
@@ -8035,21 +8123,7 @@
                 <a:latin typeface="Times New Roman"/>
                 <a:cs typeface="Times New Roman"/>
               </a:rPr>
-              <a:t>So </a:t>
-            </a:r>
-            <a:r>
-              <a:rPr lang="en-US" sz="1000" baseline="0" dirty="0" smtClean="0">
-                <a:latin typeface="Times New Roman"/>
-                <a:cs typeface="Times New Roman"/>
-              </a:rPr>
-              <a:t>we expand YANG schema tree with corresponding schema trees</a:t>
-            </a:r>
-            <a:r>
-              <a:rPr lang="en-US" sz="1000" baseline="0" dirty="0" smtClean="0">
-                <a:latin typeface="Times New Roman"/>
-                <a:cs typeface="Times New Roman"/>
-              </a:rPr>
-              <a:t>. They must be copied because YANG allows to modify such sub trees.</a:t>
+              <a:t>So we expand YANG schema tree with corresponding schema trees. They must be copied because YANG allows to modify such sub trees.</a:t>
             </a:r>
           </a:p>
           <a:p>
@@ -8083,28 +8157,7 @@
                 <a:latin typeface="Times New Roman"/>
                 <a:cs typeface="Times New Roman"/>
               </a:rPr>
-              <a:t>The</a:t>
-            </a:r>
-            <a:r>
-              <a:rPr lang="en-US" sz="1000" baseline="0" dirty="0" smtClean="0">
-                <a:latin typeface="Times New Roman"/>
-                <a:cs typeface="Times New Roman"/>
-              </a:rPr>
-              <a:t> expanded YANG </a:t>
-            </a:r>
-            <a:r>
-              <a:rPr lang="en-US" sz="1000" baseline="0" dirty="0" smtClean="0">
-                <a:latin typeface="Times New Roman"/>
-                <a:cs typeface="Times New Roman"/>
-              </a:rPr>
-              <a:t>schema tree is also used to find out the YANG data tree from XML Data of the NETCONF </a:t>
-            </a:r>
-            <a:r>
-              <a:rPr lang="en-US" sz="1000" baseline="0" dirty="0" smtClean="0">
-                <a:latin typeface="Times New Roman"/>
-                <a:cs typeface="Times New Roman"/>
-              </a:rPr>
-              <a:t>protocol through a matching process.</a:t>
+              <a:t>The expanded YANG schema tree is also used to find out the YANG data tree from XML Data of the NETCONF protocol through a matching process.</a:t>
             </a:r>
           </a:p>
           <a:p>
@@ -8238,28 +8291,7 @@
                 <a:latin typeface="Times New Roman"/>
                 <a:cs typeface="Times New Roman"/>
               </a:rPr>
-              <a:t> </a:t>
-            </a:r>
-            <a:r>
-              <a:rPr lang="en-US" sz="1000" baseline="0" dirty="0" smtClean="0">
-                <a:latin typeface="Times New Roman"/>
-                <a:cs typeface="Times New Roman"/>
-              </a:rPr>
-              <a:t>is</a:t>
-            </a:r>
-            <a:r>
-              <a:rPr lang="en-US" sz="1000" baseline="0" dirty="0" smtClean="0">
-                <a:latin typeface="Times New Roman"/>
-                <a:cs typeface="Times New Roman"/>
-              </a:rPr>
-              <a:t> our open </a:t>
-            </a:r>
-            <a:r>
-              <a:rPr lang="en-US" sz="1000" baseline="0" dirty="0" smtClean="0">
-                <a:latin typeface="Times New Roman"/>
-                <a:cs typeface="Times New Roman"/>
-              </a:rPr>
-              <a:t>source implementation of the </a:t>
+              <a:t> is our open source implementation of the </a:t>
             </a:r>
             <a:r>
               <a:rPr lang="fr-FR" sz="1000" baseline="0" dirty="0" smtClean="0">
@@ -8273,14 +8305,7 @@
                 <a:latin typeface="Times New Roman"/>
                 <a:cs typeface="Times New Roman"/>
               </a:rPr>
-              <a:t>server </a:t>
-            </a:r>
-            <a:r>
-              <a:rPr lang="en-US" sz="1000" baseline="0" dirty="0" smtClean="0">
-                <a:latin typeface="Times New Roman"/>
-                <a:cs typeface="Times New Roman"/>
-              </a:rPr>
-              <a:t>side.</a:t>
+              <a:t>server side.</a:t>
             </a:r>
           </a:p>
           <a:p>
@@ -8297,35 +8322,7 @@
                 <a:latin typeface="Times New Roman"/>
                 <a:cs typeface="Times New Roman"/>
               </a:rPr>
-              <a:t>It </a:t>
-            </a:r>
-            <a:r>
-              <a:rPr lang="en-US" sz="1000" baseline="0" dirty="0" smtClean="0">
-                <a:latin typeface="Times New Roman"/>
-                <a:cs typeface="Times New Roman"/>
-              </a:rPr>
-              <a:t>is conformant with the standard </a:t>
-            </a:r>
-            <a:r>
-              <a:rPr lang="en-US" sz="1000" baseline="0" dirty="0" smtClean="0">
-                <a:latin typeface="Times New Roman"/>
-                <a:cs typeface="Times New Roman"/>
-              </a:rPr>
-              <a:t>architecture, that is : a secure </a:t>
-            </a:r>
-            <a:r>
-              <a:rPr lang="en-US" sz="1000" baseline="0" dirty="0" smtClean="0">
-                <a:latin typeface="Times New Roman"/>
-                <a:cs typeface="Times New Roman"/>
-              </a:rPr>
-              <a:t>transport, remote procedure call and configuration oriented operation like </a:t>
-            </a:r>
-            <a:r>
-              <a:rPr lang="en-US" sz="1000" baseline="0" dirty="0" smtClean="0">
-                <a:latin typeface="Times New Roman"/>
-                <a:cs typeface="Times New Roman"/>
-              </a:rPr>
-              <a:t>get-</a:t>
+              <a:t>It is conformant with the standard architecture, that is : a secure transport, remote procedure call and configuration oriented operation like get-</a:t>
             </a:r>
             <a:r>
               <a:rPr lang="en-US" sz="1000" baseline="0" dirty="0" err="1" smtClean="0">
@@ -8339,14 +8336,7 @@
                 <a:latin typeface="Times New Roman"/>
                 <a:cs typeface="Times New Roman"/>
               </a:rPr>
-              <a:t> </a:t>
-            </a:r>
-            <a:r>
-              <a:rPr lang="en-US" sz="1000" baseline="0" dirty="0" smtClean="0">
-                <a:latin typeface="Times New Roman"/>
-                <a:cs typeface="Times New Roman"/>
-              </a:rPr>
-              <a:t>and edit </a:t>
+              <a:t> and edit </a:t>
             </a:r>
             <a:r>
               <a:rPr lang="en-US" sz="1000" baseline="0" dirty="0" err="1" smtClean="0">
@@ -8377,28 +8367,7 @@
                 <a:latin typeface="Times New Roman"/>
                 <a:cs typeface="Times New Roman"/>
               </a:rPr>
-              <a:t>Configuration</a:t>
-            </a:r>
-            <a:r>
-              <a:rPr lang="en-US" sz="1000" baseline="0" dirty="0" smtClean="0">
-                <a:latin typeface="Times New Roman"/>
-                <a:cs typeface="Times New Roman"/>
-              </a:rPr>
-              <a:t> data is organized </a:t>
-            </a:r>
-            <a:r>
-              <a:rPr lang="en-US" sz="1000" baseline="0" dirty="0" smtClean="0">
-                <a:latin typeface="Times New Roman"/>
-                <a:cs typeface="Times New Roman"/>
-              </a:rPr>
-              <a:t>by the Data Store </a:t>
-            </a:r>
-            <a:r>
-              <a:rPr lang="en-US" sz="1000" baseline="0" dirty="0" smtClean="0">
-                <a:latin typeface="Times New Roman"/>
-                <a:cs typeface="Times New Roman"/>
-              </a:rPr>
-              <a:t>Manager as a virtual global XML data tree. </a:t>
+              <a:t>Configuration data is organized by the Data Store Manager as a virtual global XML data tree. </a:t>
             </a:r>
           </a:p>
           <a:p>
@@ -8450,14 +8419,7 @@
                 <a:latin typeface="Times New Roman"/>
                 <a:cs typeface="Times New Roman"/>
               </a:rPr>
-              <a:t>So we </a:t>
-            </a:r>
-            <a:r>
-              <a:rPr lang="en-US" sz="1000" baseline="0" dirty="0" smtClean="0">
-                <a:latin typeface="Times New Roman"/>
-                <a:cs typeface="Times New Roman"/>
-              </a:rPr>
-              <a:t>have extended </a:t>
+              <a:t>So we have extended </a:t>
             </a:r>
             <a:r>
               <a:rPr lang="en-US" sz="1000" baseline="0" dirty="0" err="1" smtClean="0">
@@ -8471,14 +8433,7 @@
                 <a:latin typeface="Times New Roman"/>
                 <a:cs typeface="Times New Roman"/>
               </a:rPr>
-              <a:t> with YANG capabilities</a:t>
-            </a:r>
-            <a:r>
-              <a:rPr lang="en-US" sz="1000" baseline="0" dirty="0" smtClean="0">
-                <a:latin typeface="Times New Roman"/>
-                <a:cs typeface="Times New Roman"/>
-              </a:rPr>
-              <a:t> without change any internal XML data  in the core of the server.</a:t>
+              <a:t> with YANG capabilities without change any internal XML data  in the core of the server.</a:t>
             </a:r>
           </a:p>
           <a:p>
@@ -8552,10 +8507,6 @@
               </a:rPr>
               <a:t>A next step will be to add the server with an internal Yang view.  </a:t>
             </a:r>
-            <a:endParaRPr lang="en-US" sz="1000" baseline="0" dirty="0" smtClean="0">
-              <a:latin typeface="Times New Roman"/>
-              <a:cs typeface="Times New Roman"/>
-            </a:endParaRPr>
           </a:p>
         </p:txBody>
       </p:sp>
@@ -9676,7 +9627,7 @@
             <a:fld id="{7F2B8709-3F46-DE42-BD3E-692D784503EE}" type="datetime1">
               <a:rPr lang="fr-FR" smtClean="0"/>
               <a:pPr/>
-              <a:t>29/03/10</a:t>
+              <a:t>6/04/10</a:t>
             </a:fld>
             <a:endParaRPr lang="fr-FR"/>
           </a:p>
@@ -9843,7 +9794,7 @@
             <a:fld id="{4EBEFD6C-C087-154D-B622-7C02A58805D5}" type="datetime1">
               <a:rPr lang="fr-FR" smtClean="0"/>
               <a:pPr/>
-              <a:t>29/03/10</a:t>
+              <a:t>6/04/10</a:t>
             </a:fld>
             <a:endParaRPr lang="fr-FR"/>
           </a:p>
@@ -10020,7 +9971,7 @@
             <a:fld id="{07D8C6FC-5D38-E240-8250-E4BC28BDE1B6}" type="datetime1">
               <a:rPr lang="fr-FR" smtClean="0"/>
               <a:pPr/>
-              <a:t>29/03/10</a:t>
+              <a:t>6/04/10</a:t>
             </a:fld>
             <a:endParaRPr lang="fr-FR"/>
           </a:p>
@@ -10187,7 +10138,7 @@
             <a:fld id="{4E2F6B51-FB45-C74D-A600-600DD287541D}" type="datetime1">
               <a:rPr lang="fr-FR" smtClean="0"/>
               <a:pPr/>
-              <a:t>29/03/10</a:t>
+              <a:t>6/04/10</a:t>
             </a:fld>
             <a:endParaRPr lang="fr-FR"/>
           </a:p>
@@ -10430,7 +10381,7 @@
             <a:fld id="{DFEE11C6-5005-A744-9B9D-B94478DE044A}" type="datetime1">
               <a:rPr lang="fr-FR" smtClean="0"/>
               <a:pPr/>
-              <a:t>29/03/10</a:t>
+              <a:t>6/04/10</a:t>
             </a:fld>
             <a:endParaRPr lang="fr-FR"/>
           </a:p>
@@ -10715,7 +10666,7 @@
             <a:fld id="{9202BA27-7F62-034A-AD65-AD2BE6700D12}" type="datetime1">
               <a:rPr lang="fr-FR" smtClean="0"/>
               <a:pPr/>
-              <a:t>29/03/10</a:t>
+              <a:t>6/04/10</a:t>
             </a:fld>
             <a:endParaRPr lang="fr-FR"/>
           </a:p>
@@ -11134,7 +11085,7 @@
             <a:fld id="{33C87D94-F7E6-1E43-8374-5AB40E5CD468}" type="datetime1">
               <a:rPr lang="fr-FR" smtClean="0"/>
               <a:pPr/>
-              <a:t>29/03/10</a:t>
+              <a:t>6/04/10</a:t>
             </a:fld>
             <a:endParaRPr lang="fr-FR"/>
           </a:p>
@@ -11249,7 +11200,7 @@
             <a:fld id="{52EA62D5-502B-6246-986C-7F1DA3AA6C60}" type="datetime1">
               <a:rPr lang="fr-FR" smtClean="0"/>
               <a:pPr/>
-              <a:t>29/03/10</a:t>
+              <a:t>6/04/10</a:t>
             </a:fld>
             <a:endParaRPr lang="fr-FR"/>
           </a:p>
@@ -11341,7 +11292,7 @@
             <a:fld id="{8A43F226-8798-FB4E-9920-C90450151C74}" type="datetime1">
               <a:rPr lang="fr-FR" smtClean="0"/>
               <a:pPr/>
-              <a:t>29/03/10</a:t>
+              <a:t>6/04/10</a:t>
             </a:fld>
             <a:endParaRPr lang="fr-FR"/>
           </a:p>
@@ -11615,7 +11566,7 @@
             <a:fld id="{F3A22977-08BB-B542-B315-0A1A944980B8}" type="datetime1">
               <a:rPr lang="fr-FR" smtClean="0"/>
               <a:pPr/>
-              <a:t>29/03/10</a:t>
+              <a:t>6/04/10</a:t>
             </a:fld>
             <a:endParaRPr lang="fr-FR"/>
           </a:p>
@@ -11865,7 +11816,7 @@
             <a:fld id="{096F2F73-03B7-8F4F-B0B3-3EA33E3C8A3F}" type="datetime1">
               <a:rPr lang="fr-FR" smtClean="0"/>
               <a:pPr/>
-              <a:t>29/03/10</a:t>
+              <a:t>6/04/10</a:t>
             </a:fld>
             <a:endParaRPr lang="fr-FR"/>
           </a:p>
@@ -12075,7 +12026,7 @@
             <a:fld id="{C1D26DE3-065C-5345-9B04-A6BA04230672}" type="datetime1">
               <a:rPr lang="fr-FR" smtClean="0"/>
               <a:pPr/>
-              <a:t>29/03/10</a:t>
+              <a:t>6/04/10</a:t>
             </a:fld>
             <a:endParaRPr lang="fr-FR"/>
           </a:p>
@@ -12506,13 +12457,8 @@
           <a:p>
             <a:r>
               <a:rPr lang="en-GB" dirty="0" smtClean="0"/>
-              <a:t>A Yang Parser and Browser implementation on</a:t>
-            </a:r>
-            <a:r>
-              <a:rPr lang="en-GB" dirty="0" smtClean="0"/>
-              <a:t> IETF - NETCONF</a:t>
-            </a:r>
-            <a:endParaRPr lang="en-GB" dirty="0" smtClean="0"/>
+              <a:t>A Yang Parser and Browser implementation on IETF - NETCONF</a:t>
+            </a:r>
           </a:p>
           <a:p>
             <a:r>
@@ -12701,7 +12647,9 @@
           </a:xfrm>
         </p:spPr>
         <p:txBody>
-          <a:bodyPr/>
+          <a:bodyPr>
+            <a:normAutofit fontScale="92500" lnSpcReduction="10000"/>
+          </a:bodyPr>
           <a:lstStyle/>
           <a:p>
             <a:r>
@@ -12822,7 +12770,25 @@
             </a:r>
             <a:r>
               <a:rPr lang="fr-FR" dirty="0" smtClean="0"/>
-              <a:t> Manager : user input control</a:t>
+              <a:t> Manager : user input </a:t>
+            </a:r>
+            <a:r>
+              <a:rPr lang="fr-FR" dirty="0" smtClean="0"/>
+              <a:t>control</a:t>
+            </a:r>
+          </a:p>
+          <a:p>
+            <a:r>
+              <a:rPr lang="fr-FR" dirty="0" err="1" smtClean="0"/>
+              <a:t>Distributed</a:t>
+            </a:r>
+            <a:r>
+              <a:rPr lang="fr-FR" dirty="0" smtClean="0"/>
+              <a:t> Data </a:t>
+            </a:r>
+            <a:r>
+              <a:rPr lang="fr-FR" dirty="0" err="1" smtClean="0"/>
+              <a:t>Tree</a:t>
             </a:r>
             <a:endParaRPr lang="fr-FR" dirty="0"/>
           </a:p>
@@ -15257,7 +15223,7 @@
       <p:sp>
         <p:nvSpPr>
           <p:cNvPr id="7" name="Bouton d'action : Précédent 6">
-            <a:hlinkClick r:id="rId2" action="ppaction://hlinksldjump" highlightClick="1"/>
+            <a:hlinkClick r:id="rId3" action="ppaction://hlinksldjump" highlightClick="1"/>
           </p:cNvPr>
           <p:cNvSpPr/>
           <p:nvPr/>
@@ -15271,7 +15237,7 @@
             <a:avLst/>
           </a:prstGeom>
           <a:blipFill rotWithShape="1">
-            <a:blip r:embed="rId3"/>
+            <a:blip r:embed="rId4"/>
             <a:stretch>
               <a:fillRect/>
             </a:stretch>
@@ -15546,7 +15512,7 @@
           <p:nvPr/>
         </p:nvPicPr>
         <p:blipFill>
-          <a:blip r:embed="rId2"/>
+          <a:blip r:embed="rId3"/>
           <a:stretch>
             <a:fillRect/>
           </a:stretch>
@@ -15564,7 +15530,7 @@
       <p:sp>
         <p:nvSpPr>
           <p:cNvPr id="6" name="Bouton d'action : Précédent 5">
-            <a:hlinkClick r:id="rId3" action="ppaction://hlinksldjump" highlightClick="1"/>
+            <a:hlinkClick r:id="rId4" action="ppaction://hlinksldjump" highlightClick="1"/>
           </p:cNvPr>
           <p:cNvSpPr/>
           <p:nvPr/>
@@ -15578,7 +15544,7 @@
             <a:avLst/>
           </a:prstGeom>
           <a:blipFill rotWithShape="1">
-            <a:blip r:embed="rId4"/>
+            <a:blip r:embed="rId5"/>
             <a:stretch>
               <a:fillRect/>
             </a:stretch>
@@ -30345,15 +30311,7 @@
             </a:r>
             <a:r>
               <a:rPr lang="en-US" sz="2400" i="1" dirty="0" smtClean="0"/>
-              <a:t> : </a:t>
-            </a:r>
-            <a:r>
-              <a:rPr lang="en-US" sz="2400" i="1" dirty="0" smtClean="0"/>
-              <a:t>a </a:t>
-            </a:r>
-            <a:r>
-              <a:rPr lang="en-US" sz="2400" i="1" dirty="0" smtClean="0"/>
-              <a:t>YANG  Parser</a:t>
+              <a:t> : a YANG  Parser</a:t>
             </a:r>
             <a:endParaRPr lang="en-US" sz="2400" i="1" dirty="0"/>
           </a:p>
@@ -40711,11 +40669,7 @@
           <a:p>
             <a:r>
               <a:rPr lang="fr-FR" dirty="0" err="1" smtClean="0"/>
-              <a:t>m</a:t>
-            </a:r>
-            <a:r>
-              <a:rPr lang="fr-FR" dirty="0" err="1" smtClean="0"/>
-              <a:t>atching</a:t>
+              <a:t>matching</a:t>
             </a:r>
             <a:endParaRPr lang="fr-FR" dirty="0"/>
           </a:p>
@@ -42744,11 +42698,7 @@
             <a:pPr algn="ctr"/>
             <a:r>
               <a:rPr lang="en-US" dirty="0" smtClean="0"/>
-              <a:t>Data </a:t>
-            </a:r>
-            <a:r>
-              <a:rPr lang="en-US" dirty="0" smtClean="0"/>
-              <a:t>Store</a:t>
+              <a:t>Data Store</a:t>
             </a:r>
           </a:p>
           <a:p>
@@ -47960,11 +47910,6 @@
                 </a:rPr>
                 <a:t>NETCONF</a:t>
               </a:r>
-              <a:endParaRPr lang="fr-FR" sz="800" dirty="0" smtClean="0">
-                <a:solidFill>
-                  <a:schemeClr val="tx1"/>
-                </a:solidFill>
-              </a:endParaRPr>
             </a:p>
           </p:txBody>
         </p:sp>
